--- a/第四课.pptx
+++ b/第四课.pptx
@@ -3118,15 +3118,7 @@
             </a:r>
             <a:r>
               <a:rPr lang="en-US" altLang="zh-CN" dirty="0" err="1" smtClean="0"/>
-              <a:t>zeweichu</a:t>
-            </a:r>
-            <a:r>
-              <a:rPr lang="en-US" altLang="zh-CN" err="1" smtClean="0"/>
-              <a:t>@</a:t>
-            </a:r>
-            <a:r>
-              <a:rPr lang="en-US" altLang="zh-CN" smtClean="0"/>
-              <a:t>gmail.com</a:t>
+              <a:t>zeweichu@gmail.com</a:t>
             </a:r>
             <a:endParaRPr lang="en-US" altLang="zh-CN" dirty="0"/>
           </a:p>

--- a/第四课.pptx
+++ b/第四课.pptx
@@ -5,27 +5,28 @@
     <p:sldMasterId id="2147483648" r:id="rId1"/>
   </p:sldMasterIdLst>
   <p:notesMasterIdLst>
-    <p:notesMasterId r:id="rId17"/>
+    <p:notesMasterId r:id="rId18"/>
   </p:notesMasterIdLst>
   <p:handoutMasterIdLst>
-    <p:handoutMasterId r:id="rId18"/>
+    <p:handoutMasterId r:id="rId19"/>
   </p:handoutMasterIdLst>
   <p:sldIdLst>
     <p:sldId id="256" r:id="rId2"/>
     <p:sldId id="1707" r:id="rId3"/>
-    <p:sldId id="262" r:id="rId4"/>
-    <p:sldId id="1709" r:id="rId5"/>
-    <p:sldId id="1734" r:id="rId6"/>
-    <p:sldId id="1735" r:id="rId7"/>
-    <p:sldId id="1736" r:id="rId8"/>
-    <p:sldId id="1737" r:id="rId9"/>
-    <p:sldId id="1739" r:id="rId10"/>
-    <p:sldId id="1738" r:id="rId11"/>
-    <p:sldId id="1740" r:id="rId12"/>
-    <p:sldId id="1741" r:id="rId13"/>
-    <p:sldId id="1742" r:id="rId14"/>
-    <p:sldId id="1704" r:id="rId15"/>
-    <p:sldId id="261" r:id="rId16"/>
+    <p:sldId id="1743" r:id="rId4"/>
+    <p:sldId id="1745" r:id="rId5"/>
+    <p:sldId id="1746" r:id="rId6"/>
+    <p:sldId id="1747" r:id="rId7"/>
+    <p:sldId id="262" r:id="rId8"/>
+    <p:sldId id="1748" r:id="rId9"/>
+    <p:sldId id="1734" r:id="rId10"/>
+    <p:sldId id="1735" r:id="rId11"/>
+    <p:sldId id="1736" r:id="rId12"/>
+    <p:sldId id="1738" r:id="rId13"/>
+    <p:sldId id="1740" r:id="rId14"/>
+    <p:sldId id="1741" r:id="rId15"/>
+    <p:sldId id="1742" r:id="rId16"/>
+    <p:sldId id="261" r:id="rId17"/>
   </p:sldIdLst>
   <p:sldSz cx="12192000" cy="6858000"/>
   <p:notesSz cx="6858000" cy="9144000"/>
@@ -209,7 +210,7 @@
           <a:p>
             <a:fld id="{0F9B84EA-7D68-4D60-9CB1-D50884785D1C}" type="datetimeFigureOut">
               <a:rPr lang="zh-CN" altLang="en-US" smtClean="0"/>
-              <a:t>3/23/19</a:t>
+              <a:t>3/30/19</a:t>
             </a:fld>
             <a:endParaRPr lang="zh-CN" altLang="en-US"/>
           </a:p>
@@ -375,7 +376,7 @@
           <a:p>
             <a:fld id="{B543DE76-AB28-4417-8D9D-28409C43EEBE}" type="datetimeFigureOut">
               <a:rPr lang="zh-CN" altLang="en-US" smtClean="0"/>
-              <a:t>3/23/19</a:t>
+              <a:t>3/30/19</a:t>
             </a:fld>
             <a:endParaRPr lang="zh-CN" altLang="en-US"/>
           </a:p>
@@ -945,7 +946,7 @@
           <a:p>
             <a:fld id="{6C557799-C120-4320-A1EE-38D8F89076F9}" type="slidenum">
               <a:rPr lang="zh-CN" altLang="en-US" smtClean="0"/>
-              <a:t>4</a:t>
+              <a:t>7</a:t>
             </a:fld>
             <a:endParaRPr lang="zh-CN" altLang="en-US"/>
           </a:p>
@@ -1024,86 +1025,7 @@
           <a:p>
             <a:fld id="{6C557799-C120-4320-A1EE-38D8F89076F9}" type="slidenum">
               <a:rPr lang="zh-CN" altLang="en-US" smtClean="0"/>
-              <a:t>14</a:t>
-            </a:fld>
-            <a:endParaRPr lang="zh-CN" altLang="en-US"/>
-          </a:p>
-        </p:txBody>
-      </p:sp>
-    </p:spTree>
-  </p:cSld>
-  <p:clrMapOvr>
-    <a:masterClrMapping/>
-  </p:clrMapOvr>
-</p:notes>
-</file>
-
-<file path=ppt/notesSlides/notesSlide6.xml><?xml version="1.0" encoding="utf-8"?>
-<p:notes xmlns:a="http://schemas.openxmlformats.org/drawingml/2006/main" xmlns:r="http://schemas.openxmlformats.org/officeDocument/2006/relationships" xmlns:p="http://schemas.openxmlformats.org/presentationml/2006/main">
-  <p:cSld>
-    <p:spTree>
-      <p:nvGrpSpPr>
-        <p:cNvPr id="1" name=""/>
-        <p:cNvGrpSpPr/>
-        <p:nvPr/>
-      </p:nvGrpSpPr>
-      <p:grpSpPr>
-        <a:xfrm>
-          <a:off x="0" y="0"/>
-          <a:ext cx="0" cy="0"/>
-          <a:chOff x="0" y="0"/>
-          <a:chExt cx="0" cy="0"/>
-        </a:xfrm>
-      </p:grpSpPr>
-      <p:sp>
-        <p:nvSpPr>
-          <p:cNvPr id="2" name="幻灯片图像占位符 1"/>
-          <p:cNvSpPr>
-            <a:spLocks noGrp="1" noRot="1" noChangeAspect="1"/>
-          </p:cNvSpPr>
-          <p:nvPr>
-            <p:ph type="sldImg" idx="2"/>
-          </p:nvPr>
-        </p:nvSpPr>
-        <p:spPr/>
-      </p:sp>
-      <p:sp>
-        <p:nvSpPr>
-          <p:cNvPr id="3" name="文本占位符 2"/>
-          <p:cNvSpPr>
-            <a:spLocks noGrp="1"/>
-          </p:cNvSpPr>
-          <p:nvPr>
-            <p:ph type="body" idx="3"/>
-          </p:nvPr>
-        </p:nvSpPr>
-        <p:spPr/>
-        <p:txBody>
-          <a:bodyPr/>
-          <a:lstStyle/>
-          <a:p>
-            <a:endParaRPr lang="zh-CN" altLang="en-US"/>
-          </a:p>
-        </p:txBody>
-      </p:sp>
-      <p:sp>
-        <p:nvSpPr>
-          <p:cNvPr id="4" name="灯片编号占位符 3"/>
-          <p:cNvSpPr>
-            <a:spLocks noGrp="1"/>
-          </p:cNvSpPr>
-          <p:nvPr>
-            <p:ph type="sldNum" sz="quarter" idx="5"/>
-          </p:nvPr>
-        </p:nvSpPr>
-        <p:spPr/>
-        <p:txBody>
-          <a:bodyPr/>
-          <a:lstStyle/>
-          <a:p>
-            <a:fld id="{6C557799-C120-4320-A1EE-38D8F89076F9}" type="slidenum">
-              <a:rPr lang="zh-CN" altLang="en-US" smtClean="0"/>
-              <a:t>15</a:t>
+              <a:t>16</a:t>
             </a:fld>
             <a:endParaRPr lang="zh-CN" altLang="en-US"/>
           </a:p>
@@ -3043,29 +2965,19 @@
             <p:ph type="ctrTitle"/>
           </p:nvPr>
         </p:nvSpPr>
-        <p:spPr/>
+        <p:spPr>
+          <a:xfrm>
+            <a:off x="5412252" y="2320538"/>
+            <a:ext cx="6108236" cy="1308152"/>
+          </a:xfrm>
+        </p:spPr>
         <p:txBody>
           <a:bodyPr/>
           <a:lstStyle/>
           <a:p>
             <a:r>
-              <a:rPr lang="en-US" altLang="zh-CN" dirty="0" err="1" smtClean="0"/>
-              <a:t>PyTorch</a:t>
-            </a:r>
-            <a:r>
               <a:rPr lang="zh-CN" altLang="en-US" dirty="0" smtClean="0"/>
-              <a:t>入门与实战</a:t>
-            </a:r>
-            <a:r>
-              <a:rPr lang="en-US" altLang="zh-CN" dirty="0" smtClean="0"/>
-              <a:t/>
-            </a:r>
-            <a:br>
-              <a:rPr lang="en-US" altLang="zh-CN" dirty="0" smtClean="0"/>
-            </a:br>
-            <a:r>
-              <a:rPr lang="zh-CN" altLang="en-US" dirty="0" smtClean="0"/>
-              <a:t>第四课</a:t>
+              <a:t>卷积神经网络与图像识别</a:t>
             </a:r>
             <a:endParaRPr lang="zh-CN" altLang="en-US" dirty="0"/>
           </a:p>
@@ -3410,7 +3322,7 @@
           <a:p>
             <a:r>
               <a:rPr lang="en-US" dirty="0" err="1" smtClean="0"/>
-              <a:t>ResNet</a:t>
+              <a:t>AlexNet</a:t>
             </a:r>
             <a:endParaRPr lang="en-US" dirty="0"/>
           </a:p>
@@ -3439,57 +3351,9 @@
           </a:p>
         </p:txBody>
       </p:sp>
-      <p:sp>
-        <p:nvSpPr>
-          <p:cNvPr id="5" name="TextBox 4"/>
-          <p:cNvSpPr txBox="1"/>
-          <p:nvPr/>
-        </p:nvSpPr>
-        <p:spPr>
-          <a:xfrm>
-            <a:off x="8077546" y="1816493"/>
-            <a:ext cx="3352108" cy="1754327"/>
-          </a:xfrm>
-          <a:prstGeom prst="rect">
-            <a:avLst/>
-          </a:prstGeom>
-          <a:noFill/>
-        </p:spPr>
-        <p:txBody>
-          <a:bodyPr wrap="square" rtlCol="0">
-            <a:spAutoFit/>
-          </a:bodyPr>
-          <a:lstStyle/>
-          <a:p>
-            <a:r>
-              <a:rPr lang="en-US" altLang="zh-CN" dirty="0" smtClean="0"/>
-              <a:t>He, et al., </a:t>
-            </a:r>
-            <a:r>
-              <a:rPr lang="en-US" dirty="0" smtClean="0"/>
-              <a:t>Deep </a:t>
-            </a:r>
-            <a:r>
-              <a:rPr lang="en-US" dirty="0"/>
-              <a:t>Residual Learning for Image Recognition</a:t>
-            </a:r>
-            <a:endParaRPr lang="en-US" dirty="0" smtClean="0"/>
-          </a:p>
-          <a:p>
-            <a:endParaRPr lang="en-US" dirty="0"/>
-          </a:p>
-          <a:p>
-            <a:r>
-              <a:rPr lang="mr-IN" dirty="0"/>
-              <a:t>https://arxiv.org/abs/1512.03385</a:t>
-            </a:r>
-            <a:endParaRPr lang="en-US" dirty="0"/>
-          </a:p>
-        </p:txBody>
-      </p:sp>
       <p:pic>
         <p:nvPicPr>
-          <p:cNvPr id="6" name="Picture 5"/>
+          <p:cNvPr id="4" name="Picture 3"/>
           <p:cNvPicPr>
             <a:picLocks noChangeAspect="1"/>
           </p:cNvPicPr>
@@ -3503,18 +3367,122 @@
         </p:blipFill>
         <p:spPr>
           <a:xfrm>
-            <a:off x="502078" y="1207655"/>
-            <a:ext cx="6176450" cy="4805034"/>
+            <a:off x="698500" y="1390182"/>
+            <a:ext cx="10795000" cy="3073400"/>
           </a:xfrm>
           <a:prstGeom prst="rect">
             <a:avLst/>
           </a:prstGeom>
         </p:spPr>
       </p:pic>
+      <p:sp>
+        <p:nvSpPr>
+          <p:cNvPr id="5" name="TextBox 4"/>
+          <p:cNvSpPr txBox="1"/>
+          <p:nvPr/>
+        </p:nvSpPr>
+        <p:spPr>
+          <a:xfrm>
+            <a:off x="753116" y="4770139"/>
+            <a:ext cx="9332741" cy="1200329"/>
+          </a:xfrm>
+          <a:prstGeom prst="rect">
+            <a:avLst/>
+          </a:prstGeom>
+          <a:noFill/>
+        </p:spPr>
+        <p:txBody>
+          <a:bodyPr wrap="square" rtlCol="0">
+            <a:spAutoFit/>
+          </a:bodyPr>
+          <a:lstStyle/>
+          <a:p>
+            <a:r>
+              <a:rPr lang="en-US" altLang="zh-CN" dirty="0" smtClean="0"/>
+              <a:t>Alex </a:t>
+            </a:r>
+            <a:r>
+              <a:rPr lang="en-US" altLang="zh-CN" dirty="0" err="1" smtClean="0"/>
+              <a:t>Krizhevsky</a:t>
+            </a:r>
+            <a:r>
+              <a:rPr lang="en-US" altLang="zh-CN" dirty="0" smtClean="0"/>
+              <a:t> et al., 2012</a:t>
+            </a:r>
+            <a:r>
+              <a:rPr lang="zh-CN" altLang="en-US" dirty="0" smtClean="0"/>
+              <a:t>年</a:t>
+            </a:r>
+            <a:endParaRPr lang="en-US" altLang="zh-CN" dirty="0" smtClean="0"/>
+          </a:p>
+          <a:p>
+            <a:r>
+              <a:rPr lang="en-US" altLang="zh-CN" dirty="0" err="1"/>
+              <a:t>ImageNet</a:t>
+            </a:r>
+            <a:r>
+              <a:rPr lang="en-US" altLang="zh-CN" dirty="0"/>
+              <a:t> Classification with Deep </a:t>
+            </a:r>
+            <a:r>
+              <a:rPr lang="en-US" altLang="zh-CN" dirty="0" smtClean="0"/>
+              <a:t>Convolutional</a:t>
+            </a:r>
+            <a:r>
+              <a:rPr lang="zh-CN" altLang="en-US" dirty="0" smtClean="0"/>
+              <a:t> </a:t>
+            </a:r>
+            <a:r>
+              <a:rPr lang="en-US" altLang="zh-CN" dirty="0" smtClean="0"/>
+              <a:t>Neural </a:t>
+            </a:r>
+            <a:r>
+              <a:rPr lang="en-US" altLang="zh-CN" dirty="0"/>
+              <a:t>Networks</a:t>
+            </a:r>
+            <a:endParaRPr lang="en-US" altLang="zh-CN" dirty="0" smtClean="0"/>
+          </a:p>
+          <a:p>
+            <a:r>
+              <a:rPr lang="en-US" dirty="0"/>
+              <a:t>https://</a:t>
+            </a:r>
+            <a:r>
+              <a:rPr lang="en-US" dirty="0" err="1"/>
+              <a:t>www.nvidia.cn</a:t>
+            </a:r>
+            <a:r>
+              <a:rPr lang="en-US" dirty="0"/>
+              <a:t>/content/tesla/</a:t>
+            </a:r>
+            <a:r>
+              <a:rPr lang="en-US" dirty="0" err="1"/>
+              <a:t>pdf</a:t>
+            </a:r>
+            <a:r>
+              <a:rPr lang="en-US" dirty="0"/>
+              <a:t>/machine-learning/</a:t>
+            </a:r>
+            <a:r>
+              <a:rPr lang="en-US" dirty="0" err="1"/>
+              <a:t>imagenet</a:t>
+            </a:r>
+            <a:r>
+              <a:rPr lang="en-US" dirty="0"/>
+              <a:t>-classification-with-deep-convolutional-</a:t>
+            </a:r>
+            <a:r>
+              <a:rPr lang="en-US" dirty="0" err="1"/>
+              <a:t>nn.pdf</a:t>
+            </a:r>
+            <a:endParaRPr lang="en-US" dirty="0"/>
+          </a:p>
+        </p:txBody>
+      </p:sp>
     </p:spTree>
     <p:extLst>
       <p:ext uri="{BB962C8B-B14F-4D97-AF65-F5344CB8AC3E}">
-        <p14:creationId xmlns:p14="http://schemas.microsoft.com/office/powerpoint/2010/main" val="1916065488"/>
+        <p14:creationId xmlns:p14="http://schemas.microsoft.com/office/powerpoint/2010/main" val="686467359"/>
       </p:ext>
     </p:extLst>
   </p:cSld>
@@ -3557,8 +3525,8 @@
           <a:lstStyle/>
           <a:p>
             <a:r>
-              <a:rPr lang="en-US" dirty="0" err="1" smtClean="0"/>
-              <a:t>ResNet</a:t>
+              <a:rPr lang="en-US" dirty="0" smtClean="0"/>
+              <a:t>VGG-16</a:t>
             </a:r>
             <a:endParaRPr lang="en-US" dirty="0"/>
           </a:p>
@@ -3589,7 +3557,7 @@
       </p:sp>
       <p:pic>
         <p:nvPicPr>
-          <p:cNvPr id="5" name="Picture 4"/>
+          <p:cNvPr id="4" name="Picture 3"/>
           <p:cNvPicPr>
             <a:picLocks noChangeAspect="1"/>
           </p:cNvPicPr>
@@ -3603,18 +3571,97 @@
         </p:blipFill>
         <p:spPr>
           <a:xfrm>
-            <a:off x="46666" y="1201783"/>
-            <a:ext cx="12115800" cy="4737100"/>
+            <a:off x="664515" y="1223015"/>
+            <a:ext cx="8101555" cy="4748890"/>
           </a:xfrm>
           <a:prstGeom prst="rect">
             <a:avLst/>
           </a:prstGeom>
         </p:spPr>
       </p:pic>
+      <p:sp>
+        <p:nvSpPr>
+          <p:cNvPr id="5" name="TextBox 4"/>
+          <p:cNvSpPr txBox="1"/>
+          <p:nvPr/>
+        </p:nvSpPr>
+        <p:spPr>
+          <a:xfrm>
+            <a:off x="9642848" y="1491592"/>
+            <a:ext cx="1831107" cy="3416320"/>
+          </a:xfrm>
+          <a:prstGeom prst="rect">
+            <a:avLst/>
+          </a:prstGeom>
+          <a:noFill/>
+        </p:spPr>
+        <p:txBody>
+          <a:bodyPr wrap="square" rtlCol="0">
+            <a:spAutoFit/>
+          </a:bodyPr>
+          <a:lstStyle/>
+          <a:p>
+            <a:r>
+              <a:rPr lang="en-US" dirty="0" err="1" smtClean="0"/>
+              <a:t>Simonyan</a:t>
+            </a:r>
+            <a:r>
+              <a:rPr lang="en-US" dirty="0" smtClean="0"/>
+              <a:t> and </a:t>
+            </a:r>
+            <a:r>
+              <a:rPr lang="en-US" dirty="0" err="1" smtClean="0"/>
+              <a:t>Zisserman</a:t>
+            </a:r>
+            <a:r>
+              <a:rPr lang="en-US" dirty="0" smtClean="0"/>
+              <a:t>,</a:t>
+            </a:r>
+          </a:p>
+          <a:p>
+            <a:endParaRPr lang="en-US" dirty="0" smtClean="0"/>
+          </a:p>
+          <a:p>
+            <a:r>
+              <a:rPr lang="en-US" dirty="0" smtClean="0"/>
+              <a:t>Very </a:t>
+            </a:r>
+            <a:r>
+              <a:rPr lang="en-US" dirty="0"/>
+              <a:t>Deep Convolutional Networks for Large-Scale Image </a:t>
+            </a:r>
+            <a:r>
+              <a:rPr lang="en-US" dirty="0" smtClean="0"/>
+              <a:t>Recognition</a:t>
+            </a:r>
+          </a:p>
+          <a:p>
+            <a:endParaRPr lang="en-US" dirty="0"/>
+          </a:p>
+          <a:p>
+            <a:r>
+              <a:rPr lang="en-US" dirty="0" smtClean="0"/>
+              <a:t>https</a:t>
+            </a:r>
+            <a:r>
+              <a:rPr lang="en-US" dirty="0"/>
+              <a:t>://</a:t>
+            </a:r>
+            <a:r>
+              <a:rPr lang="en-US" dirty="0" err="1"/>
+              <a:t>arxiv.org</a:t>
+            </a:r>
+            <a:r>
+              <a:rPr lang="en-US" dirty="0"/>
+              <a:t>/abs/1409.1556</a:t>
+            </a:r>
+          </a:p>
+        </p:txBody>
+      </p:sp>
     </p:spTree>
     <p:extLst>
       <p:ext uri="{BB962C8B-B14F-4D97-AF65-F5344CB8AC3E}">
-        <p14:creationId xmlns:p14="http://schemas.microsoft.com/office/powerpoint/2010/main" val="3146491975"/>
+        <p14:creationId xmlns:p14="http://schemas.microsoft.com/office/powerpoint/2010/main" val="168180456"/>
       </p:ext>
     </p:extLst>
   </p:cSld>
@@ -3657,8 +3704,8 @@
           <a:lstStyle/>
           <a:p>
             <a:r>
-              <a:rPr lang="en-US" altLang="zh-CN" dirty="0" err="1" smtClean="0"/>
-              <a:t>DenseNet</a:t>
+              <a:rPr lang="en-US" dirty="0" err="1" smtClean="0"/>
+              <a:t>ResNet</a:t>
             </a:r>
             <a:endParaRPr lang="en-US" dirty="0"/>
           </a:p>
@@ -3687,9 +3734,57 @@
           </a:p>
         </p:txBody>
       </p:sp>
+      <p:sp>
+        <p:nvSpPr>
+          <p:cNvPr id="5" name="TextBox 4"/>
+          <p:cNvSpPr txBox="1"/>
+          <p:nvPr/>
+        </p:nvSpPr>
+        <p:spPr>
+          <a:xfrm>
+            <a:off x="8077546" y="1816493"/>
+            <a:ext cx="3352108" cy="1754327"/>
+          </a:xfrm>
+          <a:prstGeom prst="rect">
+            <a:avLst/>
+          </a:prstGeom>
+          <a:noFill/>
+        </p:spPr>
+        <p:txBody>
+          <a:bodyPr wrap="square" rtlCol="0">
+            <a:spAutoFit/>
+          </a:bodyPr>
+          <a:lstStyle/>
+          <a:p>
+            <a:r>
+              <a:rPr lang="en-US" altLang="zh-CN" dirty="0" smtClean="0"/>
+              <a:t>He, et al., </a:t>
+            </a:r>
+            <a:r>
+              <a:rPr lang="en-US" dirty="0" smtClean="0"/>
+              <a:t>Deep </a:t>
+            </a:r>
+            <a:r>
+              <a:rPr lang="en-US" dirty="0"/>
+              <a:t>Residual Learning for Image Recognition</a:t>
+            </a:r>
+            <a:endParaRPr lang="en-US" dirty="0" smtClean="0"/>
+          </a:p>
+          <a:p>
+            <a:endParaRPr lang="en-US" dirty="0"/>
+          </a:p>
+          <a:p>
+            <a:r>
+              <a:rPr lang="mr-IN" dirty="0"/>
+              <a:t>https://arxiv.org/abs/1512.03385</a:t>
+            </a:r>
+            <a:endParaRPr lang="en-US" dirty="0"/>
+          </a:p>
+        </p:txBody>
+      </p:sp>
       <p:pic>
         <p:nvPicPr>
-          <p:cNvPr id="4" name="Picture 3"/>
+          <p:cNvPr id="6" name="Picture 5"/>
           <p:cNvPicPr>
             <a:picLocks noChangeAspect="1"/>
           </p:cNvPicPr>
@@ -3703,8 +3798,8 @@
         </p:blipFill>
         <p:spPr>
           <a:xfrm>
-            <a:off x="2407020" y="1313003"/>
-            <a:ext cx="6526128" cy="4749323"/>
+            <a:off x="502078" y="1207655"/>
+            <a:ext cx="6176450" cy="4805034"/>
           </a:xfrm>
           <a:prstGeom prst="rect">
             <a:avLst/>
@@ -3714,7 +3809,7 @@
     </p:spTree>
     <p:extLst>
       <p:ext uri="{BB962C8B-B14F-4D97-AF65-F5344CB8AC3E}">
-        <p14:creationId xmlns:p14="http://schemas.microsoft.com/office/powerpoint/2010/main" val="4271688829"/>
+        <p14:creationId xmlns:p14="http://schemas.microsoft.com/office/powerpoint/2010/main" val="1916065488"/>
       </p:ext>
     </p:extLst>
   </p:cSld>
@@ -3757,8 +3852,8 @@
           <a:lstStyle/>
           <a:p>
             <a:r>
-              <a:rPr lang="en-US" altLang="zh-CN" dirty="0" err="1" smtClean="0"/>
-              <a:t>DenseNet</a:t>
+              <a:rPr lang="en-US" dirty="0" err="1" smtClean="0"/>
+              <a:t>ResNet</a:t>
             </a:r>
             <a:endParaRPr lang="en-US" dirty="0"/>
           </a:p>
@@ -3782,6 +3877,206 @@
             <a:fld id="{5DD3DB80-B894-403A-B48E-6FDC1A72010E}" type="slidenum">
               <a:rPr lang="zh-CN" altLang="en-US" smtClean="0"/>
               <a:t>13</a:t>
+            </a:fld>
+            <a:endParaRPr lang="zh-CN" altLang="en-US"/>
+          </a:p>
+        </p:txBody>
+      </p:sp>
+      <p:pic>
+        <p:nvPicPr>
+          <p:cNvPr id="5" name="Picture 4"/>
+          <p:cNvPicPr>
+            <a:picLocks noChangeAspect="1"/>
+          </p:cNvPicPr>
+          <p:nvPr/>
+        </p:nvPicPr>
+        <p:blipFill>
+          <a:blip r:embed="rId2"/>
+          <a:stretch>
+            <a:fillRect/>
+          </a:stretch>
+        </p:blipFill>
+        <p:spPr>
+          <a:xfrm>
+            <a:off x="46666" y="1201783"/>
+            <a:ext cx="12115800" cy="4737100"/>
+          </a:xfrm>
+          <a:prstGeom prst="rect">
+            <a:avLst/>
+          </a:prstGeom>
+        </p:spPr>
+      </p:pic>
+    </p:spTree>
+    <p:extLst>
+      <p:ext uri="{BB962C8B-B14F-4D97-AF65-F5344CB8AC3E}">
+        <p14:creationId xmlns:p14="http://schemas.microsoft.com/office/powerpoint/2010/main" val="3146491975"/>
+      </p:ext>
+    </p:extLst>
+  </p:cSld>
+  <p:clrMapOvr>
+    <a:masterClrMapping/>
+  </p:clrMapOvr>
+</p:sld>
+</file>
+
+<file path=ppt/slides/slide14.xml><?xml version="1.0" encoding="utf-8"?>
+<p:sld xmlns:a="http://schemas.openxmlformats.org/drawingml/2006/main" xmlns:r="http://schemas.openxmlformats.org/officeDocument/2006/relationships" xmlns:p="http://schemas.openxmlformats.org/presentationml/2006/main">
+  <p:cSld>
+    <p:spTree>
+      <p:nvGrpSpPr>
+        <p:cNvPr id="1" name=""/>
+        <p:cNvGrpSpPr/>
+        <p:nvPr/>
+      </p:nvGrpSpPr>
+      <p:grpSpPr>
+        <a:xfrm>
+          <a:off x="0" y="0"/>
+          <a:ext cx="0" cy="0"/>
+          <a:chOff x="0" y="0"/>
+          <a:chExt cx="0" cy="0"/>
+        </a:xfrm>
+      </p:grpSpPr>
+      <p:sp>
+        <p:nvSpPr>
+          <p:cNvPr id="2" name="Title 1"/>
+          <p:cNvSpPr>
+            <a:spLocks noGrp="1"/>
+          </p:cNvSpPr>
+          <p:nvPr>
+            <p:ph type="title"/>
+          </p:nvPr>
+        </p:nvSpPr>
+        <p:spPr/>
+        <p:txBody>
+          <a:bodyPr/>
+          <a:lstStyle/>
+          <a:p>
+            <a:r>
+              <a:rPr lang="en-US" altLang="zh-CN" dirty="0" err="1" smtClean="0"/>
+              <a:t>DenseNet</a:t>
+            </a:r>
+            <a:endParaRPr lang="en-US" dirty="0"/>
+          </a:p>
+        </p:txBody>
+      </p:sp>
+      <p:sp>
+        <p:nvSpPr>
+          <p:cNvPr id="3" name="Slide Number Placeholder 2"/>
+          <p:cNvSpPr>
+            <a:spLocks noGrp="1"/>
+          </p:cNvSpPr>
+          <p:nvPr>
+            <p:ph type="sldNum" sz="quarter" idx="12"/>
+          </p:nvPr>
+        </p:nvSpPr>
+        <p:spPr/>
+        <p:txBody>
+          <a:bodyPr/>
+          <a:lstStyle/>
+          <a:p>
+            <a:fld id="{5DD3DB80-B894-403A-B48E-6FDC1A72010E}" type="slidenum">
+              <a:rPr lang="zh-CN" altLang="en-US" smtClean="0"/>
+              <a:t>14</a:t>
+            </a:fld>
+            <a:endParaRPr lang="zh-CN" altLang="en-US"/>
+          </a:p>
+        </p:txBody>
+      </p:sp>
+      <p:pic>
+        <p:nvPicPr>
+          <p:cNvPr id="4" name="Picture 3"/>
+          <p:cNvPicPr>
+            <a:picLocks noChangeAspect="1"/>
+          </p:cNvPicPr>
+          <p:nvPr/>
+        </p:nvPicPr>
+        <p:blipFill>
+          <a:blip r:embed="rId2"/>
+          <a:stretch>
+            <a:fillRect/>
+          </a:stretch>
+        </p:blipFill>
+        <p:spPr>
+          <a:xfrm>
+            <a:off x="2407020" y="1313003"/>
+            <a:ext cx="6526128" cy="4749323"/>
+          </a:xfrm>
+          <a:prstGeom prst="rect">
+            <a:avLst/>
+          </a:prstGeom>
+        </p:spPr>
+      </p:pic>
+    </p:spTree>
+    <p:extLst>
+      <p:ext uri="{BB962C8B-B14F-4D97-AF65-F5344CB8AC3E}">
+        <p14:creationId xmlns:p14="http://schemas.microsoft.com/office/powerpoint/2010/main" val="4271688829"/>
+      </p:ext>
+    </p:extLst>
+  </p:cSld>
+  <p:clrMapOvr>
+    <a:masterClrMapping/>
+  </p:clrMapOvr>
+</p:sld>
+</file>
+
+<file path=ppt/slides/slide15.xml><?xml version="1.0" encoding="utf-8"?>
+<p:sld xmlns:a="http://schemas.openxmlformats.org/drawingml/2006/main" xmlns:r="http://schemas.openxmlformats.org/officeDocument/2006/relationships" xmlns:p="http://schemas.openxmlformats.org/presentationml/2006/main">
+  <p:cSld>
+    <p:spTree>
+      <p:nvGrpSpPr>
+        <p:cNvPr id="1" name=""/>
+        <p:cNvGrpSpPr/>
+        <p:nvPr/>
+      </p:nvGrpSpPr>
+      <p:grpSpPr>
+        <a:xfrm>
+          <a:off x="0" y="0"/>
+          <a:ext cx="0" cy="0"/>
+          <a:chOff x="0" y="0"/>
+          <a:chExt cx="0" cy="0"/>
+        </a:xfrm>
+      </p:grpSpPr>
+      <p:sp>
+        <p:nvSpPr>
+          <p:cNvPr id="2" name="Title 1"/>
+          <p:cNvSpPr>
+            <a:spLocks noGrp="1"/>
+          </p:cNvSpPr>
+          <p:nvPr>
+            <p:ph type="title"/>
+          </p:nvPr>
+        </p:nvSpPr>
+        <p:spPr/>
+        <p:txBody>
+          <a:bodyPr/>
+          <a:lstStyle/>
+          <a:p>
+            <a:r>
+              <a:rPr lang="en-US" altLang="zh-CN" dirty="0" err="1" smtClean="0"/>
+              <a:t>DenseNet</a:t>
+            </a:r>
+            <a:endParaRPr lang="en-US" dirty="0"/>
+          </a:p>
+        </p:txBody>
+      </p:sp>
+      <p:sp>
+        <p:nvSpPr>
+          <p:cNvPr id="3" name="Slide Number Placeholder 2"/>
+          <p:cNvSpPr>
+            <a:spLocks noGrp="1"/>
+          </p:cNvSpPr>
+          <p:nvPr>
+            <p:ph type="sldNum" sz="quarter" idx="12"/>
+          </p:nvPr>
+        </p:nvSpPr>
+        <p:spPr/>
+        <p:txBody>
+          <a:bodyPr/>
+          <a:lstStyle/>
+          <a:p>
+            <a:fld id="{5DD3DB80-B894-403A-B48E-6FDC1A72010E}" type="slidenum">
+              <a:rPr lang="zh-CN" altLang="en-US" smtClean="0"/>
+              <a:t>15</a:t>
             </a:fld>
             <a:endParaRPr lang="zh-CN" altLang="en-US"/>
           </a:p>
@@ -3860,181 +4155,7 @@
 </p:sld>
 </file>
 
-<file path=ppt/slides/slide14.xml><?xml version="1.0" encoding="utf-8"?>
-<p:sld xmlns:a="http://schemas.openxmlformats.org/drawingml/2006/main" xmlns:r="http://schemas.openxmlformats.org/officeDocument/2006/relationships" xmlns:p="http://schemas.openxmlformats.org/presentationml/2006/main">
-  <p:cSld>
-    <p:spTree>
-      <p:nvGrpSpPr>
-        <p:cNvPr id="1" name=""/>
-        <p:cNvGrpSpPr/>
-        <p:nvPr/>
-      </p:nvGrpSpPr>
-      <p:grpSpPr>
-        <a:xfrm>
-          <a:off x="0" y="0"/>
-          <a:ext cx="0" cy="0"/>
-          <a:chOff x="0" y="0"/>
-          <a:chExt cx="0" cy="0"/>
-        </a:xfrm>
-      </p:grpSpPr>
-      <p:sp>
-        <p:nvSpPr>
-          <p:cNvPr id="12" name="标题 4"/>
-          <p:cNvSpPr>
-            <a:spLocks noGrp="1"/>
-          </p:cNvSpPr>
-          <p:nvPr>
-            <p:ph type="title"/>
-          </p:nvPr>
-        </p:nvSpPr>
-        <p:spPr/>
-        <p:txBody>
-          <a:bodyPr/>
-          <a:lstStyle/>
-          <a:p>
-            <a:r>
-              <a:rPr lang="en-US" altLang="zh-CN"/>
-              <a:t>Section Header Here</a:t>
-            </a:r>
-            <a:endParaRPr lang="zh-CN" altLang="en-US" dirty="0"/>
-          </a:p>
-        </p:txBody>
-      </p:sp>
-      <p:sp>
-        <p:nvSpPr>
-          <p:cNvPr id="13" name="文本占位符 5"/>
-          <p:cNvSpPr>
-            <a:spLocks noGrp="1"/>
-          </p:cNvSpPr>
-          <p:nvPr>
-            <p:ph type="body" idx="1"/>
-          </p:nvPr>
-        </p:nvSpPr>
-        <p:spPr>
-          <a:xfrm>
-            <a:off x="6027447" y="3876675"/>
-            <a:ext cx="5229104" cy="1015623"/>
-          </a:xfrm>
-        </p:spPr>
-        <p:txBody>
-          <a:bodyPr/>
-          <a:lstStyle/>
-          <a:p>
-            <a:pPr lvl="0"/>
-            <a:r>
-              <a:rPr lang="en-US" altLang="zh-CN"/>
-              <a:t>Supporting text here.</a:t>
-            </a:r>
-          </a:p>
-          <a:p>
-            <a:pPr lvl="0"/>
-            <a:r>
-              <a:rPr lang="en-US" altLang="zh-CN"/>
-              <a:t>When you copy &amp; paste, choose "keep text only" option.</a:t>
-            </a:r>
-            <a:endParaRPr lang="zh-CN" altLang="en-US" dirty="0"/>
-          </a:p>
-        </p:txBody>
-      </p:sp>
-      <p:cxnSp>
-        <p:nvCxnSpPr>
-          <p:cNvPr id="18" name="直接连接符 17"/>
-          <p:cNvCxnSpPr/>
-          <p:nvPr/>
-        </p:nvCxnSpPr>
-        <p:spPr>
-          <a:xfrm>
-            <a:off x="5867400" y="3473450"/>
-            <a:ext cx="0" cy="996950"/>
-          </a:xfrm>
-          <a:prstGeom prst="line">
-            <a:avLst/>
-          </a:prstGeom>
-          <a:ln w="12700">
-            <a:solidFill>
-              <a:schemeClr val="bg1"/>
-            </a:solidFill>
-          </a:ln>
-        </p:spPr>
-        <p:style>
-          <a:lnRef idx="1">
-            <a:schemeClr val="accent1"/>
-          </a:lnRef>
-          <a:fillRef idx="0">
-            <a:schemeClr val="accent1"/>
-          </a:fillRef>
-          <a:effectRef idx="0">
-            <a:schemeClr val="accent1"/>
-          </a:effectRef>
-          <a:fontRef idx="minor">
-            <a:schemeClr val="tx1"/>
-          </a:fontRef>
-        </p:style>
-      </p:cxnSp>
-      <p:sp>
-        <p:nvSpPr>
-          <p:cNvPr id="21" name="文本框 20"/>
-          <p:cNvSpPr txBox="1"/>
-          <p:nvPr/>
-        </p:nvSpPr>
-        <p:spPr>
-          <a:xfrm>
-            <a:off x="4483100" y="3483598"/>
-            <a:ext cx="1022345" cy="993152"/>
-          </a:xfrm>
-          <a:prstGeom prst="rect">
-            <a:avLst/>
-          </a:prstGeom>
-          <a:noFill/>
-          <a:ln w="117475">
-            <a:noFill/>
-          </a:ln>
-        </p:spPr>
-        <p:txBody>
-          <a:bodyPr wrap="none" rtlCol="0">
-            <a:prstTxWarp prst="textPlain">
-              <a:avLst/>
-            </a:prstTxWarp>
-            <a:spAutoFit/>
-          </a:bodyPr>
-          <a:lstStyle/>
-          <a:p>
-            <a:r>
-              <a:rPr lang="en-US" altLang="zh-CN" spc="100" dirty="0">
-                <a:solidFill>
-                  <a:schemeClr val="bg1"/>
-                </a:solidFill>
-                <a:latin typeface="Impact" panose="020B0806030902050204" pitchFamily="34" charset="0"/>
-                <a:cs typeface="Arial" panose="020B0604020202020204" pitchFamily="34" charset="0"/>
-              </a:rPr>
-              <a:t>02</a:t>
-            </a:r>
-            <a:endParaRPr lang="zh-CN" altLang="en-US" spc="100" dirty="0">
-              <a:solidFill>
-                <a:schemeClr val="bg1"/>
-              </a:solidFill>
-              <a:latin typeface="Impact" panose="020B0806030902050204" pitchFamily="34" charset="0"/>
-              <a:cs typeface="Arial" panose="020B0604020202020204" pitchFamily="34" charset="0"/>
-            </a:endParaRPr>
-          </a:p>
-        </p:txBody>
-      </p:sp>
-    </p:spTree>
-  </p:cSld>
-  <p:clrMapOvr>
-    <a:masterClrMapping/>
-  </p:clrMapOvr>
-  <p:timing>
-    <p:tnLst>
-      <p:par>
-        <p:cTn xmlns:p14="http://schemas.microsoft.com/office/powerpoint/2010/main" id="1" dur="indefinite" restart="never" nodeType="tmRoot"/>
-      </p:par>
-    </p:tnLst>
-  </p:timing>
-</p:sld>
-</file>
-
-<file path=ppt/slides/slide15.xml><?xml version="1.0" encoding="utf-8"?>
+<file path=ppt/slides/slide16.xml><?xml version="1.0" encoding="utf-8"?>
 <p:sld xmlns:a="http://schemas.openxmlformats.org/drawingml/2006/main" xmlns:r="http://schemas.openxmlformats.org/officeDocument/2006/relationships" xmlns:p="http://schemas.openxmlformats.org/presentationml/2006/main">
   <p:cSld>
     <p:spTree>
@@ -6394,9 +6515,9 @@
         <p:grpSpPr>
           <a:xfrm>
             <a:off x="669926" y="1169733"/>
-            <a:ext cx="10850559" cy="5132506"/>
+            <a:ext cx="10850559" cy="2351260"/>
             <a:chOff x="669926" y="1169733"/>
-            <a:chExt cx="10850559" cy="5132506"/>
+            <a:chExt cx="10850559" cy="2351260"/>
           </a:xfrm>
         </p:grpSpPr>
         <p:sp>
@@ -7085,9 +7206,9 @@
             <p:nvPr/>
           </p:nvCxnSpPr>
           <p:spPr>
-            <a:xfrm>
-              <a:off x="5828576" y="1309551"/>
-              <a:ext cx="0" cy="4992688"/>
+            <a:xfrm flipH="1">
+              <a:off x="5816367" y="1309551"/>
+              <a:ext cx="12209" cy="2211442"/>
             </a:xfrm>
             <a:prstGeom prst="line">
               <a:avLst/>
@@ -7173,116 +7294,6 @@
                 <a:schemeClr val="bg1">
                   <a:lumMod val="65000"/>
                 </a:schemeClr>
-              </a:solidFill>
-              <a:prstDash val="solid"/>
-              <a:round/>
-              <a:headEnd type="none" w="med" len="med"/>
-              <a:tailEnd type="none" w="med" len="med"/>
-            </a:ln>
-          </p:spPr>
-          <p:txBody>
-            <a:bodyPr anchor="ctr"/>
-            <a:lstStyle/>
-            <a:p>
-              <a:pPr algn="ctr"/>
-              <a:endParaRPr/>
-            </a:p>
-          </p:txBody>
-        </p:sp>
-        <p:sp>
-          <p:nvSpPr>
-            <p:cNvPr id="40" name="î$ḷîḑè"/>
-            <p:cNvSpPr/>
-            <p:nvPr/>
-          </p:nvSpPr>
-          <p:spPr bwMode="auto">
-            <a:xfrm>
-              <a:off x="5756568" y="3912175"/>
-              <a:ext cx="144016" cy="144016"/>
-            </a:xfrm>
-            <a:prstGeom prst="ellipse">
-              <a:avLst/>
-            </a:prstGeom>
-            <a:solidFill>
-              <a:schemeClr val="bg1"/>
-            </a:solidFill>
-            <a:ln w="19050" cap="flat" cmpd="sng" algn="ctr">
-              <a:solidFill>
-                <a:schemeClr val="accent1"/>
-              </a:solidFill>
-              <a:prstDash val="solid"/>
-              <a:round/>
-              <a:headEnd type="none" w="med" len="med"/>
-              <a:tailEnd type="none" w="med" len="med"/>
-            </a:ln>
-          </p:spPr>
-          <p:txBody>
-            <a:bodyPr anchor="ctr"/>
-            <a:lstStyle/>
-            <a:p>
-              <a:pPr algn="ctr"/>
-              <a:endParaRPr/>
-            </a:p>
-          </p:txBody>
-        </p:sp>
-        <p:sp>
-          <p:nvSpPr>
-            <p:cNvPr id="41" name="i$lîḍe"/>
-            <p:cNvSpPr/>
-            <p:nvPr/>
-          </p:nvSpPr>
-          <p:spPr bwMode="auto">
-            <a:xfrm>
-              <a:off x="5756568" y="4842926"/>
-              <a:ext cx="144016" cy="144016"/>
-            </a:xfrm>
-            <a:prstGeom prst="ellipse">
-              <a:avLst/>
-            </a:prstGeom>
-            <a:solidFill>
-              <a:schemeClr val="bg1"/>
-            </a:solidFill>
-            <a:ln w="19050" cap="flat" cmpd="sng" algn="ctr">
-              <a:solidFill>
-                <a:schemeClr val="bg1">
-                  <a:lumMod val="65000"/>
-                </a:schemeClr>
-              </a:solidFill>
-              <a:prstDash val="solid"/>
-              <a:round/>
-              <a:headEnd type="none" w="med" len="med"/>
-              <a:tailEnd type="none" w="med" len="med"/>
-            </a:ln>
-          </p:spPr>
-          <p:txBody>
-            <a:bodyPr anchor="ctr"/>
-            <a:lstStyle/>
-            <a:p>
-              <a:pPr algn="ctr"/>
-              <a:endParaRPr/>
-            </a:p>
-          </p:txBody>
-        </p:sp>
-        <p:sp>
-          <p:nvSpPr>
-            <p:cNvPr id="42" name="ïṥ1ïḍé"/>
-            <p:cNvSpPr/>
-            <p:nvPr/>
-          </p:nvSpPr>
-          <p:spPr bwMode="auto">
-            <a:xfrm>
-              <a:off x="5756569" y="5773678"/>
-              <a:ext cx="144016" cy="144016"/>
-            </a:xfrm>
-            <a:prstGeom prst="ellipse">
-              <a:avLst/>
-            </a:prstGeom>
-            <a:solidFill>
-              <a:schemeClr val="bg1"/>
-            </a:solidFill>
-            <a:ln w="19050" cap="flat" cmpd="sng" algn="ctr">
-              <a:solidFill>
-                <a:schemeClr val="accent1"/>
               </a:solidFill>
               <a:prstDash val="solid"/>
               <a:round/>
@@ -7482,278 +7493,6 @@
             </p:txBody>
           </p:sp>
         </p:grpSp>
-        <p:grpSp>
-          <p:nvGrpSpPr>
-            <p:cNvPr id="45" name="î$1idè"/>
-            <p:cNvGrpSpPr/>
-            <p:nvPr/>
-          </p:nvGrpSpPr>
-          <p:grpSpPr>
-            <a:xfrm>
-              <a:off x="4907868" y="3686248"/>
-              <a:ext cx="595872" cy="595872"/>
-              <a:chOff x="5283304" y="3131064"/>
-              <a:chExt cx="595872" cy="595872"/>
-            </a:xfrm>
-          </p:grpSpPr>
-          <p:sp>
-            <p:nvSpPr>
-              <p:cNvPr id="61" name="îṡ1idè"/>
-              <p:cNvSpPr/>
-              <p:nvPr/>
-            </p:nvSpPr>
-            <p:spPr bwMode="auto">
-              <a:xfrm rot="2691234">
-                <a:off x="5283304" y="3131064"/>
-                <a:ext cx="595872" cy="595872"/>
-              </a:xfrm>
-              <a:prstGeom prst="teardrop">
-                <a:avLst/>
-              </a:prstGeom>
-              <a:solidFill>
-                <a:schemeClr val="accent1"/>
-              </a:solidFill>
-              <a:ln w="19050">
-                <a:noFill/>
-                <a:round/>
-              </a:ln>
-            </p:spPr>
-            <p:txBody>
-              <a:bodyPr anchor="ctr"/>
-              <a:lstStyle/>
-              <a:p>
-                <a:pPr algn="ctr"/>
-                <a:endParaRPr/>
-              </a:p>
-            </p:txBody>
-          </p:sp>
-          <p:sp>
-            <p:nvSpPr>
-              <p:cNvPr id="62" name="ïšḷîdé"/>
-              <p:cNvSpPr/>
-              <p:nvPr/>
-            </p:nvSpPr>
-            <p:spPr bwMode="auto">
-              <a:xfrm>
-                <a:off x="5298039" y="3141938"/>
-                <a:ext cx="574124" cy="574124"/>
-              </a:xfrm>
-              <a:prstGeom prst="ellipse">
-                <a:avLst/>
-              </a:prstGeom>
-              <a:solidFill>
-                <a:schemeClr val="bg1">
-                  <a:alpha val="0"/>
-                </a:schemeClr>
-              </a:solidFill>
-              <a:ln w="19050">
-                <a:noFill/>
-                <a:round/>
-              </a:ln>
-            </p:spPr>
-            <p:txBody>
-              <a:bodyPr rot="0" spcFirstLastPara="0" vert="horz" wrap="none" lIns="91440" tIns="45720" rIns="91440" bIns="45720" anchor="ctr" anchorCtr="1" forceAA="0" compatLnSpc="1">
-                <a:normAutofit/>
-              </a:bodyPr>
-              <a:lstStyle/>
-              <a:p>
-                <a:pPr algn="ctr"/>
-                <a:r>
-                  <a:rPr lang="en-US" altLang="zh-CN" sz="1600">
-                    <a:solidFill>
-                      <a:schemeClr val="bg1">
-                        <a:lumMod val="100000"/>
-                      </a:schemeClr>
-                    </a:solidFill>
-                    <a:latin typeface="Impact" panose="020B0806030902050204" pitchFamily="34" charset="0"/>
-                  </a:rPr>
-                  <a:t>03</a:t>
-                </a:r>
-              </a:p>
-            </p:txBody>
-          </p:sp>
-        </p:grpSp>
-        <p:grpSp>
-          <p:nvGrpSpPr>
-            <p:cNvPr id="46" name="iślîdê"/>
-            <p:cNvGrpSpPr/>
-            <p:nvPr/>
-          </p:nvGrpSpPr>
-          <p:grpSpPr>
-            <a:xfrm>
-              <a:off x="4907868" y="4617000"/>
-              <a:ext cx="595872" cy="595872"/>
-              <a:chOff x="5283304" y="4061816"/>
-              <a:chExt cx="595872" cy="595872"/>
-            </a:xfrm>
-            <a:solidFill>
-              <a:schemeClr val="bg1">
-                <a:lumMod val="65000"/>
-              </a:schemeClr>
-            </a:solidFill>
-          </p:grpSpPr>
-          <p:sp>
-            <p:nvSpPr>
-              <p:cNvPr id="59" name="iṥlíḍe"/>
-              <p:cNvSpPr/>
-              <p:nvPr/>
-            </p:nvSpPr>
-            <p:spPr bwMode="auto">
-              <a:xfrm rot="2691234">
-                <a:off x="5283304" y="4061816"/>
-                <a:ext cx="595872" cy="595872"/>
-              </a:xfrm>
-              <a:prstGeom prst="teardrop">
-                <a:avLst/>
-              </a:prstGeom>
-              <a:grpFill/>
-              <a:ln w="19050">
-                <a:noFill/>
-                <a:round/>
-              </a:ln>
-            </p:spPr>
-            <p:txBody>
-              <a:bodyPr anchor="ctr"/>
-              <a:lstStyle/>
-              <a:p>
-                <a:pPr algn="ctr"/>
-                <a:endParaRPr/>
-              </a:p>
-            </p:txBody>
-          </p:sp>
-          <p:sp>
-            <p:nvSpPr>
-              <p:cNvPr id="60" name="íS1ïḑè"/>
-              <p:cNvSpPr/>
-              <p:nvPr/>
-            </p:nvSpPr>
-            <p:spPr bwMode="auto">
-              <a:xfrm>
-                <a:off x="5298039" y="4072690"/>
-                <a:ext cx="574124" cy="574124"/>
-              </a:xfrm>
-              <a:prstGeom prst="ellipse">
-                <a:avLst/>
-              </a:prstGeom>
-              <a:grpFill/>
-              <a:ln w="19050">
-                <a:noFill/>
-                <a:round/>
-              </a:ln>
-            </p:spPr>
-            <p:txBody>
-              <a:bodyPr rot="0" spcFirstLastPara="0" vert="horz" wrap="none" lIns="91440" tIns="45720" rIns="91440" bIns="45720" anchor="ctr" anchorCtr="1" forceAA="0" compatLnSpc="1">
-                <a:normAutofit/>
-              </a:bodyPr>
-              <a:lstStyle/>
-              <a:p>
-                <a:pPr algn="ctr"/>
-                <a:r>
-                  <a:rPr lang="en-US" altLang="zh-CN" sz="1600">
-                    <a:solidFill>
-                      <a:schemeClr val="bg1">
-                        <a:lumMod val="100000"/>
-                      </a:schemeClr>
-                    </a:solidFill>
-                    <a:latin typeface="Impact" panose="020B0806030902050204" pitchFamily="34" charset="0"/>
-                  </a:rPr>
-                  <a:t>04</a:t>
-                </a:r>
-              </a:p>
-            </p:txBody>
-          </p:sp>
-        </p:grpSp>
-        <p:grpSp>
-          <p:nvGrpSpPr>
-            <p:cNvPr id="47" name="îṩļïḋê"/>
-            <p:cNvGrpSpPr/>
-            <p:nvPr/>
-          </p:nvGrpSpPr>
-          <p:grpSpPr>
-            <a:xfrm>
-              <a:off x="4907869" y="5547753"/>
-              <a:ext cx="595872" cy="595872"/>
-              <a:chOff x="5283305" y="4992569"/>
-              <a:chExt cx="595872" cy="595872"/>
-            </a:xfrm>
-          </p:grpSpPr>
-          <p:sp>
-            <p:nvSpPr>
-              <p:cNvPr id="57" name="ïš1íḍe"/>
-              <p:cNvSpPr/>
-              <p:nvPr/>
-            </p:nvSpPr>
-            <p:spPr bwMode="auto">
-              <a:xfrm rot="2691234">
-                <a:off x="5283305" y="4992569"/>
-                <a:ext cx="595872" cy="595872"/>
-              </a:xfrm>
-              <a:prstGeom prst="teardrop">
-                <a:avLst/>
-              </a:prstGeom>
-              <a:solidFill>
-                <a:schemeClr val="accent1"/>
-              </a:solidFill>
-              <a:ln w="19050">
-                <a:noFill/>
-                <a:round/>
-              </a:ln>
-            </p:spPr>
-            <p:txBody>
-              <a:bodyPr anchor="ctr"/>
-              <a:lstStyle/>
-              <a:p>
-                <a:pPr algn="ctr"/>
-                <a:endParaRPr/>
-              </a:p>
-            </p:txBody>
-          </p:sp>
-          <p:sp>
-            <p:nvSpPr>
-              <p:cNvPr id="58" name="ïśḻîḑè"/>
-              <p:cNvSpPr/>
-              <p:nvPr/>
-            </p:nvSpPr>
-            <p:spPr bwMode="auto">
-              <a:xfrm>
-                <a:off x="5298039" y="5003442"/>
-                <a:ext cx="574124" cy="574124"/>
-              </a:xfrm>
-              <a:prstGeom prst="ellipse">
-                <a:avLst/>
-              </a:prstGeom>
-              <a:solidFill>
-                <a:schemeClr val="bg1">
-                  <a:alpha val="0"/>
-                </a:schemeClr>
-              </a:solidFill>
-              <a:ln w="19050">
-                <a:noFill/>
-                <a:round/>
-              </a:ln>
-            </p:spPr>
-            <p:txBody>
-              <a:bodyPr rot="0" spcFirstLastPara="0" vert="horz" wrap="none" lIns="91440" tIns="45720" rIns="91440" bIns="45720" anchor="ctr" anchorCtr="1" forceAA="0" compatLnSpc="1">
-                <a:normAutofit/>
-              </a:bodyPr>
-              <a:lstStyle/>
-              <a:p>
-                <a:pPr algn="ctr"/>
-                <a:r>
-                  <a:rPr lang="en-US" altLang="zh-CN" sz="1600">
-                    <a:solidFill>
-                      <a:schemeClr val="bg1">
-                        <a:lumMod val="100000"/>
-                      </a:schemeClr>
-                    </a:solidFill>
-                    <a:latin typeface="Impact" panose="020B0806030902050204" pitchFamily="34" charset="0"/>
-                  </a:rPr>
-                  <a:t>05</a:t>
-                </a:r>
-              </a:p>
-            </p:txBody>
-          </p:sp>
-        </p:grpSp>
         <p:sp>
           <p:nvSpPr>
             <p:cNvPr id="48" name="išlîḋe"/>
@@ -7794,7 +7533,7 @@
           </p:spPr>
           <p:txBody>
             <a:bodyPr wrap="square" lIns="90000" tIns="46800" rIns="90000" bIns="46800" anchor="ctr" anchorCtr="0">
-              <a:normAutofit/>
+              <a:normAutofit fontScale="92500" lnSpcReduction="10000"/>
             </a:bodyPr>
             <a:lstStyle>
               <a:defPPr>
@@ -7871,9 +7610,10 @@
                 </a:lnSpc>
               </a:pPr>
               <a:r>
-                <a:rPr lang="en-US" altLang="zh-CN" sz="1100" dirty="0"/>
-                <a:t>Copy paste fonts. Choose the only option to retain text…...</a:t>
+                <a:rPr lang="zh-CN" altLang="en-US" sz="2200" dirty="0" smtClean="0"/>
+                <a:t>卷积神经网络</a:t>
               </a:r>
+              <a:endParaRPr lang="en-US" altLang="zh-CN" sz="2200" dirty="0"/>
             </a:p>
           </p:txBody>
         </p:sp>
@@ -7917,7 +7657,7 @@
           </p:spPr>
           <p:txBody>
             <a:bodyPr wrap="square" lIns="90000" tIns="46800" rIns="90000" bIns="46800" anchor="ctr" anchorCtr="0">
-              <a:normAutofit/>
+              <a:noAutofit/>
             </a:bodyPr>
             <a:lstStyle>
               <a:defPPr>
@@ -7994,378 +7734,18 @@
                 </a:lnSpc>
               </a:pPr>
               <a:r>
-                <a:rPr lang="en-US" altLang="zh-CN" sz="1100" dirty="0"/>
-                <a:t>Copy paste fonts. Choose the only option to retain text…...</a:t>
+                <a:rPr lang="zh-CN" altLang="en-US" sz="2200" dirty="0" smtClean="0"/>
+                <a:t>常用</a:t>
               </a:r>
-            </a:p>
-          </p:txBody>
-        </p:sp>
-        <p:sp>
-          <p:nvSpPr>
-            <p:cNvPr id="50" name="íşḻîdè"/>
-            <p:cNvSpPr/>
-            <p:nvPr/>
-          </p:nvSpPr>
-          <p:spPr bwMode="auto">
-            <a:xfrm>
-              <a:off x="6096000" y="3775059"/>
-              <a:ext cx="5424485" cy="431406"/>
-            </a:xfrm>
-            <a:prstGeom prst="rect">
-              <a:avLst/>
-            </a:prstGeom>
-            <a:noFill/>
-            <a:ln>
-              <a:noFill/>
-            </a:ln>
-            <a:extLst>
-              <a:ext uri="{909E8E84-426E-40dd-AFC4-6F175D3DCCD1}">
-                <a14:hiddenFill xmlns:a14="http://schemas.microsoft.com/office/drawing/2010/main">
-                  <a:solidFill>
-                    <a:srgbClr val="FFFFFF"/>
-                  </a:solidFill>
-                </a14:hiddenFill>
-              </a:ext>
-              <a:ext uri="{91240B29-F687-4f45-9708-019B960494DF}">
-                <a14:hiddenLine xmlns:a14="http://schemas.microsoft.com/office/drawing/2010/main" w="9525">
-                  <a:solidFill>
-                    <a:srgbClr val="000000"/>
-                  </a:solidFill>
-                  <a:miter lim="800000"/>
-                  <a:headEnd/>
-                  <a:tailEnd/>
-                </a14:hiddenLine>
-              </a:ext>
-            </a:extLst>
-          </p:spPr>
-          <p:txBody>
-            <a:bodyPr wrap="square" lIns="90000" tIns="46800" rIns="90000" bIns="46800" anchor="ctr" anchorCtr="0">
-              <a:normAutofit/>
-            </a:bodyPr>
-            <a:lstStyle>
-              <a:defPPr>
-                <a:defRPr lang="zh-CN"/>
-              </a:defPPr>
-              <a:lvl1pPr marL="0" algn="l" defTabSz="913765" rtl="0" eaLnBrk="1" latinLnBrk="0" hangingPunct="1">
-                <a:defRPr sz="1800" kern="1200">
-                  <a:solidFill>
-                    <a:schemeClr val="tx1"/>
-                  </a:solidFill>
-                </a:defRPr>
-              </a:lvl1pPr>
-              <a:lvl2pPr marL="457200" algn="l" defTabSz="913765" rtl="0" eaLnBrk="1" latinLnBrk="0" hangingPunct="1">
-                <a:defRPr sz="1800" kern="1200">
-                  <a:solidFill>
-                    <a:schemeClr val="tx1"/>
-                  </a:solidFill>
-                </a:defRPr>
-              </a:lvl2pPr>
-              <a:lvl3pPr marL="914400" algn="l" defTabSz="913765" rtl="0" eaLnBrk="1" latinLnBrk="0" hangingPunct="1">
-                <a:defRPr sz="1800" kern="1200">
-                  <a:solidFill>
-                    <a:schemeClr val="tx1"/>
-                  </a:solidFill>
-                </a:defRPr>
-              </a:lvl3pPr>
-              <a:lvl4pPr marL="1371600" algn="l" defTabSz="913765" rtl="0" eaLnBrk="1" latinLnBrk="0" hangingPunct="1">
-                <a:defRPr sz="1800" kern="1200">
-                  <a:solidFill>
-                    <a:schemeClr val="tx1"/>
-                  </a:solidFill>
-                </a:defRPr>
-              </a:lvl4pPr>
-              <a:lvl5pPr marL="1828800" algn="l" defTabSz="913765" rtl="0" eaLnBrk="1" latinLnBrk="0" hangingPunct="1">
-                <a:defRPr sz="1800" kern="1200">
-                  <a:solidFill>
-                    <a:schemeClr val="tx1"/>
-                  </a:solidFill>
-                </a:defRPr>
-              </a:lvl5pPr>
-              <a:lvl6pPr marL="2286000" algn="l" defTabSz="913765" rtl="0" eaLnBrk="1" latinLnBrk="0" hangingPunct="1">
-                <a:defRPr sz="1800" kern="1200">
-                  <a:solidFill>
-                    <a:schemeClr val="tx1"/>
-                  </a:solidFill>
-                </a:defRPr>
-              </a:lvl6pPr>
-              <a:lvl7pPr marL="2743200" algn="l" defTabSz="913765" rtl="0" eaLnBrk="1" latinLnBrk="0" hangingPunct="1">
-                <a:defRPr sz="1800" kern="1200">
-                  <a:solidFill>
-                    <a:schemeClr val="tx1"/>
-                  </a:solidFill>
-                </a:defRPr>
-              </a:lvl7pPr>
-              <a:lvl8pPr marL="3200400" algn="l" defTabSz="913765" rtl="0" eaLnBrk="1" latinLnBrk="0" hangingPunct="1">
-                <a:defRPr sz="1800" kern="1200">
-                  <a:solidFill>
-                    <a:schemeClr val="tx1"/>
-                  </a:solidFill>
-                </a:defRPr>
-              </a:lvl8pPr>
-              <a:lvl9pPr marL="3657600" algn="l" defTabSz="913765" rtl="0" eaLnBrk="1" latinLnBrk="0" hangingPunct="1">
-                <a:defRPr sz="1800" kern="1200">
-                  <a:solidFill>
-                    <a:schemeClr val="tx1"/>
-                  </a:solidFill>
-                </a:defRPr>
-              </a:lvl9pPr>
-            </a:lstStyle>
-            <a:p>
-              <a:pPr>
-                <a:lnSpc>
-                  <a:spcPct val="120000"/>
-                </a:lnSpc>
-              </a:pPr>
               <a:r>
-                <a:rPr lang="en-US" altLang="zh-CN" sz="1100" dirty="0"/>
-                <a:t>Copy paste fonts. Choose the only option to retain text…...</a:t>
+                <a:rPr lang="zh-CN" altLang="en-US" sz="2200" dirty="0" smtClean="0"/>
+                <a:t>卷积神经网络</a:t>
               </a:r>
-            </a:p>
-          </p:txBody>
-        </p:sp>
-        <p:sp>
-          <p:nvSpPr>
-            <p:cNvPr id="51" name="íŝḷîḍè"/>
-            <p:cNvSpPr/>
-            <p:nvPr/>
-          </p:nvSpPr>
-          <p:spPr bwMode="auto">
-            <a:xfrm>
-              <a:off x="6096000" y="4712389"/>
-              <a:ext cx="5424485" cy="431406"/>
-            </a:xfrm>
-            <a:prstGeom prst="rect">
-              <a:avLst/>
-            </a:prstGeom>
-            <a:noFill/>
-            <a:ln>
-              <a:noFill/>
-            </a:ln>
-            <a:extLst>
-              <a:ext uri="{909E8E84-426E-40dd-AFC4-6F175D3DCCD1}">
-                <a14:hiddenFill xmlns:a14="http://schemas.microsoft.com/office/drawing/2010/main">
-                  <a:solidFill>
-                    <a:srgbClr val="FFFFFF"/>
-                  </a:solidFill>
-                </a14:hiddenFill>
-              </a:ext>
-              <a:ext uri="{91240B29-F687-4f45-9708-019B960494DF}">
-                <a14:hiddenLine xmlns:a14="http://schemas.microsoft.com/office/drawing/2010/main" w="9525">
-                  <a:solidFill>
-                    <a:srgbClr val="000000"/>
-                  </a:solidFill>
-                  <a:miter lim="800000"/>
-                  <a:headEnd/>
-                  <a:tailEnd/>
-                </a14:hiddenLine>
-              </a:ext>
-            </a:extLst>
-          </p:spPr>
-          <p:txBody>
-            <a:bodyPr wrap="square" lIns="90000" tIns="46800" rIns="90000" bIns="46800" anchor="ctr" anchorCtr="0">
-              <a:normAutofit/>
-            </a:bodyPr>
-            <a:lstStyle>
-              <a:defPPr>
-                <a:defRPr lang="zh-CN"/>
-              </a:defPPr>
-              <a:lvl1pPr marL="0" algn="l" defTabSz="913765" rtl="0" eaLnBrk="1" latinLnBrk="0" hangingPunct="1">
-                <a:defRPr sz="1800" kern="1200">
-                  <a:solidFill>
-                    <a:schemeClr val="tx1"/>
-                  </a:solidFill>
-                </a:defRPr>
-              </a:lvl1pPr>
-              <a:lvl2pPr marL="457200" algn="l" defTabSz="913765" rtl="0" eaLnBrk="1" latinLnBrk="0" hangingPunct="1">
-                <a:defRPr sz="1800" kern="1200">
-                  <a:solidFill>
-                    <a:schemeClr val="tx1"/>
-                  </a:solidFill>
-                </a:defRPr>
-              </a:lvl2pPr>
-              <a:lvl3pPr marL="914400" algn="l" defTabSz="913765" rtl="0" eaLnBrk="1" latinLnBrk="0" hangingPunct="1">
-                <a:defRPr sz="1800" kern="1200">
-                  <a:solidFill>
-                    <a:schemeClr val="tx1"/>
-                  </a:solidFill>
-                </a:defRPr>
-              </a:lvl3pPr>
-              <a:lvl4pPr marL="1371600" algn="l" defTabSz="913765" rtl="0" eaLnBrk="1" latinLnBrk="0" hangingPunct="1">
-                <a:defRPr sz="1800" kern="1200">
-                  <a:solidFill>
-                    <a:schemeClr val="tx1"/>
-                  </a:solidFill>
-                </a:defRPr>
-              </a:lvl4pPr>
-              <a:lvl5pPr marL="1828800" algn="l" defTabSz="913765" rtl="0" eaLnBrk="1" latinLnBrk="0" hangingPunct="1">
-                <a:defRPr sz="1800" kern="1200">
-                  <a:solidFill>
-                    <a:schemeClr val="tx1"/>
-                  </a:solidFill>
-                </a:defRPr>
-              </a:lvl5pPr>
-              <a:lvl6pPr marL="2286000" algn="l" defTabSz="913765" rtl="0" eaLnBrk="1" latinLnBrk="0" hangingPunct="1">
-                <a:defRPr sz="1800" kern="1200">
-                  <a:solidFill>
-                    <a:schemeClr val="tx1"/>
-                  </a:solidFill>
-                </a:defRPr>
-              </a:lvl6pPr>
-              <a:lvl7pPr marL="2743200" algn="l" defTabSz="913765" rtl="0" eaLnBrk="1" latinLnBrk="0" hangingPunct="1">
-                <a:defRPr sz="1800" kern="1200">
-                  <a:solidFill>
-                    <a:schemeClr val="tx1"/>
-                  </a:solidFill>
-                </a:defRPr>
-              </a:lvl7pPr>
-              <a:lvl8pPr marL="3200400" algn="l" defTabSz="913765" rtl="0" eaLnBrk="1" latinLnBrk="0" hangingPunct="1">
-                <a:defRPr sz="1800" kern="1200">
-                  <a:solidFill>
-                    <a:schemeClr val="tx1"/>
-                  </a:solidFill>
-                </a:defRPr>
-              </a:lvl8pPr>
-              <a:lvl9pPr marL="3657600" algn="l" defTabSz="913765" rtl="0" eaLnBrk="1" latinLnBrk="0" hangingPunct="1">
-                <a:defRPr sz="1800" kern="1200">
-                  <a:solidFill>
-                    <a:schemeClr val="tx1"/>
-                  </a:solidFill>
-                </a:defRPr>
-              </a:lvl9pPr>
-            </a:lstStyle>
-            <a:p>
-              <a:pPr>
-                <a:lnSpc>
-                  <a:spcPct val="120000"/>
-                </a:lnSpc>
-              </a:pPr>
               <a:r>
-                <a:rPr lang="en-US" altLang="zh-CN" sz="1100" dirty="0"/>
-                <a:t>Copy paste fonts. Choose the only option to retain text…...</a:t>
+                <a:rPr lang="zh-CN" altLang="en-US" sz="2200" dirty="0" smtClean="0"/>
+                <a:t>架构</a:t>
               </a:r>
-            </a:p>
-          </p:txBody>
-        </p:sp>
-        <p:sp>
-          <p:nvSpPr>
-            <p:cNvPr id="52" name="íṩļîďê"/>
-            <p:cNvSpPr/>
-            <p:nvPr/>
-          </p:nvSpPr>
-          <p:spPr bwMode="auto">
-            <a:xfrm>
-              <a:off x="6096000" y="5649719"/>
-              <a:ext cx="5424485" cy="431406"/>
-            </a:xfrm>
-            <a:prstGeom prst="rect">
-              <a:avLst/>
-            </a:prstGeom>
-            <a:noFill/>
-            <a:ln>
-              <a:noFill/>
-            </a:ln>
-            <a:extLst>
-              <a:ext uri="{909E8E84-426E-40dd-AFC4-6F175D3DCCD1}">
-                <a14:hiddenFill xmlns:a14="http://schemas.microsoft.com/office/drawing/2010/main">
-                  <a:solidFill>
-                    <a:srgbClr val="FFFFFF"/>
-                  </a:solidFill>
-                </a14:hiddenFill>
-              </a:ext>
-              <a:ext uri="{91240B29-F687-4f45-9708-019B960494DF}">
-                <a14:hiddenLine xmlns:a14="http://schemas.microsoft.com/office/drawing/2010/main" w="9525">
-                  <a:solidFill>
-                    <a:srgbClr val="000000"/>
-                  </a:solidFill>
-                  <a:miter lim="800000"/>
-                  <a:headEnd/>
-                  <a:tailEnd/>
-                </a14:hiddenLine>
-              </a:ext>
-            </a:extLst>
-          </p:spPr>
-          <p:txBody>
-            <a:bodyPr wrap="square" lIns="90000" tIns="46800" rIns="90000" bIns="46800" anchor="ctr" anchorCtr="0">
-              <a:normAutofit/>
-            </a:bodyPr>
-            <a:lstStyle>
-              <a:defPPr>
-                <a:defRPr lang="zh-CN"/>
-              </a:defPPr>
-              <a:lvl1pPr marL="0" algn="l" defTabSz="913765" rtl="0" eaLnBrk="1" latinLnBrk="0" hangingPunct="1">
-                <a:defRPr sz="1800" kern="1200">
-                  <a:solidFill>
-                    <a:schemeClr val="tx1"/>
-                  </a:solidFill>
-                </a:defRPr>
-              </a:lvl1pPr>
-              <a:lvl2pPr marL="457200" algn="l" defTabSz="913765" rtl="0" eaLnBrk="1" latinLnBrk="0" hangingPunct="1">
-                <a:defRPr sz="1800" kern="1200">
-                  <a:solidFill>
-                    <a:schemeClr val="tx1"/>
-                  </a:solidFill>
-                </a:defRPr>
-              </a:lvl2pPr>
-              <a:lvl3pPr marL="914400" algn="l" defTabSz="913765" rtl="0" eaLnBrk="1" latinLnBrk="0" hangingPunct="1">
-                <a:defRPr sz="1800" kern="1200">
-                  <a:solidFill>
-                    <a:schemeClr val="tx1"/>
-                  </a:solidFill>
-                </a:defRPr>
-              </a:lvl3pPr>
-              <a:lvl4pPr marL="1371600" algn="l" defTabSz="913765" rtl="0" eaLnBrk="1" latinLnBrk="0" hangingPunct="1">
-                <a:defRPr sz="1800" kern="1200">
-                  <a:solidFill>
-                    <a:schemeClr val="tx1"/>
-                  </a:solidFill>
-                </a:defRPr>
-              </a:lvl4pPr>
-              <a:lvl5pPr marL="1828800" algn="l" defTabSz="913765" rtl="0" eaLnBrk="1" latinLnBrk="0" hangingPunct="1">
-                <a:defRPr sz="1800" kern="1200">
-                  <a:solidFill>
-                    <a:schemeClr val="tx1"/>
-                  </a:solidFill>
-                </a:defRPr>
-              </a:lvl5pPr>
-              <a:lvl6pPr marL="2286000" algn="l" defTabSz="913765" rtl="0" eaLnBrk="1" latinLnBrk="0" hangingPunct="1">
-                <a:defRPr sz="1800" kern="1200">
-                  <a:solidFill>
-                    <a:schemeClr val="tx1"/>
-                  </a:solidFill>
-                </a:defRPr>
-              </a:lvl6pPr>
-              <a:lvl7pPr marL="2743200" algn="l" defTabSz="913765" rtl="0" eaLnBrk="1" latinLnBrk="0" hangingPunct="1">
-                <a:defRPr sz="1800" kern="1200">
-                  <a:solidFill>
-                    <a:schemeClr val="tx1"/>
-                  </a:solidFill>
-                </a:defRPr>
-              </a:lvl7pPr>
-              <a:lvl8pPr marL="3200400" algn="l" defTabSz="913765" rtl="0" eaLnBrk="1" latinLnBrk="0" hangingPunct="1">
-                <a:defRPr sz="1800" kern="1200">
-                  <a:solidFill>
-                    <a:schemeClr val="tx1"/>
-                  </a:solidFill>
-                </a:defRPr>
-              </a:lvl8pPr>
-              <a:lvl9pPr marL="3657600" algn="l" defTabSz="913765" rtl="0" eaLnBrk="1" latinLnBrk="0" hangingPunct="1">
-                <a:defRPr sz="1800" kern="1200">
-                  <a:solidFill>
-                    <a:schemeClr val="tx1"/>
-                  </a:solidFill>
-                </a:defRPr>
-              </a:lvl9pPr>
-            </a:lstStyle>
-            <a:p>
-              <a:pPr>
-                <a:lnSpc>
-                  <a:spcPct val="120000"/>
-                </a:lnSpc>
-              </a:pPr>
-              <a:r>
-                <a:rPr lang="en-US" altLang="zh-CN" sz="1100" dirty="0"/>
-                <a:t>Copy paste fonts. Choose the only option to retain text…...</a:t>
-              </a:r>
+              <a:endParaRPr lang="en-US" altLang="zh-CN" sz="2200" dirty="0"/>
             </a:p>
           </p:txBody>
         </p:sp>
@@ -8378,117 +7758,6 @@
           <p:spPr>
             <a:xfrm>
               <a:off x="6286500" y="2632088"/>
-              <a:ext cx="5233985" cy="0"/>
-            </a:xfrm>
-            <a:prstGeom prst="line">
-              <a:avLst/>
-            </a:prstGeom>
-            <a:ln w="3175">
-              <a:solidFill>
-                <a:schemeClr val="bg1">
-                  <a:lumMod val="75000"/>
-                </a:schemeClr>
-              </a:solidFill>
-            </a:ln>
-          </p:spPr>
-          <p:style>
-            <a:lnRef idx="1">
-              <a:schemeClr val="accent1"/>
-            </a:lnRef>
-            <a:fillRef idx="0">
-              <a:schemeClr val="accent1"/>
-            </a:fillRef>
-            <a:effectRef idx="0">
-              <a:schemeClr val="accent1"/>
-            </a:effectRef>
-            <a:fontRef idx="minor">
-              <a:schemeClr val="tx1"/>
-            </a:fontRef>
-          </p:style>
-        </p:cxnSp>
-        <p:cxnSp>
-          <p:nvCxnSpPr>
-            <p:cNvPr id="54" name="直接连接符 53"/>
-            <p:cNvCxnSpPr/>
-            <p:nvPr/>
-          </p:nvCxnSpPr>
-          <p:spPr>
-            <a:xfrm>
-              <a:off x="6286500" y="3559189"/>
-              <a:ext cx="5233985" cy="0"/>
-            </a:xfrm>
-            <a:prstGeom prst="line">
-              <a:avLst/>
-            </a:prstGeom>
-            <a:ln w="3175">
-              <a:solidFill>
-                <a:schemeClr val="bg1">
-                  <a:lumMod val="75000"/>
-                </a:schemeClr>
-              </a:solidFill>
-            </a:ln>
-          </p:spPr>
-          <p:style>
-            <a:lnRef idx="1">
-              <a:schemeClr val="accent1"/>
-            </a:lnRef>
-            <a:fillRef idx="0">
-              <a:schemeClr val="accent1"/>
-            </a:fillRef>
-            <a:effectRef idx="0">
-              <a:schemeClr val="accent1"/>
-            </a:effectRef>
-            <a:fontRef idx="minor">
-              <a:schemeClr val="tx1"/>
-            </a:fontRef>
-          </p:style>
-        </p:cxnSp>
-        <p:cxnSp>
-          <p:nvCxnSpPr>
-            <p:cNvPr id="55" name="直接连接符 54"/>
-            <p:cNvCxnSpPr/>
-            <p:nvPr/>
-          </p:nvCxnSpPr>
-          <p:spPr>
-            <a:xfrm>
-              <a:off x="6286500" y="4486290"/>
-              <a:ext cx="5233985" cy="0"/>
-            </a:xfrm>
-            <a:prstGeom prst="line">
-              <a:avLst/>
-            </a:prstGeom>
-            <a:ln w="3175">
-              <a:solidFill>
-                <a:schemeClr val="bg1">
-                  <a:lumMod val="75000"/>
-                </a:schemeClr>
-              </a:solidFill>
-            </a:ln>
-          </p:spPr>
-          <p:style>
-            <a:lnRef idx="1">
-              <a:schemeClr val="accent1"/>
-            </a:lnRef>
-            <a:fillRef idx="0">
-              <a:schemeClr val="accent1"/>
-            </a:fillRef>
-            <a:effectRef idx="0">
-              <a:schemeClr val="accent1"/>
-            </a:effectRef>
-            <a:fontRef idx="minor">
-              <a:schemeClr val="tx1"/>
-            </a:fontRef>
-          </p:style>
-        </p:cxnSp>
-        <p:cxnSp>
-          <p:nvCxnSpPr>
-            <p:cNvPr id="56" name="直接连接符 55"/>
-            <p:cNvCxnSpPr/>
-            <p:nvPr/>
-          </p:nvCxnSpPr>
-          <p:spPr>
-            <a:xfrm>
-              <a:off x="6286500" y="5413391"/>
               <a:ext cx="5233985" cy="0"/>
             </a:xfrm>
             <a:prstGeom prst="line">
@@ -8756,7 +8025,7 @@
           <a:p>
             <a:r>
               <a:rPr lang="zh-CN" altLang="en-US" dirty="0" smtClean="0"/>
-              <a:t>卷积神经网络架构</a:t>
+              <a:t>卷积神经网络</a:t>
             </a:r>
             <a:endParaRPr lang="zh-CN" altLang="en-US" dirty="0"/>
           </a:p>
@@ -8882,6 +8151,11 @@
         </p:txBody>
       </p:sp>
     </p:spTree>
+    <p:extLst>
+      <p:ext uri="{BB962C8B-B14F-4D97-AF65-F5344CB8AC3E}">
+        <p14:creationId xmlns:p14="http://schemas.microsoft.com/office/powerpoint/2010/main" val="587953810"/>
+      </p:ext>
+    </p:extLst>
   </p:cSld>
   <p:clrMapOvr>
     <a:masterClrMapping/>
@@ -8915,7 +8189,7 @@
       </p:grpSpPr>
       <p:sp>
         <p:nvSpPr>
-          <p:cNvPr id="2" name="标题 1"/>
+          <p:cNvPr id="2" name="Title 1"/>
           <p:cNvSpPr>
             <a:spLocks noGrp="1"/>
           </p:cNvSpPr>
@@ -8929,53 +8203,16 @@
           <a:lstStyle/>
           <a:p>
             <a:r>
-              <a:rPr lang="en-US" altLang="zh-CN" dirty="0"/>
-              <a:t>Click to edit Master title style</a:t>
-            </a:r>
-            <a:endParaRPr lang="zh-CN" altLang="en-US" dirty="0"/>
+              <a:rPr lang="en-US" altLang="zh-CN" dirty="0" smtClean="0"/>
+              <a:t>Convolutional Neural Network</a:t>
+            </a:r>
+            <a:endParaRPr lang="en-US" dirty="0"/>
           </a:p>
         </p:txBody>
       </p:sp>
       <p:sp>
         <p:nvSpPr>
-          <p:cNvPr id="3" name="页脚占位符 2"/>
-          <p:cNvSpPr>
-            <a:spLocks noGrp="1"/>
-          </p:cNvSpPr>
-          <p:nvPr>
-            <p:ph type="ftr" sz="quarter" idx="11"/>
-          </p:nvPr>
-        </p:nvSpPr>
-        <p:spPr>
-          <a:xfrm>
-            <a:off x="1431924" y="6233478"/>
-            <a:ext cx="4140201" cy="206381"/>
-          </a:xfrm>
-        </p:spPr>
-        <p:txBody>
-          <a:bodyPr/>
-          <a:lstStyle/>
-          <a:p>
-            <a:r>
-              <a:rPr lang="zh-CN" altLang="en-US" sz="1000" dirty="0">
-                <a:solidFill>
-                  <a:schemeClr val="tx2"/>
-                </a:solidFill>
-                <a:sym typeface="+mn-ea"/>
-              </a:rPr>
-              <a:t>推荐系统实战课程</a:t>
-            </a:r>
-            <a:endParaRPr lang="zh-CN" altLang="en-US" sz="1000" dirty="0">
-              <a:solidFill>
-                <a:schemeClr val="tx2"/>
-              </a:solidFill>
-            </a:endParaRPr>
-          </a:p>
-        </p:txBody>
-      </p:sp>
-      <p:sp>
-        <p:nvSpPr>
-          <p:cNvPr id="4" name="灯片编号占位符 3"/>
+          <p:cNvPr id="3" name="Slide Number Placeholder 2"/>
           <p:cNvSpPr>
             <a:spLocks noGrp="1"/>
           </p:cNvSpPr>
@@ -8996,5233 +8233,24 @@
           </a:p>
         </p:txBody>
       </p:sp>
-      <p:grpSp>
-        <p:nvGrpSpPr>
-          <p:cNvPr id="5" name="120906" descr="本素材由iSlide™ 提供&#10;iSlide™尊重知识产权并注重保护用户享有的各项权利。郑重提醒您：&#10;iSlide™插件中提供的任何信息内容的所有权、知识产权归其原始权利人或权利受让人所有，您免费/购买获得的是信息内容的使用权，并受下述条款的约束；&#10;1. 您仅可以个人非商业用途使用该等信息内容，不可将信息内容的全部或部分用于出售，或以出租、出借、转让、分销、发布等其他任何方式供他人使用；&#10;2. 禁止在接入互联网或移动互联网的任何网站、平台、应用或程序上以任何方式为他人提供iSlide™插件资源内容的下载。&#10;The resource is supplied by iSlide™.&#10;iSlide™ respects all intellectual property rights and protects all the rights its users acquired.Solemnly remind you:&#10;The ownership and intellectual property of the resources supplied in iSlide Add-in belongs to its owner or the assignee of this ownership.you only acquired the usage of the resources supplied in iSlide Add-in, as well as respected the following restrain terms:&#10;1.You are only allowed to use such resource for personal and non-commercial aim, not allowed to use such resource or part of it for the sale; or rent, lend, transfer to others; or distribution or release it in any way.&#10;2.You are not permitted to provide the resource of iSlide Add-in in any website, platform, application access to the Internet or mobile Internet." title="iSlide™ 版权声明  COPYRIGHT NOTICE"/>
-          <p:cNvGrpSpPr>
-            <a:grpSpLocks noChangeAspect="1"/>
-          </p:cNvGrpSpPr>
-          <p:nvPr>
-            <p:custDataLst>
-              <p:tags r:id="rId1"/>
-            </p:custDataLst>
-          </p:nvPr>
-        </p:nvGrpSpPr>
-        <p:grpSpPr>
-          <a:xfrm>
-            <a:off x="673100" y="1130300"/>
-            <a:ext cx="10845800" cy="4704144"/>
-            <a:chOff x="673100" y="1130300"/>
-            <a:chExt cx="10845800" cy="4704144"/>
-          </a:xfrm>
-        </p:grpSpPr>
-        <p:grpSp>
-          <p:nvGrpSpPr>
-            <p:cNvPr id="6" name="îsľídé"/>
-            <p:cNvGrpSpPr/>
-            <p:nvPr/>
-          </p:nvGrpSpPr>
-          <p:grpSpPr>
-            <a:xfrm>
-              <a:off x="8851959" y="3821084"/>
-              <a:ext cx="2578029" cy="784007"/>
-              <a:chOff x="1559496" y="3801006"/>
-              <a:chExt cx="2578029" cy="784007"/>
-            </a:xfrm>
-          </p:grpSpPr>
-          <p:sp>
-            <p:nvSpPr>
-              <p:cNvPr id="38" name="î$1ïḑe"/>
-              <p:cNvSpPr txBox="1"/>
-              <p:nvPr/>
-            </p:nvSpPr>
-            <p:spPr>
-              <a:xfrm>
-                <a:off x="1559496" y="4107382"/>
-                <a:ext cx="2578029" cy="477631"/>
-              </a:xfrm>
-              <a:prstGeom prst="rect">
-                <a:avLst/>
-              </a:prstGeom>
-              <a:noFill/>
-            </p:spPr>
-            <p:txBody>
-              <a:bodyPr wrap="square" lIns="91440" tIns="45720" rIns="91440" bIns="45720" rtlCol="0" anchor="ctr">
-                <a:normAutofit lnSpcReduction="10000"/>
-              </a:bodyPr>
-              <a:lstStyle/>
-              <a:p>
-                <a:pPr>
-                  <a:lnSpc>
-                    <a:spcPct val="120000"/>
-                  </a:lnSpc>
-                </a:pPr>
-                <a:r>
-                  <a:rPr lang="en-US" altLang="zh-CN" sz="1100" dirty="0"/>
-                  <a:t>Copy paste fonts. Choose the only option to retain text……</a:t>
-                </a:r>
-              </a:p>
-            </p:txBody>
-          </p:sp>
-          <p:sp>
-            <p:nvSpPr>
-              <p:cNvPr id="39" name="îṣļïḋe"/>
-              <p:cNvSpPr/>
-              <p:nvPr/>
-            </p:nvSpPr>
-            <p:spPr>
-              <a:xfrm>
-                <a:off x="1559496" y="3801006"/>
-                <a:ext cx="2578029" cy="306375"/>
-              </a:xfrm>
-              <a:prstGeom prst="rect">
-                <a:avLst/>
-              </a:prstGeom>
-            </p:spPr>
-            <p:txBody>
-              <a:bodyPr wrap="square" lIns="91440" tIns="45720" rIns="91440" bIns="45720" anchor="ctr">
-                <a:normAutofit fontScale="92500" lnSpcReduction="10000"/>
-              </a:bodyPr>
-              <a:lstStyle/>
-              <a:p>
-                <a:pPr lvl="0" defTabSz="913765">
-                  <a:spcBef>
-                    <a:spcPct val="0"/>
-                  </a:spcBef>
-                  <a:defRPr/>
-                </a:pPr>
-                <a:r>
-                  <a:rPr lang="en-US" altLang="zh-CN" sz="1600" b="1" dirty="0"/>
-                  <a:t>Text here</a:t>
-                </a:r>
-              </a:p>
-            </p:txBody>
-          </p:sp>
-        </p:grpSp>
-        <p:grpSp>
-          <p:nvGrpSpPr>
-            <p:cNvPr id="7" name="ïṥliďè"/>
-            <p:cNvGrpSpPr/>
-            <p:nvPr/>
-          </p:nvGrpSpPr>
-          <p:grpSpPr>
-            <a:xfrm>
-              <a:off x="7873643" y="2591730"/>
-              <a:ext cx="2578029" cy="784007"/>
-              <a:chOff x="1559496" y="3801006"/>
-              <a:chExt cx="2578029" cy="784007"/>
-            </a:xfrm>
-          </p:grpSpPr>
-          <p:sp>
-            <p:nvSpPr>
-              <p:cNvPr id="36" name="îŝḻíḑe"/>
-              <p:cNvSpPr txBox="1"/>
-              <p:nvPr/>
-            </p:nvSpPr>
-            <p:spPr>
-              <a:xfrm>
-                <a:off x="1559496" y="4107382"/>
-                <a:ext cx="2578029" cy="477631"/>
-              </a:xfrm>
-              <a:prstGeom prst="rect">
-                <a:avLst/>
-              </a:prstGeom>
-              <a:noFill/>
-            </p:spPr>
-            <p:txBody>
-              <a:bodyPr wrap="square" lIns="91440" tIns="45720" rIns="91440" bIns="45720" rtlCol="0" anchor="ctr">
-                <a:normAutofit lnSpcReduction="10000"/>
-              </a:bodyPr>
-              <a:lstStyle/>
-              <a:p>
-                <a:pPr>
-                  <a:lnSpc>
-                    <a:spcPct val="120000"/>
-                  </a:lnSpc>
-                </a:pPr>
-                <a:r>
-                  <a:rPr lang="en-US" altLang="zh-CN" sz="1100" dirty="0"/>
-                  <a:t>Copy paste fonts. Choose the only option to retain text……</a:t>
-                </a:r>
-              </a:p>
-            </p:txBody>
-          </p:sp>
-          <p:sp>
-            <p:nvSpPr>
-              <p:cNvPr id="37" name="îşḻîḍè"/>
-              <p:cNvSpPr/>
-              <p:nvPr/>
-            </p:nvSpPr>
-            <p:spPr>
-              <a:xfrm>
-                <a:off x="1559496" y="3801006"/>
-                <a:ext cx="2578029" cy="306375"/>
-              </a:xfrm>
-              <a:prstGeom prst="rect">
-                <a:avLst/>
-              </a:prstGeom>
-            </p:spPr>
-            <p:txBody>
-              <a:bodyPr wrap="square" lIns="91440" tIns="45720" rIns="91440" bIns="45720" anchor="ctr">
-                <a:normAutofit fontScale="92500" lnSpcReduction="10000"/>
-              </a:bodyPr>
-              <a:lstStyle/>
-              <a:p>
-                <a:pPr lvl="0" defTabSz="913765">
-                  <a:spcBef>
-                    <a:spcPct val="0"/>
-                  </a:spcBef>
-                  <a:defRPr/>
-                </a:pPr>
-                <a:r>
-                  <a:rPr lang="en-US" altLang="zh-CN" sz="1600" b="1" dirty="0"/>
-                  <a:t>Text here</a:t>
-                </a:r>
-              </a:p>
-            </p:txBody>
-          </p:sp>
-        </p:grpSp>
-        <p:grpSp>
-          <p:nvGrpSpPr>
-            <p:cNvPr id="8" name="íş1îḓe"/>
-            <p:cNvGrpSpPr/>
-            <p:nvPr/>
-          </p:nvGrpSpPr>
-          <p:grpSpPr>
-            <a:xfrm>
-              <a:off x="8940871" y="5050437"/>
-              <a:ext cx="2578029" cy="784007"/>
-              <a:chOff x="1559496" y="3801006"/>
-              <a:chExt cx="2578029" cy="784007"/>
-            </a:xfrm>
-          </p:grpSpPr>
-          <p:sp>
-            <p:nvSpPr>
-              <p:cNvPr id="34" name="îšľîḑê"/>
-              <p:cNvSpPr txBox="1"/>
-              <p:nvPr/>
-            </p:nvSpPr>
-            <p:spPr>
-              <a:xfrm>
-                <a:off x="1559496" y="4107382"/>
-                <a:ext cx="2578029" cy="477631"/>
-              </a:xfrm>
-              <a:prstGeom prst="rect">
-                <a:avLst/>
-              </a:prstGeom>
-              <a:noFill/>
-            </p:spPr>
-            <p:txBody>
-              <a:bodyPr wrap="square" lIns="91440" tIns="45720" rIns="91440" bIns="45720" rtlCol="0" anchor="ctr">
-                <a:normAutofit lnSpcReduction="10000"/>
-              </a:bodyPr>
-              <a:lstStyle/>
-              <a:p>
-                <a:pPr>
-                  <a:lnSpc>
-                    <a:spcPct val="120000"/>
-                  </a:lnSpc>
-                </a:pPr>
-                <a:r>
-                  <a:rPr lang="en-US" altLang="zh-CN" sz="1100" dirty="0"/>
-                  <a:t>Copy paste fonts. Choose the only option to retain text……</a:t>
-                </a:r>
-              </a:p>
-            </p:txBody>
-          </p:sp>
-          <p:sp>
-            <p:nvSpPr>
-              <p:cNvPr id="35" name="íṡḷiḑé"/>
-              <p:cNvSpPr/>
-              <p:nvPr/>
-            </p:nvSpPr>
-            <p:spPr>
-              <a:xfrm>
-                <a:off x="1559496" y="3801006"/>
-                <a:ext cx="2578029" cy="306375"/>
-              </a:xfrm>
-              <a:prstGeom prst="rect">
-                <a:avLst/>
-              </a:prstGeom>
-            </p:spPr>
-            <p:txBody>
-              <a:bodyPr wrap="square" lIns="91440" tIns="45720" rIns="91440" bIns="45720" anchor="ctr">
-                <a:normAutofit fontScale="92500" lnSpcReduction="10000"/>
-              </a:bodyPr>
-              <a:lstStyle/>
-              <a:p>
-                <a:pPr lvl="0" defTabSz="913765">
-                  <a:spcBef>
-                    <a:spcPct val="0"/>
-                  </a:spcBef>
-                  <a:defRPr/>
-                </a:pPr>
-                <a:r>
-                  <a:rPr lang="en-US" altLang="zh-CN" sz="1600" b="1" dirty="0"/>
-                  <a:t>Text here</a:t>
-                </a:r>
-              </a:p>
-            </p:txBody>
-          </p:sp>
-        </p:grpSp>
-        <p:grpSp>
-          <p:nvGrpSpPr>
-            <p:cNvPr id="9" name="íṡlíḋé"/>
-            <p:cNvGrpSpPr/>
-            <p:nvPr/>
-          </p:nvGrpSpPr>
-          <p:grpSpPr>
-            <a:xfrm>
-              <a:off x="2776201" y="3307643"/>
-              <a:ext cx="2578029" cy="784007"/>
-              <a:chOff x="1559496" y="3801006"/>
-              <a:chExt cx="2578029" cy="784007"/>
-            </a:xfrm>
-          </p:grpSpPr>
-          <p:sp>
-            <p:nvSpPr>
-              <p:cNvPr id="32" name="ïS1iḑé"/>
-              <p:cNvSpPr txBox="1"/>
-              <p:nvPr/>
-            </p:nvSpPr>
-            <p:spPr>
-              <a:xfrm>
-                <a:off x="1559496" y="4107382"/>
-                <a:ext cx="2578029" cy="477631"/>
-              </a:xfrm>
-              <a:prstGeom prst="rect">
-                <a:avLst/>
-              </a:prstGeom>
-              <a:noFill/>
-            </p:spPr>
-            <p:txBody>
-              <a:bodyPr wrap="square" lIns="91440" tIns="45720" rIns="91440" bIns="45720" rtlCol="0" anchor="ctr">
-                <a:normAutofit lnSpcReduction="10000"/>
-              </a:bodyPr>
-              <a:lstStyle/>
-              <a:p>
-                <a:pPr>
-                  <a:lnSpc>
-                    <a:spcPct val="120000"/>
-                  </a:lnSpc>
-                </a:pPr>
-                <a:r>
-                  <a:rPr lang="en-US" altLang="zh-CN" sz="1100" dirty="0"/>
-                  <a:t>Copy paste fonts. Choose the only option to retain text……</a:t>
-                </a:r>
-              </a:p>
-            </p:txBody>
-          </p:sp>
-          <p:sp>
-            <p:nvSpPr>
-              <p:cNvPr id="33" name="ïŝ1íḍé"/>
-              <p:cNvSpPr/>
-              <p:nvPr/>
-            </p:nvSpPr>
-            <p:spPr>
-              <a:xfrm>
-                <a:off x="1559496" y="3801006"/>
-                <a:ext cx="2578029" cy="306375"/>
-              </a:xfrm>
-              <a:prstGeom prst="rect">
-                <a:avLst/>
-              </a:prstGeom>
-            </p:spPr>
-            <p:txBody>
-              <a:bodyPr wrap="square" lIns="91440" tIns="45720" rIns="91440" bIns="45720" anchor="ctr">
-                <a:normAutofit fontScale="92500" lnSpcReduction="10000"/>
-              </a:bodyPr>
-              <a:lstStyle/>
-              <a:p>
-                <a:pPr lvl="0" defTabSz="913765">
-                  <a:spcBef>
-                    <a:spcPct val="0"/>
-                  </a:spcBef>
-                  <a:defRPr/>
-                </a:pPr>
-                <a:r>
-                  <a:rPr lang="en-US" altLang="zh-CN" sz="1600" b="1" dirty="0"/>
-                  <a:t>Text here</a:t>
-                </a:r>
-              </a:p>
-            </p:txBody>
-          </p:sp>
-        </p:grpSp>
-        <p:grpSp>
-          <p:nvGrpSpPr>
-            <p:cNvPr id="10" name="iṧľïḑé"/>
-            <p:cNvGrpSpPr/>
-            <p:nvPr/>
-          </p:nvGrpSpPr>
-          <p:grpSpPr>
-            <a:xfrm>
-              <a:off x="2687289" y="4703235"/>
-              <a:ext cx="2578029" cy="784007"/>
-              <a:chOff x="1559496" y="3801006"/>
-              <a:chExt cx="2578029" cy="784007"/>
-            </a:xfrm>
-          </p:grpSpPr>
-          <p:sp>
-            <p:nvSpPr>
-              <p:cNvPr id="30" name="îš1ïďé"/>
-              <p:cNvSpPr txBox="1"/>
-              <p:nvPr/>
-            </p:nvSpPr>
-            <p:spPr>
-              <a:xfrm>
-                <a:off x="1559496" y="4107382"/>
-                <a:ext cx="2578029" cy="477631"/>
-              </a:xfrm>
-              <a:prstGeom prst="rect">
-                <a:avLst/>
-              </a:prstGeom>
-              <a:noFill/>
-            </p:spPr>
-            <p:txBody>
-              <a:bodyPr wrap="square" lIns="91440" tIns="45720" rIns="91440" bIns="45720" rtlCol="0" anchor="ctr">
-                <a:normAutofit lnSpcReduction="10000"/>
-              </a:bodyPr>
-              <a:lstStyle/>
-              <a:p>
-                <a:pPr>
-                  <a:lnSpc>
-                    <a:spcPct val="120000"/>
-                  </a:lnSpc>
-                </a:pPr>
-                <a:r>
-                  <a:rPr lang="en-US" altLang="zh-CN" sz="1100" dirty="0"/>
-                  <a:t>Copy paste fonts. Choose the only option to retain text……</a:t>
-                </a:r>
-              </a:p>
-            </p:txBody>
-          </p:sp>
-          <p:sp>
-            <p:nvSpPr>
-              <p:cNvPr id="31" name="išḷïḍê"/>
-              <p:cNvSpPr/>
-              <p:nvPr/>
-            </p:nvSpPr>
-            <p:spPr>
-              <a:xfrm>
-                <a:off x="1559496" y="3801006"/>
-                <a:ext cx="2578029" cy="306375"/>
-              </a:xfrm>
-              <a:prstGeom prst="rect">
-                <a:avLst/>
-              </a:prstGeom>
-            </p:spPr>
-            <p:txBody>
-              <a:bodyPr wrap="square" lIns="91440" tIns="45720" rIns="91440" bIns="45720" anchor="ctr">
-                <a:normAutofit fontScale="92500" lnSpcReduction="10000"/>
-              </a:bodyPr>
-              <a:lstStyle/>
-              <a:p>
-                <a:pPr lvl="0" defTabSz="913765">
-                  <a:spcBef>
-                    <a:spcPct val="0"/>
-                  </a:spcBef>
-                  <a:defRPr/>
-                </a:pPr>
-                <a:r>
-                  <a:rPr lang="en-US" altLang="zh-CN" sz="1600" b="1" dirty="0"/>
-                  <a:t>Text here</a:t>
-                </a:r>
-              </a:p>
-            </p:txBody>
-          </p:sp>
-        </p:grpSp>
-        <p:sp>
-          <p:nvSpPr>
-            <p:cNvPr id="11" name="îşḻîḑê"/>
-            <p:cNvSpPr/>
-            <p:nvPr/>
-          </p:nvSpPr>
-          <p:spPr bwMode="auto">
-            <a:xfrm>
-              <a:off x="5575524" y="2924944"/>
-              <a:ext cx="3055139" cy="2664296"/>
-            </a:xfrm>
-            <a:custGeom>
-              <a:avLst/>
-              <a:gdLst>
-                <a:gd name="T0" fmla="*/ 4504532 w 21410"/>
-                <a:gd name="T1" fmla="*/ 3928635 h 21460"/>
-                <a:gd name="T2" fmla="*/ 4504532 w 21410"/>
-                <a:gd name="T3" fmla="*/ 3928635 h 21460"/>
-                <a:gd name="T4" fmla="*/ 4504532 w 21410"/>
-                <a:gd name="T5" fmla="*/ 3928635 h 21460"/>
-                <a:gd name="T6" fmla="*/ 4504532 w 21410"/>
-                <a:gd name="T7" fmla="*/ 3928635 h 21460"/>
-                <a:gd name="T8" fmla="*/ 0 60000 65536"/>
-                <a:gd name="T9" fmla="*/ 0 60000 65536"/>
-                <a:gd name="T10" fmla="*/ 0 60000 65536"/>
-                <a:gd name="T11" fmla="*/ 0 60000 65536"/>
-              </a:gdLst>
-              <a:ahLst/>
-              <a:cxnLst>
-                <a:cxn ang="T8">
-                  <a:pos x="T0" y="T1"/>
-                </a:cxn>
-                <a:cxn ang="T9">
-                  <a:pos x="T2" y="T3"/>
-                </a:cxn>
-                <a:cxn ang="T10">
-                  <a:pos x="T4" y="T5"/>
-                </a:cxn>
-                <a:cxn ang="T11">
-                  <a:pos x="T6" y="T7"/>
-                </a:cxn>
-              </a:cxnLst>
-              <a:rect l="0" t="0" r="r" b="b"/>
-              <a:pathLst>
-                <a:path w="21410" h="21460">
-                  <a:moveTo>
-                    <a:pt x="10087" y="1"/>
-                  </a:moveTo>
-                  <a:cubicBezTo>
-                    <a:pt x="10004" y="-1"/>
-                    <a:pt x="9920" y="0"/>
-                    <a:pt x="9836" y="6"/>
-                  </a:cubicBezTo>
-                  <a:cubicBezTo>
-                    <a:pt x="8489" y="98"/>
-                    <a:pt x="7334" y="1235"/>
-                    <a:pt x="7100" y="2753"/>
-                  </a:cubicBezTo>
-                  <a:cubicBezTo>
-                    <a:pt x="6862" y="4295"/>
-                    <a:pt x="7371" y="5484"/>
-                    <a:pt x="8475" y="6368"/>
-                  </a:cubicBezTo>
-                  <a:cubicBezTo>
-                    <a:pt x="9015" y="6801"/>
-                    <a:pt x="9217" y="7418"/>
-                    <a:pt x="9104" y="8148"/>
-                  </a:cubicBezTo>
-                  <a:cubicBezTo>
-                    <a:pt x="8997" y="8863"/>
-                    <a:pt x="8639" y="9355"/>
-                    <a:pt x="8019" y="9582"/>
-                  </a:cubicBezTo>
-                  <a:cubicBezTo>
-                    <a:pt x="7593" y="9738"/>
-                    <a:pt x="7177" y="9921"/>
-                    <a:pt x="6789" y="10183"/>
-                  </a:cubicBezTo>
-                  <a:cubicBezTo>
-                    <a:pt x="6216" y="10568"/>
-                    <a:pt x="5627" y="10604"/>
-                    <a:pt x="5059" y="10185"/>
-                  </a:cubicBezTo>
-                  <a:cubicBezTo>
-                    <a:pt x="4495" y="9770"/>
-                    <a:pt x="4253" y="9160"/>
-                    <a:pt x="4331" y="8392"/>
-                  </a:cubicBezTo>
-                  <a:cubicBezTo>
-                    <a:pt x="4375" y="7950"/>
-                    <a:pt x="4324" y="7528"/>
-                    <a:pt x="4162" y="7122"/>
-                  </a:cubicBezTo>
-                  <a:cubicBezTo>
-                    <a:pt x="3814" y="6252"/>
-                    <a:pt x="3220" y="5773"/>
-                    <a:pt x="2397" y="5725"/>
-                  </a:cubicBezTo>
-                  <a:cubicBezTo>
-                    <a:pt x="1542" y="5676"/>
-                    <a:pt x="877" y="6108"/>
-                    <a:pt x="473" y="6978"/>
-                  </a:cubicBezTo>
-                  <a:cubicBezTo>
-                    <a:pt x="84" y="7815"/>
-                    <a:pt x="139" y="8668"/>
-                    <a:pt x="615" y="9438"/>
-                  </a:cubicBezTo>
-                  <a:cubicBezTo>
-                    <a:pt x="1175" y="10345"/>
-                    <a:pt x="1970" y="10582"/>
-                    <a:pt x="2890" y="10364"/>
-                  </a:cubicBezTo>
-                  <a:cubicBezTo>
-                    <a:pt x="3411" y="10239"/>
-                    <a:pt x="3861" y="10412"/>
-                    <a:pt x="4243" y="10814"/>
-                  </a:cubicBezTo>
-                  <a:cubicBezTo>
-                    <a:pt x="4798" y="11395"/>
-                    <a:pt x="4894" y="12143"/>
-                    <a:pt x="4553" y="13089"/>
-                  </a:cubicBezTo>
-                  <a:cubicBezTo>
-                    <a:pt x="4293" y="13810"/>
-                    <a:pt x="4158" y="14530"/>
-                    <a:pt x="4139" y="15252"/>
-                  </a:cubicBezTo>
-                  <a:lnTo>
-                    <a:pt x="4137" y="15237"/>
-                  </a:lnTo>
-                  <a:cubicBezTo>
-                    <a:pt x="4088" y="15740"/>
-                    <a:pt x="3871" y="16114"/>
-                    <a:pt x="3452" y="16295"/>
-                  </a:cubicBezTo>
-                  <a:cubicBezTo>
-                    <a:pt x="3035" y="16473"/>
-                    <a:pt x="2657" y="16379"/>
-                    <a:pt x="2331" y="16026"/>
-                  </a:cubicBezTo>
-                  <a:cubicBezTo>
-                    <a:pt x="2145" y="15823"/>
-                    <a:pt x="1929" y="15688"/>
-                    <a:pt x="1677" y="15625"/>
-                  </a:cubicBezTo>
-                  <a:cubicBezTo>
-                    <a:pt x="1136" y="15491"/>
-                    <a:pt x="676" y="15662"/>
-                    <a:pt x="328" y="16148"/>
-                  </a:cubicBezTo>
-                  <a:cubicBezTo>
-                    <a:pt x="-34" y="16650"/>
-                    <a:pt x="-98" y="17229"/>
-                    <a:pt x="143" y="17823"/>
-                  </a:cubicBezTo>
-                  <a:cubicBezTo>
-                    <a:pt x="377" y="18393"/>
-                    <a:pt x="792" y="18697"/>
-                    <a:pt x="1337" y="18713"/>
-                  </a:cubicBezTo>
-                  <a:cubicBezTo>
-                    <a:pt x="1980" y="18731"/>
-                    <a:pt x="2406" y="18341"/>
-                    <a:pt x="2671" y="17690"/>
-                  </a:cubicBezTo>
-                  <a:cubicBezTo>
-                    <a:pt x="2820" y="17323"/>
-                    <a:pt x="3079" y="17117"/>
-                    <a:pt x="3416" y="17042"/>
-                  </a:cubicBezTo>
-                  <a:cubicBezTo>
-                    <a:pt x="3854" y="16946"/>
-                    <a:pt x="4210" y="17077"/>
-                    <a:pt x="4519" y="17667"/>
-                  </a:cubicBezTo>
-                  <a:cubicBezTo>
-                    <a:pt x="4534" y="17712"/>
-                    <a:pt x="4844" y="18471"/>
-                    <a:pt x="5042" y="18820"/>
-                  </a:cubicBezTo>
-                  <a:cubicBezTo>
-                    <a:pt x="5340" y="19343"/>
-                    <a:pt x="5710" y="19797"/>
-                    <a:pt x="6126" y="20175"/>
-                  </a:cubicBezTo>
-                  <a:cubicBezTo>
-                    <a:pt x="6126" y="20175"/>
-                    <a:pt x="6162" y="20211"/>
-                    <a:pt x="6244" y="20282"/>
-                  </a:cubicBezTo>
-                  <a:lnTo>
-                    <a:pt x="6237" y="20279"/>
-                  </a:lnTo>
-                  <a:cubicBezTo>
-                    <a:pt x="6241" y="20283"/>
-                    <a:pt x="6246" y="20287"/>
-                    <a:pt x="6250" y="20291"/>
-                  </a:cubicBezTo>
-                  <a:cubicBezTo>
-                    <a:pt x="7100" y="21006"/>
-                    <a:pt x="8135" y="21438"/>
-                    <a:pt x="9250" y="21457"/>
-                  </a:cubicBezTo>
-                  <a:cubicBezTo>
-                    <a:pt x="10097" y="21487"/>
-                    <a:pt x="10913" y="21286"/>
-                    <a:pt x="11638" y="20903"/>
-                  </a:cubicBezTo>
-                  <a:cubicBezTo>
-                    <a:pt x="12539" y="20410"/>
-                    <a:pt x="13259" y="19679"/>
-                    <a:pt x="13837" y="18730"/>
-                  </a:cubicBezTo>
-                  <a:cubicBezTo>
-                    <a:pt x="14194" y="18144"/>
-                    <a:pt x="14708" y="17915"/>
-                    <a:pt x="15319" y="18009"/>
-                  </a:cubicBezTo>
-                  <a:cubicBezTo>
-                    <a:pt x="15928" y="18105"/>
-                    <a:pt x="16359" y="18483"/>
-                    <a:pt x="16591" y="19150"/>
-                  </a:cubicBezTo>
-                  <a:cubicBezTo>
-                    <a:pt x="16680" y="19406"/>
-                    <a:pt x="16737" y="19673"/>
-                    <a:pt x="16849" y="19921"/>
-                  </a:cubicBezTo>
-                  <a:cubicBezTo>
-                    <a:pt x="17336" y="21003"/>
-                    <a:pt x="18386" y="21598"/>
-                    <a:pt x="19439" y="21373"/>
-                  </a:cubicBezTo>
-                  <a:cubicBezTo>
-                    <a:pt x="20487" y="21148"/>
-                    <a:pt x="21296" y="20132"/>
-                    <a:pt x="21399" y="18907"/>
-                  </a:cubicBezTo>
-                  <a:cubicBezTo>
-                    <a:pt x="21501" y="17691"/>
-                    <a:pt x="20870" y="16487"/>
-                    <a:pt x="19887" y="16060"/>
-                  </a:cubicBezTo>
-                  <a:cubicBezTo>
-                    <a:pt x="18905" y="15631"/>
-                    <a:pt x="18039" y="15899"/>
-                    <a:pt x="17261" y="16670"/>
-                  </a:cubicBezTo>
-                  <a:cubicBezTo>
-                    <a:pt x="16774" y="17152"/>
-                    <a:pt x="16217" y="17206"/>
-                    <a:pt x="15646" y="16928"/>
-                  </a:cubicBezTo>
-                  <a:cubicBezTo>
-                    <a:pt x="15087" y="16656"/>
-                    <a:pt x="14734" y="16170"/>
-                    <a:pt x="14692" y="15444"/>
-                  </a:cubicBezTo>
-                  <a:cubicBezTo>
-                    <a:pt x="14658" y="14883"/>
-                    <a:pt x="14601" y="14326"/>
-                    <a:pt x="14488" y="13780"/>
-                  </a:cubicBezTo>
-                  <a:lnTo>
-                    <a:pt x="14479" y="13765"/>
-                  </a:lnTo>
-                  <a:cubicBezTo>
-                    <a:pt x="14327" y="13035"/>
-                    <a:pt x="14462" y="12374"/>
-                    <a:pt x="14958" y="11839"/>
-                  </a:cubicBezTo>
-                  <a:cubicBezTo>
-                    <a:pt x="15480" y="11275"/>
-                    <a:pt x="16094" y="11145"/>
-                    <a:pt x="16767" y="11438"/>
-                  </a:cubicBezTo>
-                  <a:cubicBezTo>
-                    <a:pt x="17155" y="11607"/>
-                    <a:pt x="17549" y="11654"/>
-                    <a:pt x="17957" y="11568"/>
-                  </a:cubicBezTo>
-                  <a:cubicBezTo>
-                    <a:pt x="18833" y="11381"/>
-                    <a:pt x="19424" y="10797"/>
-                    <a:pt x="19681" y="9827"/>
-                  </a:cubicBezTo>
-                  <a:cubicBezTo>
-                    <a:pt x="19948" y="8820"/>
-                    <a:pt x="19730" y="7915"/>
-                    <a:pt x="19050" y="7206"/>
-                  </a:cubicBezTo>
-                  <a:cubicBezTo>
-                    <a:pt x="18397" y="6524"/>
-                    <a:pt x="17614" y="6367"/>
-                    <a:pt x="16794" y="6733"/>
-                  </a:cubicBezTo>
-                  <a:cubicBezTo>
-                    <a:pt x="15828" y="7164"/>
-                    <a:pt x="15406" y="8050"/>
-                    <a:pt x="15364" y="9206"/>
-                  </a:cubicBezTo>
-                  <a:cubicBezTo>
-                    <a:pt x="15340" y="9859"/>
-                    <a:pt x="15067" y="10350"/>
-                    <a:pt x="14604" y="10700"/>
-                  </a:cubicBezTo>
-                  <a:cubicBezTo>
-                    <a:pt x="13935" y="11210"/>
-                    <a:pt x="13235" y="11130"/>
-                    <a:pt x="12469" y="10476"/>
-                  </a:cubicBezTo>
-                  <a:cubicBezTo>
-                    <a:pt x="12469" y="10476"/>
-                    <a:pt x="11702" y="9992"/>
-                    <a:pt x="11302" y="9766"/>
-                  </a:cubicBezTo>
-                  <a:cubicBezTo>
-                    <a:pt x="10245" y="9174"/>
-                    <a:pt x="10121" y="7465"/>
-                    <a:pt x="11070" y="6668"/>
-                  </a:cubicBezTo>
-                  <a:cubicBezTo>
-                    <a:pt x="11236" y="6529"/>
-                    <a:pt x="11428" y="6435"/>
-                    <a:pt x="11604" y="6312"/>
-                  </a:cubicBezTo>
-                  <a:cubicBezTo>
-                    <a:pt x="12745" y="5503"/>
-                    <a:pt x="13256" y="3864"/>
-                    <a:pt x="12841" y="2360"/>
-                  </a:cubicBezTo>
-                  <a:cubicBezTo>
-                    <a:pt x="12462" y="984"/>
-                    <a:pt x="11338" y="38"/>
-                    <a:pt x="10087" y="1"/>
-                  </a:cubicBezTo>
-                  <a:close/>
-                  <a:moveTo>
-                    <a:pt x="9231" y="10126"/>
-                  </a:moveTo>
-                  <a:cubicBezTo>
-                    <a:pt x="9387" y="10117"/>
-                    <a:pt x="9544" y="10116"/>
-                    <a:pt x="9704" y="10126"/>
-                  </a:cubicBezTo>
-                  <a:cubicBezTo>
-                    <a:pt x="12172" y="10277"/>
-                    <a:pt x="14141" y="12744"/>
-                    <a:pt x="14021" y="15643"/>
-                  </a:cubicBezTo>
-                  <a:cubicBezTo>
-                    <a:pt x="13906" y="18437"/>
-                    <a:pt x="11810" y="20694"/>
-                    <a:pt x="9330" y="20606"/>
-                  </a:cubicBezTo>
-                  <a:cubicBezTo>
-                    <a:pt x="6814" y="20563"/>
-                    <a:pt x="4772" y="18048"/>
-                    <a:pt x="4897" y="15109"/>
-                  </a:cubicBezTo>
-                  <a:cubicBezTo>
-                    <a:pt x="5010" y="12454"/>
-                    <a:pt x="6895" y="10263"/>
-                    <a:pt x="9231" y="10126"/>
-                  </a:cubicBezTo>
-                  <a:close/>
-                </a:path>
-              </a:pathLst>
-            </a:custGeom>
-            <a:solidFill>
-              <a:schemeClr val="bg1">
-                <a:lumMod val="85000"/>
-              </a:schemeClr>
-            </a:solidFill>
-            <a:ln>
-              <a:noFill/>
-            </a:ln>
-            <a:effectLst/>
-          </p:spPr>
-          <p:txBody>
-            <a:bodyPr wrap="square" lIns="91440" tIns="45720" rIns="91440" bIns="45720" anchor="ctr">
-              <a:normAutofit/>
-            </a:bodyPr>
-            <a:lstStyle/>
-            <a:p>
-              <a:endParaRPr lang="id-ID">
-                <a:solidFill>
-                  <a:schemeClr val="tx2"/>
-                </a:solidFill>
-              </a:endParaRPr>
-            </a:p>
-          </p:txBody>
-        </p:sp>
-        <p:grpSp>
-          <p:nvGrpSpPr>
-            <p:cNvPr id="12" name="îśľiďe"/>
-            <p:cNvGrpSpPr/>
-            <p:nvPr/>
-          </p:nvGrpSpPr>
-          <p:grpSpPr>
-            <a:xfrm>
-              <a:off x="8054243" y="4985927"/>
-              <a:ext cx="502816" cy="502816"/>
-              <a:chOff x="5675954" y="2249137"/>
-              <a:chExt cx="648072" cy="648072"/>
-            </a:xfrm>
-          </p:grpSpPr>
-          <p:sp>
-            <p:nvSpPr>
-              <p:cNvPr id="28" name="îṩ1iḑè"/>
-              <p:cNvSpPr/>
-              <p:nvPr/>
-            </p:nvSpPr>
-            <p:spPr>
-              <a:xfrm>
-                <a:off x="5675954" y="2249137"/>
-                <a:ext cx="648072" cy="648072"/>
-              </a:xfrm>
-              <a:prstGeom prst="ellipse">
-                <a:avLst/>
-              </a:prstGeom>
-              <a:solidFill>
-                <a:schemeClr val="tx1">
-                  <a:lumMod val="50000"/>
-                  <a:lumOff val="50000"/>
-                </a:schemeClr>
-              </a:solidFill>
-              <a:ln w="28575">
-                <a:solidFill>
-                  <a:schemeClr val="bg1"/>
-                </a:solidFill>
-              </a:ln>
-            </p:spPr>
-            <p:style>
-              <a:lnRef idx="2">
-                <a:schemeClr val="accent1">
-                  <a:shade val="50000"/>
-                </a:schemeClr>
-              </a:lnRef>
-              <a:fillRef idx="1">
-                <a:schemeClr val="accent1"/>
-              </a:fillRef>
-              <a:effectRef idx="0">
-                <a:schemeClr val="accent1"/>
-              </a:effectRef>
-              <a:fontRef idx="minor">
-                <a:schemeClr val="lt1"/>
-              </a:fontRef>
-            </p:style>
-            <p:txBody>
-              <a:bodyPr wrap="square" lIns="91440" tIns="45720" rIns="91440" bIns="45720" rtlCol="0" anchor="ctr">
-                <a:normAutofit lnSpcReduction="10000"/>
-              </a:bodyPr>
-              <a:lstStyle>
-                <a:defPPr>
-                  <a:defRPr lang="zh-CN"/>
-                </a:defPPr>
-                <a:lvl1pPr marL="0" algn="l" defTabSz="913765" rtl="0" eaLnBrk="1" latinLnBrk="0" hangingPunct="1">
-                  <a:defRPr sz="1800" kern="1200">
-                    <a:solidFill>
-                      <a:schemeClr val="lt1"/>
-                    </a:solidFill>
-                  </a:defRPr>
-                </a:lvl1pPr>
-                <a:lvl2pPr marL="457200" algn="l" defTabSz="913765" rtl="0" eaLnBrk="1" latinLnBrk="0" hangingPunct="1">
-                  <a:defRPr sz="1800" kern="1200">
-                    <a:solidFill>
-                      <a:schemeClr val="lt1"/>
-                    </a:solidFill>
-                  </a:defRPr>
-                </a:lvl2pPr>
-                <a:lvl3pPr marL="914400" algn="l" defTabSz="913765" rtl="0" eaLnBrk="1" latinLnBrk="0" hangingPunct="1">
-                  <a:defRPr sz="1800" kern="1200">
-                    <a:solidFill>
-                      <a:schemeClr val="lt1"/>
-                    </a:solidFill>
-                  </a:defRPr>
-                </a:lvl3pPr>
-                <a:lvl4pPr marL="1371600" algn="l" defTabSz="913765" rtl="0" eaLnBrk="1" latinLnBrk="0" hangingPunct="1">
-                  <a:defRPr sz="1800" kern="1200">
-                    <a:solidFill>
-                      <a:schemeClr val="lt1"/>
-                    </a:solidFill>
-                  </a:defRPr>
-                </a:lvl4pPr>
-                <a:lvl5pPr marL="1828800" algn="l" defTabSz="913765" rtl="0" eaLnBrk="1" latinLnBrk="0" hangingPunct="1">
-                  <a:defRPr sz="1800" kern="1200">
-                    <a:solidFill>
-                      <a:schemeClr val="lt1"/>
-                    </a:solidFill>
-                  </a:defRPr>
-                </a:lvl5pPr>
-                <a:lvl6pPr marL="2286000" algn="l" defTabSz="913765" rtl="0" eaLnBrk="1" latinLnBrk="0" hangingPunct="1">
-                  <a:defRPr sz="1800" kern="1200">
-                    <a:solidFill>
-                      <a:schemeClr val="lt1"/>
-                    </a:solidFill>
-                  </a:defRPr>
-                </a:lvl6pPr>
-                <a:lvl7pPr marL="2743200" algn="l" defTabSz="913765" rtl="0" eaLnBrk="1" latinLnBrk="0" hangingPunct="1">
-                  <a:defRPr sz="1800" kern="1200">
-                    <a:solidFill>
-                      <a:schemeClr val="lt1"/>
-                    </a:solidFill>
-                  </a:defRPr>
-                </a:lvl7pPr>
-                <a:lvl8pPr marL="3200400" algn="l" defTabSz="913765" rtl="0" eaLnBrk="1" latinLnBrk="0" hangingPunct="1">
-                  <a:defRPr sz="1800" kern="1200">
-                    <a:solidFill>
-                      <a:schemeClr val="lt1"/>
-                    </a:solidFill>
-                  </a:defRPr>
-                </a:lvl8pPr>
-                <a:lvl9pPr marL="3657600" algn="l" defTabSz="913765" rtl="0" eaLnBrk="1" latinLnBrk="0" hangingPunct="1">
-                  <a:defRPr sz="1800" kern="1200">
-                    <a:solidFill>
-                      <a:schemeClr val="lt1"/>
-                    </a:solidFill>
-                  </a:defRPr>
-                </a:lvl9pPr>
-              </a:lstStyle>
-              <a:p>
-                <a:pPr algn="ctr"/>
-                <a:endParaRPr lang="zh-CN" altLang="en-US" dirty="0"/>
-              </a:p>
-            </p:txBody>
-          </p:sp>
-          <p:sp>
-            <p:nvSpPr>
-              <p:cNvPr id="29" name="iṥľiḓê"/>
-              <p:cNvSpPr/>
-              <p:nvPr/>
-            </p:nvSpPr>
-            <p:spPr bwMode="auto">
-              <a:xfrm>
-                <a:off x="5809844" y="2390028"/>
-                <a:ext cx="380293" cy="366291"/>
-              </a:xfrm>
-              <a:custGeom>
-                <a:avLst/>
-                <a:gdLst>
-                  <a:gd name="connsiteX0" fmla="*/ 297615 w 597921"/>
-                  <a:gd name="connsiteY0" fmla="*/ 96957 h 598324"/>
-                  <a:gd name="connsiteX1" fmla="*/ 323434 w 597921"/>
-                  <a:gd name="connsiteY1" fmla="*/ 122740 h 598324"/>
-                  <a:gd name="connsiteX2" fmla="*/ 323434 w 597921"/>
-                  <a:gd name="connsiteY2" fmla="*/ 289852 h 598324"/>
-                  <a:gd name="connsiteX3" fmla="*/ 462572 w 597921"/>
-                  <a:gd name="connsiteY3" fmla="*/ 289852 h 598324"/>
-                  <a:gd name="connsiteX4" fmla="*/ 487913 w 597921"/>
-                  <a:gd name="connsiteY4" fmla="*/ 315157 h 598324"/>
-                  <a:gd name="connsiteX5" fmla="*/ 462572 w 597921"/>
-                  <a:gd name="connsiteY5" fmla="*/ 340463 h 598324"/>
-                  <a:gd name="connsiteX6" fmla="*/ 297615 w 597921"/>
-                  <a:gd name="connsiteY6" fmla="*/ 340463 h 598324"/>
-                  <a:gd name="connsiteX7" fmla="*/ 272274 w 597921"/>
-                  <a:gd name="connsiteY7" fmla="*/ 315157 h 598324"/>
-                  <a:gd name="connsiteX8" fmla="*/ 272274 w 597921"/>
-                  <a:gd name="connsiteY8" fmla="*/ 122740 h 598324"/>
-                  <a:gd name="connsiteX9" fmla="*/ 297615 w 597921"/>
-                  <a:gd name="connsiteY9" fmla="*/ 96957 h 598324"/>
-                  <a:gd name="connsiteX10" fmla="*/ 298127 w 597921"/>
-                  <a:gd name="connsiteY10" fmla="*/ 0 h 598324"/>
-                  <a:gd name="connsiteX11" fmla="*/ 597921 w 597921"/>
-                  <a:gd name="connsiteY11" fmla="*/ 299401 h 598324"/>
-                  <a:gd name="connsiteX12" fmla="*/ 298127 w 597921"/>
-                  <a:gd name="connsiteY12" fmla="*/ 598324 h 598324"/>
-                  <a:gd name="connsiteX13" fmla="*/ 35150 w 597921"/>
-                  <a:gd name="connsiteY13" fmla="*/ 442177 h 598324"/>
-                  <a:gd name="connsiteX14" fmla="*/ 34194 w 597921"/>
-                  <a:gd name="connsiteY14" fmla="*/ 432149 h 598324"/>
-                  <a:gd name="connsiteX15" fmla="*/ 40410 w 597921"/>
-                  <a:gd name="connsiteY15" fmla="*/ 424509 h 598324"/>
-                  <a:gd name="connsiteX16" fmla="*/ 74836 w 597921"/>
-                  <a:gd name="connsiteY16" fmla="*/ 407796 h 598324"/>
-                  <a:gd name="connsiteX17" fmla="*/ 91571 w 597921"/>
-                  <a:gd name="connsiteY17" fmla="*/ 413049 h 598324"/>
-                  <a:gd name="connsiteX18" fmla="*/ 298127 w 597921"/>
-                  <a:gd name="connsiteY18" fmla="*/ 534815 h 598324"/>
-                  <a:gd name="connsiteX19" fmla="*/ 534328 w 597921"/>
-                  <a:gd name="connsiteY19" fmla="*/ 299401 h 598324"/>
-                  <a:gd name="connsiteX20" fmla="*/ 298127 w 597921"/>
-                  <a:gd name="connsiteY20" fmla="*/ 63509 h 598324"/>
-                  <a:gd name="connsiteX21" fmla="*/ 145123 w 597921"/>
-                  <a:gd name="connsiteY21" fmla="*/ 120333 h 598324"/>
-                  <a:gd name="connsiteX22" fmla="*/ 200587 w 597921"/>
-                  <a:gd name="connsiteY22" fmla="*/ 142299 h 598324"/>
-                  <a:gd name="connsiteX23" fmla="*/ 208237 w 597921"/>
-                  <a:gd name="connsiteY23" fmla="*/ 152327 h 598324"/>
-                  <a:gd name="connsiteX24" fmla="*/ 203456 w 597921"/>
-                  <a:gd name="connsiteY24" fmla="*/ 164265 h 598324"/>
-                  <a:gd name="connsiteX25" fmla="*/ 48060 w 597921"/>
-                  <a:gd name="connsiteY25" fmla="*/ 285553 h 598324"/>
-                  <a:gd name="connsiteX26" fmla="*/ 35150 w 597921"/>
-                  <a:gd name="connsiteY26" fmla="*/ 287463 h 598324"/>
-                  <a:gd name="connsiteX27" fmla="*/ 27500 w 597921"/>
-                  <a:gd name="connsiteY27" fmla="*/ 277435 h 598324"/>
-                  <a:gd name="connsiteX28" fmla="*/ 246 w 597921"/>
-                  <a:gd name="connsiteY28" fmla="*/ 82132 h 598324"/>
-                  <a:gd name="connsiteX29" fmla="*/ 4550 w 597921"/>
-                  <a:gd name="connsiteY29" fmla="*/ 70194 h 598324"/>
-                  <a:gd name="connsiteX30" fmla="*/ 17459 w 597921"/>
-                  <a:gd name="connsiteY30" fmla="*/ 68762 h 598324"/>
-                  <a:gd name="connsiteX31" fmla="*/ 80574 w 597921"/>
-                  <a:gd name="connsiteY31" fmla="*/ 94070 h 598324"/>
-                  <a:gd name="connsiteX32" fmla="*/ 298127 w 597921"/>
-                  <a:gd name="connsiteY32" fmla="*/ 0 h 598324"/>
-                </a:gdLst>
-                <a:ahLst/>
-                <a:cxnLst>
-                  <a:cxn ang="0">
-                    <a:pos x="connsiteX0" y="connsiteY0"/>
-                  </a:cxn>
-                  <a:cxn ang="0">
-                    <a:pos x="connsiteX1" y="connsiteY1"/>
-                  </a:cxn>
-                  <a:cxn ang="0">
-                    <a:pos x="connsiteX2" y="connsiteY2"/>
-                  </a:cxn>
-                  <a:cxn ang="0">
-                    <a:pos x="connsiteX3" y="connsiteY3"/>
-                  </a:cxn>
-                  <a:cxn ang="0">
-                    <a:pos x="connsiteX4" y="connsiteY4"/>
-                  </a:cxn>
-                  <a:cxn ang="0">
-                    <a:pos x="connsiteX5" y="connsiteY5"/>
-                  </a:cxn>
-                  <a:cxn ang="0">
-                    <a:pos x="connsiteX6" y="connsiteY6"/>
-                  </a:cxn>
-                  <a:cxn ang="0">
-                    <a:pos x="connsiteX7" y="connsiteY7"/>
-                  </a:cxn>
-                  <a:cxn ang="0">
-                    <a:pos x="connsiteX8" y="connsiteY8"/>
-                  </a:cxn>
-                  <a:cxn ang="0">
-                    <a:pos x="connsiteX9" y="connsiteY9"/>
-                  </a:cxn>
-                  <a:cxn ang="0">
-                    <a:pos x="connsiteX10" y="connsiteY10"/>
-                  </a:cxn>
-                  <a:cxn ang="0">
-                    <a:pos x="connsiteX11" y="connsiteY11"/>
-                  </a:cxn>
-                  <a:cxn ang="0">
-                    <a:pos x="connsiteX12" y="connsiteY12"/>
-                  </a:cxn>
-                  <a:cxn ang="0">
-                    <a:pos x="connsiteX13" y="connsiteY13"/>
-                  </a:cxn>
-                  <a:cxn ang="0">
-                    <a:pos x="connsiteX14" y="connsiteY14"/>
-                  </a:cxn>
-                  <a:cxn ang="0">
-                    <a:pos x="connsiteX15" y="connsiteY15"/>
-                  </a:cxn>
-                  <a:cxn ang="0">
-                    <a:pos x="connsiteX16" y="connsiteY16"/>
-                  </a:cxn>
-                  <a:cxn ang="0">
-                    <a:pos x="connsiteX17" y="connsiteY17"/>
-                  </a:cxn>
-                  <a:cxn ang="0">
-                    <a:pos x="connsiteX18" y="connsiteY18"/>
-                  </a:cxn>
-                  <a:cxn ang="0">
-                    <a:pos x="connsiteX19" y="connsiteY19"/>
-                  </a:cxn>
-                  <a:cxn ang="0">
-                    <a:pos x="connsiteX20" y="connsiteY20"/>
-                  </a:cxn>
-                  <a:cxn ang="0">
-                    <a:pos x="connsiteX21" y="connsiteY21"/>
-                  </a:cxn>
-                  <a:cxn ang="0">
-                    <a:pos x="connsiteX22" y="connsiteY22"/>
-                  </a:cxn>
-                  <a:cxn ang="0">
-                    <a:pos x="connsiteX23" y="connsiteY23"/>
-                  </a:cxn>
-                  <a:cxn ang="0">
-                    <a:pos x="connsiteX24" y="connsiteY24"/>
-                  </a:cxn>
-                  <a:cxn ang="0">
-                    <a:pos x="connsiteX25" y="connsiteY25"/>
-                  </a:cxn>
-                  <a:cxn ang="0">
-                    <a:pos x="connsiteX26" y="connsiteY26"/>
-                  </a:cxn>
-                  <a:cxn ang="0">
-                    <a:pos x="connsiteX27" y="connsiteY27"/>
-                  </a:cxn>
-                  <a:cxn ang="0">
-                    <a:pos x="connsiteX28" y="connsiteY28"/>
-                  </a:cxn>
-                  <a:cxn ang="0">
-                    <a:pos x="connsiteX29" y="connsiteY29"/>
-                  </a:cxn>
-                  <a:cxn ang="0">
-                    <a:pos x="connsiteX30" y="connsiteY30"/>
-                  </a:cxn>
-                  <a:cxn ang="0">
-                    <a:pos x="connsiteX31" y="connsiteY31"/>
-                  </a:cxn>
-                  <a:cxn ang="0">
-                    <a:pos x="connsiteX32" y="connsiteY32"/>
-                  </a:cxn>
-                </a:cxnLst>
-                <a:rect l="l" t="t" r="r" b="b"/>
-                <a:pathLst>
-                  <a:path w="597921" h="598324">
-                    <a:moveTo>
-                      <a:pt x="297615" y="96957"/>
-                    </a:moveTo>
-                    <a:cubicBezTo>
-                      <a:pt x="311959" y="96957"/>
-                      <a:pt x="323434" y="108416"/>
-                      <a:pt x="323434" y="122740"/>
-                    </a:cubicBezTo>
-                    <a:lnTo>
-                      <a:pt x="323434" y="289852"/>
-                    </a:lnTo>
-                    <a:lnTo>
-                      <a:pt x="462572" y="289852"/>
-                    </a:lnTo>
-                    <a:cubicBezTo>
-                      <a:pt x="476438" y="289852"/>
-                      <a:pt x="487913" y="301311"/>
-                      <a:pt x="487913" y="315157"/>
-                    </a:cubicBezTo>
-                    <a:cubicBezTo>
-                      <a:pt x="487913" y="329004"/>
-                      <a:pt x="476438" y="340463"/>
-                      <a:pt x="462572" y="340463"/>
-                    </a:cubicBezTo>
-                    <a:lnTo>
-                      <a:pt x="297615" y="340463"/>
-                    </a:lnTo>
-                    <a:cubicBezTo>
-                      <a:pt x="283749" y="340463"/>
-                      <a:pt x="272274" y="329004"/>
-                      <a:pt x="272274" y="315157"/>
-                    </a:cubicBezTo>
-                    <a:lnTo>
-                      <a:pt x="272274" y="122740"/>
-                    </a:lnTo>
-                    <a:cubicBezTo>
-                      <a:pt x="272274" y="108416"/>
-                      <a:pt x="283749" y="96957"/>
-                      <a:pt x="297615" y="96957"/>
-                    </a:cubicBezTo>
-                    <a:close/>
-                    <a:moveTo>
-                      <a:pt x="298127" y="0"/>
-                    </a:moveTo>
-                    <a:cubicBezTo>
-                      <a:pt x="463564" y="0"/>
-                      <a:pt x="597921" y="134181"/>
-                      <a:pt x="597921" y="299401"/>
-                    </a:cubicBezTo>
-                    <a:cubicBezTo>
-                      <a:pt x="597921" y="464143"/>
-                      <a:pt x="463564" y="598324"/>
-                      <a:pt x="298127" y="598324"/>
-                    </a:cubicBezTo>
-                    <a:cubicBezTo>
-                      <a:pt x="188155" y="598324"/>
-                      <a:pt x="87268" y="538635"/>
-                      <a:pt x="35150" y="442177"/>
-                    </a:cubicBezTo>
-                    <a:cubicBezTo>
-                      <a:pt x="33238" y="438835"/>
-                      <a:pt x="32760" y="435492"/>
-                      <a:pt x="34194" y="432149"/>
-                    </a:cubicBezTo>
-                    <a:cubicBezTo>
-                      <a:pt x="35150" y="428807"/>
-                      <a:pt x="37541" y="425942"/>
-                      <a:pt x="40410" y="424509"/>
-                    </a:cubicBezTo>
-                    <a:lnTo>
-                      <a:pt x="74836" y="407796"/>
-                    </a:lnTo>
-                    <a:cubicBezTo>
-                      <a:pt x="81052" y="404931"/>
-                      <a:pt x="88702" y="407319"/>
-                      <a:pt x="91571" y="413049"/>
-                    </a:cubicBezTo>
-                    <a:cubicBezTo>
-                      <a:pt x="133169" y="488018"/>
-                      <a:pt x="212540" y="534815"/>
-                      <a:pt x="298127" y="534815"/>
-                    </a:cubicBezTo>
-                    <a:cubicBezTo>
-                      <a:pt x="428181" y="534815"/>
-                      <a:pt x="534328" y="429284"/>
-                      <a:pt x="534328" y="299401"/>
-                    </a:cubicBezTo>
-                    <a:cubicBezTo>
-                      <a:pt x="534328" y="169517"/>
-                      <a:pt x="428181" y="63509"/>
-                      <a:pt x="298127" y="63509"/>
-                    </a:cubicBezTo>
-                    <a:cubicBezTo>
-                      <a:pt x="242185" y="63509"/>
-                      <a:pt x="187677" y="83565"/>
-                      <a:pt x="145123" y="120333"/>
-                    </a:cubicBezTo>
-                    <a:lnTo>
-                      <a:pt x="200587" y="142299"/>
-                    </a:lnTo>
-                    <a:cubicBezTo>
-                      <a:pt x="204890" y="144209"/>
-                      <a:pt x="207759" y="148029"/>
-                      <a:pt x="208237" y="152327"/>
-                    </a:cubicBezTo>
-                    <a:cubicBezTo>
-                      <a:pt x="208715" y="157102"/>
-                      <a:pt x="207281" y="161399"/>
-                      <a:pt x="203456" y="164265"/>
-                    </a:cubicBezTo>
-                    <a:lnTo>
-                      <a:pt x="48060" y="285553"/>
-                    </a:lnTo>
-                    <a:cubicBezTo>
-                      <a:pt x="44235" y="288418"/>
-                      <a:pt x="39454" y="289373"/>
-                      <a:pt x="35150" y="287463"/>
-                    </a:cubicBezTo>
-                    <a:cubicBezTo>
-                      <a:pt x="31325" y="285553"/>
-                      <a:pt x="27978" y="281733"/>
-                      <a:pt x="27500" y="277435"/>
-                    </a:cubicBezTo>
-                    <a:lnTo>
-                      <a:pt x="246" y="82132"/>
-                    </a:lnTo>
-                    <a:cubicBezTo>
-                      <a:pt x="-710" y="77835"/>
-                      <a:pt x="1203" y="73060"/>
-                      <a:pt x="4550" y="70194"/>
-                    </a:cubicBezTo>
-                    <a:cubicBezTo>
-                      <a:pt x="8375" y="67807"/>
-                      <a:pt x="13156" y="66852"/>
-                      <a:pt x="17459" y="68762"/>
-                    </a:cubicBezTo>
-                    <a:lnTo>
-                      <a:pt x="80574" y="94070"/>
-                    </a:lnTo>
-                    <a:cubicBezTo>
-                      <a:pt x="137472" y="33426"/>
-                      <a:pt x="214931" y="0"/>
-                      <a:pt x="298127" y="0"/>
-                    </a:cubicBezTo>
-                    <a:close/>
-                  </a:path>
-                </a:pathLst>
-              </a:custGeom>
-              <a:solidFill>
-                <a:schemeClr val="bg1"/>
-              </a:solidFill>
-              <a:ln>
-                <a:noFill/>
-              </a:ln>
-            </p:spPr>
-            <p:txBody>
-              <a:bodyPr vert="horz" wrap="square" lIns="91440" tIns="45720" rIns="91440" bIns="45720" numCol="1" anchor="t" anchorCtr="0" compatLnSpc="1">
-                <a:normAutofit fontScale="25000" lnSpcReduction="20000"/>
-              </a:bodyPr>
-              <a:lstStyle>
-                <a:defPPr>
-                  <a:defRPr lang="zh-CN"/>
-                </a:defPPr>
-                <a:lvl1pPr marL="0" algn="l" defTabSz="913765" rtl="0" eaLnBrk="1" latinLnBrk="0" hangingPunct="1">
-                  <a:defRPr sz="1800" kern="1200">
-                    <a:solidFill>
-                      <a:schemeClr val="tx1"/>
-                    </a:solidFill>
-                  </a:defRPr>
-                </a:lvl1pPr>
-                <a:lvl2pPr marL="457200" algn="l" defTabSz="913765" rtl="0" eaLnBrk="1" latinLnBrk="0" hangingPunct="1">
-                  <a:defRPr sz="1800" kern="1200">
-                    <a:solidFill>
-                      <a:schemeClr val="tx1"/>
-                    </a:solidFill>
-                  </a:defRPr>
-                </a:lvl2pPr>
-                <a:lvl3pPr marL="914400" algn="l" defTabSz="913765" rtl="0" eaLnBrk="1" latinLnBrk="0" hangingPunct="1">
-                  <a:defRPr sz="1800" kern="1200">
-                    <a:solidFill>
-                      <a:schemeClr val="tx1"/>
-                    </a:solidFill>
-                  </a:defRPr>
-                </a:lvl3pPr>
-                <a:lvl4pPr marL="1371600" algn="l" defTabSz="913765" rtl="0" eaLnBrk="1" latinLnBrk="0" hangingPunct="1">
-                  <a:defRPr sz="1800" kern="1200">
-                    <a:solidFill>
-                      <a:schemeClr val="tx1"/>
-                    </a:solidFill>
-                  </a:defRPr>
-                </a:lvl4pPr>
-                <a:lvl5pPr marL="1828800" algn="l" defTabSz="913765" rtl="0" eaLnBrk="1" latinLnBrk="0" hangingPunct="1">
-                  <a:defRPr sz="1800" kern="1200">
-                    <a:solidFill>
-                      <a:schemeClr val="tx1"/>
-                    </a:solidFill>
-                  </a:defRPr>
-                </a:lvl5pPr>
-                <a:lvl6pPr marL="2286000" algn="l" defTabSz="913765" rtl="0" eaLnBrk="1" latinLnBrk="0" hangingPunct="1">
-                  <a:defRPr sz="1800" kern="1200">
-                    <a:solidFill>
-                      <a:schemeClr val="tx1"/>
-                    </a:solidFill>
-                  </a:defRPr>
-                </a:lvl6pPr>
-                <a:lvl7pPr marL="2743200" algn="l" defTabSz="913765" rtl="0" eaLnBrk="1" latinLnBrk="0" hangingPunct="1">
-                  <a:defRPr sz="1800" kern="1200">
-                    <a:solidFill>
-                      <a:schemeClr val="tx1"/>
-                    </a:solidFill>
-                  </a:defRPr>
-                </a:lvl7pPr>
-                <a:lvl8pPr marL="3200400" algn="l" defTabSz="913765" rtl="0" eaLnBrk="1" latinLnBrk="0" hangingPunct="1">
-                  <a:defRPr sz="1800" kern="1200">
-                    <a:solidFill>
-                      <a:schemeClr val="tx1"/>
-                    </a:solidFill>
-                  </a:defRPr>
-                </a:lvl8pPr>
-                <a:lvl9pPr marL="3657600" algn="l" defTabSz="913765" rtl="0" eaLnBrk="1" latinLnBrk="0" hangingPunct="1">
-                  <a:defRPr sz="1800" kern="1200">
-                    <a:solidFill>
-                      <a:schemeClr val="tx1"/>
-                    </a:solidFill>
-                  </a:defRPr>
-                </a:lvl9pPr>
-              </a:lstStyle>
-              <a:p>
-                <a:endParaRPr lang="en-US" sz="7200"/>
-              </a:p>
-            </p:txBody>
-          </p:sp>
-        </p:grpSp>
-        <p:grpSp>
-          <p:nvGrpSpPr>
-            <p:cNvPr id="13" name="iṩḷíďê"/>
-            <p:cNvGrpSpPr/>
-            <p:nvPr/>
-          </p:nvGrpSpPr>
-          <p:grpSpPr>
-            <a:xfrm>
-              <a:off x="5632209" y="4910432"/>
-              <a:ext cx="280010" cy="280010"/>
-              <a:chOff x="7442747" y="2249137"/>
-              <a:chExt cx="648072" cy="648072"/>
-            </a:xfrm>
-          </p:grpSpPr>
-          <p:sp>
-            <p:nvSpPr>
-              <p:cNvPr id="26" name="ísľïḋê"/>
-              <p:cNvSpPr/>
-              <p:nvPr/>
-            </p:nvSpPr>
-            <p:spPr>
-              <a:xfrm>
-                <a:off x="7442747" y="2249137"/>
-                <a:ext cx="648072" cy="648072"/>
-              </a:xfrm>
-              <a:prstGeom prst="ellipse">
-                <a:avLst/>
-              </a:prstGeom>
-              <a:solidFill>
-                <a:schemeClr val="tx1">
-                  <a:lumMod val="50000"/>
-                  <a:lumOff val="50000"/>
-                </a:schemeClr>
-              </a:solidFill>
-              <a:ln w="28575">
-                <a:solidFill>
-                  <a:schemeClr val="bg1"/>
-                </a:solidFill>
-              </a:ln>
-            </p:spPr>
-            <p:style>
-              <a:lnRef idx="2">
-                <a:schemeClr val="accent1">
-                  <a:shade val="50000"/>
-                </a:schemeClr>
-              </a:lnRef>
-              <a:fillRef idx="1">
-                <a:schemeClr val="accent1"/>
-              </a:fillRef>
-              <a:effectRef idx="0">
-                <a:schemeClr val="accent1"/>
-              </a:effectRef>
-              <a:fontRef idx="minor">
-                <a:schemeClr val="lt1"/>
-              </a:fontRef>
-            </p:style>
-            <p:txBody>
-              <a:bodyPr wrap="square" lIns="91440" tIns="45720" rIns="91440" bIns="45720" rtlCol="0" anchor="ctr">
-                <a:normAutofit fontScale="40000" lnSpcReduction="20000"/>
-              </a:bodyPr>
-              <a:lstStyle>
-                <a:defPPr>
-                  <a:defRPr lang="zh-CN"/>
-                </a:defPPr>
-                <a:lvl1pPr marL="0" algn="l" defTabSz="913765" rtl="0" eaLnBrk="1" latinLnBrk="0" hangingPunct="1">
-                  <a:defRPr sz="1800" kern="1200">
-                    <a:solidFill>
-                      <a:schemeClr val="lt1"/>
-                    </a:solidFill>
-                  </a:defRPr>
-                </a:lvl1pPr>
-                <a:lvl2pPr marL="457200" algn="l" defTabSz="913765" rtl="0" eaLnBrk="1" latinLnBrk="0" hangingPunct="1">
-                  <a:defRPr sz="1800" kern="1200">
-                    <a:solidFill>
-                      <a:schemeClr val="lt1"/>
-                    </a:solidFill>
-                  </a:defRPr>
-                </a:lvl2pPr>
-                <a:lvl3pPr marL="914400" algn="l" defTabSz="913765" rtl="0" eaLnBrk="1" latinLnBrk="0" hangingPunct="1">
-                  <a:defRPr sz="1800" kern="1200">
-                    <a:solidFill>
-                      <a:schemeClr val="lt1"/>
-                    </a:solidFill>
-                  </a:defRPr>
-                </a:lvl3pPr>
-                <a:lvl4pPr marL="1371600" algn="l" defTabSz="913765" rtl="0" eaLnBrk="1" latinLnBrk="0" hangingPunct="1">
-                  <a:defRPr sz="1800" kern="1200">
-                    <a:solidFill>
-                      <a:schemeClr val="lt1"/>
-                    </a:solidFill>
-                  </a:defRPr>
-                </a:lvl4pPr>
-                <a:lvl5pPr marL="1828800" algn="l" defTabSz="913765" rtl="0" eaLnBrk="1" latinLnBrk="0" hangingPunct="1">
-                  <a:defRPr sz="1800" kern="1200">
-                    <a:solidFill>
-                      <a:schemeClr val="lt1"/>
-                    </a:solidFill>
-                  </a:defRPr>
-                </a:lvl5pPr>
-                <a:lvl6pPr marL="2286000" algn="l" defTabSz="913765" rtl="0" eaLnBrk="1" latinLnBrk="0" hangingPunct="1">
-                  <a:defRPr sz="1800" kern="1200">
-                    <a:solidFill>
-                      <a:schemeClr val="lt1"/>
-                    </a:solidFill>
-                  </a:defRPr>
-                </a:lvl6pPr>
-                <a:lvl7pPr marL="2743200" algn="l" defTabSz="913765" rtl="0" eaLnBrk="1" latinLnBrk="0" hangingPunct="1">
-                  <a:defRPr sz="1800" kern="1200">
-                    <a:solidFill>
-                      <a:schemeClr val="lt1"/>
-                    </a:solidFill>
-                  </a:defRPr>
-                </a:lvl7pPr>
-                <a:lvl8pPr marL="3200400" algn="l" defTabSz="913765" rtl="0" eaLnBrk="1" latinLnBrk="0" hangingPunct="1">
-                  <a:defRPr sz="1800" kern="1200">
-                    <a:solidFill>
-                      <a:schemeClr val="lt1"/>
-                    </a:solidFill>
-                  </a:defRPr>
-                </a:lvl8pPr>
-                <a:lvl9pPr marL="3657600" algn="l" defTabSz="913765" rtl="0" eaLnBrk="1" latinLnBrk="0" hangingPunct="1">
-                  <a:defRPr sz="1800" kern="1200">
-                    <a:solidFill>
-                      <a:schemeClr val="lt1"/>
-                    </a:solidFill>
-                  </a:defRPr>
-                </a:lvl9pPr>
-              </a:lstStyle>
-              <a:p>
-                <a:pPr algn="ctr"/>
-                <a:endParaRPr lang="zh-CN" altLang="en-US" dirty="0"/>
-              </a:p>
-            </p:txBody>
-          </p:sp>
-          <p:sp>
-            <p:nvSpPr>
-              <p:cNvPr id="27" name="ïṡľidé"/>
-              <p:cNvSpPr/>
-              <p:nvPr/>
-            </p:nvSpPr>
-            <p:spPr bwMode="auto">
-              <a:xfrm>
-                <a:off x="7576637" y="2390028"/>
-                <a:ext cx="380293" cy="366291"/>
-              </a:xfrm>
-              <a:custGeom>
-                <a:avLst/>
-                <a:gdLst>
-                  <a:gd name="connsiteX0" fmla="*/ 304701 w 609473"/>
-                  <a:gd name="connsiteY0" fmla="*/ 381618 h 587034"/>
-                  <a:gd name="connsiteX1" fmla="*/ 325879 w 609473"/>
-                  <a:gd name="connsiteY1" fmla="*/ 394101 h 587034"/>
-                  <a:gd name="connsiteX2" fmla="*/ 309542 w 609473"/>
-                  <a:gd name="connsiteY2" fmla="*/ 410914 h 587034"/>
-                  <a:gd name="connsiteX3" fmla="*/ 331022 w 609473"/>
-                  <a:gd name="connsiteY3" fmla="*/ 433867 h 587034"/>
-                  <a:gd name="connsiteX4" fmla="*/ 312466 w 609473"/>
-                  <a:gd name="connsiteY4" fmla="*/ 468800 h 587034"/>
-                  <a:gd name="connsiteX5" fmla="*/ 294112 w 609473"/>
-                  <a:gd name="connsiteY5" fmla="*/ 468096 h 587034"/>
-                  <a:gd name="connsiteX6" fmla="*/ 278380 w 609473"/>
-                  <a:gd name="connsiteY6" fmla="*/ 432055 h 587034"/>
-                  <a:gd name="connsiteX7" fmla="*/ 299861 w 609473"/>
-                  <a:gd name="connsiteY7" fmla="*/ 410612 h 587034"/>
-                  <a:gd name="connsiteX8" fmla="*/ 284028 w 609473"/>
-                  <a:gd name="connsiteY8" fmla="*/ 393397 h 587034"/>
-                  <a:gd name="connsiteX9" fmla="*/ 224835 w 609473"/>
-                  <a:gd name="connsiteY9" fmla="*/ 380559 h 587034"/>
-                  <a:gd name="connsiteX10" fmla="*/ 283211 w 609473"/>
-                  <a:gd name="connsiteY10" fmla="*/ 483344 h 587034"/>
-                  <a:gd name="connsiteX11" fmla="*/ 305190 w 609473"/>
-                  <a:gd name="connsiteY11" fmla="*/ 499753 h 587034"/>
-                  <a:gd name="connsiteX12" fmla="*/ 327069 w 609473"/>
-                  <a:gd name="connsiteY12" fmla="*/ 483646 h 587034"/>
-                  <a:gd name="connsiteX13" fmla="*/ 387865 w 609473"/>
-                  <a:gd name="connsiteY13" fmla="*/ 380861 h 587034"/>
-                  <a:gd name="connsiteX14" fmla="*/ 498972 w 609473"/>
-                  <a:gd name="connsiteY14" fmla="*/ 386700 h 587034"/>
-                  <a:gd name="connsiteX15" fmla="*/ 581344 w 609473"/>
-                  <a:gd name="connsiteY15" fmla="*/ 414485 h 587034"/>
-                  <a:gd name="connsiteX16" fmla="*/ 609473 w 609473"/>
-                  <a:gd name="connsiteY16" fmla="*/ 494820 h 587034"/>
-                  <a:gd name="connsiteX17" fmla="*/ 609473 w 609473"/>
-                  <a:gd name="connsiteY17" fmla="*/ 529048 h 587034"/>
-                  <a:gd name="connsiteX18" fmla="*/ 551399 w 609473"/>
-                  <a:gd name="connsiteY18" fmla="*/ 587034 h 587034"/>
-                  <a:gd name="connsiteX19" fmla="*/ 58074 w 609473"/>
-                  <a:gd name="connsiteY19" fmla="*/ 587034 h 587034"/>
-                  <a:gd name="connsiteX20" fmla="*/ 0 w 609473"/>
-                  <a:gd name="connsiteY20" fmla="*/ 529048 h 587034"/>
-                  <a:gd name="connsiteX21" fmla="*/ 0 w 609473"/>
-                  <a:gd name="connsiteY21" fmla="*/ 494820 h 587034"/>
-                  <a:gd name="connsiteX22" fmla="*/ 28129 w 609473"/>
-                  <a:gd name="connsiteY22" fmla="*/ 414485 h 587034"/>
-                  <a:gd name="connsiteX23" fmla="*/ 110501 w 609473"/>
-                  <a:gd name="connsiteY23" fmla="*/ 386700 h 587034"/>
-                  <a:gd name="connsiteX24" fmla="*/ 316407 w 609473"/>
-                  <a:gd name="connsiteY24" fmla="*/ 206077 h 587034"/>
-                  <a:gd name="connsiteX25" fmla="*/ 316407 w 609473"/>
-                  <a:gd name="connsiteY25" fmla="*/ 272924 h 587034"/>
-                  <a:gd name="connsiteX26" fmla="*/ 335965 w 609473"/>
-                  <a:gd name="connsiteY26" fmla="*/ 266783 h 587034"/>
-                  <a:gd name="connsiteX27" fmla="*/ 346551 w 609473"/>
-                  <a:gd name="connsiteY27" fmla="*/ 239602 h 587034"/>
-                  <a:gd name="connsiteX28" fmla="*/ 336570 w 609473"/>
-                  <a:gd name="connsiteY28" fmla="*/ 216346 h 587034"/>
-                  <a:gd name="connsiteX29" fmla="*/ 316407 w 609473"/>
-                  <a:gd name="connsiteY29" fmla="*/ 206077 h 587034"/>
-                  <a:gd name="connsiteX30" fmla="*/ 299872 w 609473"/>
-                  <a:gd name="connsiteY30" fmla="*/ 94230 h 587034"/>
-                  <a:gd name="connsiteX31" fmla="*/ 277793 w 609473"/>
-                  <a:gd name="connsiteY31" fmla="*/ 102183 h 587034"/>
-                  <a:gd name="connsiteX32" fmla="*/ 270534 w 609473"/>
-                  <a:gd name="connsiteY32" fmla="*/ 122922 h 587034"/>
-                  <a:gd name="connsiteX33" fmla="*/ 281322 w 609473"/>
-                  <a:gd name="connsiteY33" fmla="*/ 145674 h 587034"/>
-                  <a:gd name="connsiteX34" fmla="*/ 299872 w 609473"/>
-                  <a:gd name="connsiteY34" fmla="*/ 154231 h 587034"/>
-                  <a:gd name="connsiteX35" fmla="*/ 316407 w 609473"/>
-                  <a:gd name="connsiteY35" fmla="*/ 42585 h 587034"/>
-                  <a:gd name="connsiteX36" fmla="*/ 316407 w 609473"/>
-                  <a:gd name="connsiteY36" fmla="*/ 56478 h 587034"/>
-                  <a:gd name="connsiteX37" fmla="*/ 360061 w 609473"/>
-                  <a:gd name="connsiteY37" fmla="*/ 70169 h 587034"/>
-                  <a:gd name="connsiteX38" fmla="*/ 389904 w 609473"/>
-                  <a:gd name="connsiteY38" fmla="*/ 129465 h 587034"/>
-                  <a:gd name="connsiteX39" fmla="*/ 344837 w 609473"/>
-                  <a:gd name="connsiteY39" fmla="*/ 129465 h 587034"/>
-                  <a:gd name="connsiteX40" fmla="*/ 339797 w 609473"/>
-                  <a:gd name="connsiteY40" fmla="*/ 107217 h 587034"/>
-                  <a:gd name="connsiteX41" fmla="*/ 316407 w 609473"/>
-                  <a:gd name="connsiteY41" fmla="*/ 93928 h 587034"/>
-                  <a:gd name="connsiteX42" fmla="*/ 316407 w 609473"/>
-                  <a:gd name="connsiteY42" fmla="*/ 159063 h 587034"/>
-                  <a:gd name="connsiteX43" fmla="*/ 371050 w 609473"/>
-                  <a:gd name="connsiteY43" fmla="*/ 183829 h 587034"/>
-                  <a:gd name="connsiteX44" fmla="*/ 394037 w 609473"/>
-                  <a:gd name="connsiteY44" fmla="*/ 234467 h 587034"/>
-                  <a:gd name="connsiteX45" fmla="*/ 362380 w 609473"/>
-                  <a:gd name="connsiteY45" fmla="*/ 297086 h 587034"/>
-                  <a:gd name="connsiteX46" fmla="*/ 316407 w 609473"/>
-                  <a:gd name="connsiteY46" fmla="*/ 311079 h 587034"/>
-                  <a:gd name="connsiteX47" fmla="*/ 316407 w 609473"/>
-                  <a:gd name="connsiteY47" fmla="*/ 318328 h 587034"/>
-                  <a:gd name="connsiteX48" fmla="*/ 445959 w 609473"/>
-                  <a:gd name="connsiteY48" fmla="*/ 180507 h 587034"/>
-                  <a:gd name="connsiteX49" fmla="*/ 316407 w 609473"/>
-                  <a:gd name="connsiteY49" fmla="*/ 42585 h 587034"/>
-                  <a:gd name="connsiteX50" fmla="*/ 299872 w 609473"/>
-                  <a:gd name="connsiteY50" fmla="*/ 42484 h 587034"/>
-                  <a:gd name="connsiteX51" fmla="*/ 168808 w 609473"/>
-                  <a:gd name="connsiteY51" fmla="*/ 180507 h 587034"/>
-                  <a:gd name="connsiteX52" fmla="*/ 299872 w 609473"/>
-                  <a:gd name="connsiteY52" fmla="*/ 318428 h 587034"/>
-                  <a:gd name="connsiteX53" fmla="*/ 299872 w 609473"/>
-                  <a:gd name="connsiteY53" fmla="*/ 311381 h 587034"/>
-                  <a:gd name="connsiteX54" fmla="*/ 249564 w 609473"/>
-                  <a:gd name="connsiteY54" fmla="*/ 296683 h 587034"/>
-                  <a:gd name="connsiteX55" fmla="*/ 220729 w 609473"/>
-                  <a:gd name="connsiteY55" fmla="*/ 229635 h 587034"/>
-                  <a:gd name="connsiteX56" fmla="*/ 266904 w 609473"/>
-                  <a:gd name="connsiteY56" fmla="*/ 229635 h 587034"/>
-                  <a:gd name="connsiteX57" fmla="*/ 273659 w 609473"/>
-                  <a:gd name="connsiteY57" fmla="*/ 258528 h 587034"/>
-                  <a:gd name="connsiteX58" fmla="*/ 299872 w 609473"/>
-                  <a:gd name="connsiteY58" fmla="*/ 273428 h 587034"/>
-                  <a:gd name="connsiteX59" fmla="*/ 299872 w 609473"/>
-                  <a:gd name="connsiteY59" fmla="*/ 200440 h 587034"/>
-                  <a:gd name="connsiteX60" fmla="*/ 285959 w 609473"/>
-                  <a:gd name="connsiteY60" fmla="*/ 196312 h 587034"/>
-                  <a:gd name="connsiteX61" fmla="*/ 239784 w 609473"/>
-                  <a:gd name="connsiteY61" fmla="*/ 169634 h 587034"/>
-                  <a:gd name="connsiteX62" fmla="*/ 226375 w 609473"/>
-                  <a:gd name="connsiteY62" fmla="*/ 128459 h 587034"/>
-                  <a:gd name="connsiteX63" fmla="*/ 231618 w 609473"/>
-                  <a:gd name="connsiteY63" fmla="*/ 99566 h 587034"/>
-                  <a:gd name="connsiteX64" fmla="*/ 246237 w 609473"/>
-                  <a:gd name="connsiteY64" fmla="*/ 77115 h 587034"/>
-                  <a:gd name="connsiteX65" fmla="*/ 273256 w 609473"/>
-                  <a:gd name="connsiteY65" fmla="*/ 60404 h 587034"/>
-                  <a:gd name="connsiteX66" fmla="*/ 299872 w 609473"/>
-                  <a:gd name="connsiteY66" fmla="*/ 56075 h 587034"/>
-                  <a:gd name="connsiteX67" fmla="*/ 307333 w 609473"/>
-                  <a:gd name="connsiteY67" fmla="*/ 0 h 587034"/>
-                  <a:gd name="connsiteX68" fmla="*/ 488101 w 609473"/>
-                  <a:gd name="connsiteY68" fmla="*/ 180507 h 587034"/>
-                  <a:gd name="connsiteX69" fmla="*/ 307333 w 609473"/>
-                  <a:gd name="connsiteY69" fmla="*/ 361013 h 587034"/>
-                  <a:gd name="connsiteX70" fmla="*/ 126665 w 609473"/>
-                  <a:gd name="connsiteY70" fmla="*/ 180507 h 587034"/>
-                  <a:gd name="connsiteX71" fmla="*/ 307333 w 609473"/>
-                  <a:gd name="connsiteY71" fmla="*/ 0 h 587034"/>
-                </a:gdLst>
-                <a:ahLst/>
-                <a:cxnLst>
-                  <a:cxn ang="0">
-                    <a:pos x="connsiteX0" y="connsiteY0"/>
-                  </a:cxn>
-                  <a:cxn ang="0">
-                    <a:pos x="connsiteX1" y="connsiteY1"/>
-                  </a:cxn>
-                  <a:cxn ang="0">
-                    <a:pos x="connsiteX2" y="connsiteY2"/>
-                  </a:cxn>
-                  <a:cxn ang="0">
-                    <a:pos x="connsiteX3" y="connsiteY3"/>
-                  </a:cxn>
-                  <a:cxn ang="0">
-                    <a:pos x="connsiteX4" y="connsiteY4"/>
-                  </a:cxn>
-                  <a:cxn ang="0">
-                    <a:pos x="connsiteX5" y="connsiteY5"/>
-                  </a:cxn>
-                  <a:cxn ang="0">
-                    <a:pos x="connsiteX6" y="connsiteY6"/>
-                  </a:cxn>
-                  <a:cxn ang="0">
-                    <a:pos x="connsiteX7" y="connsiteY7"/>
-                  </a:cxn>
-                  <a:cxn ang="0">
-                    <a:pos x="connsiteX8" y="connsiteY8"/>
-                  </a:cxn>
-                  <a:cxn ang="0">
-                    <a:pos x="connsiteX9" y="connsiteY9"/>
-                  </a:cxn>
-                  <a:cxn ang="0">
-                    <a:pos x="connsiteX10" y="connsiteY10"/>
-                  </a:cxn>
-                  <a:cxn ang="0">
-                    <a:pos x="connsiteX11" y="connsiteY11"/>
-                  </a:cxn>
-                  <a:cxn ang="0">
-                    <a:pos x="connsiteX12" y="connsiteY12"/>
-                  </a:cxn>
-                  <a:cxn ang="0">
-                    <a:pos x="connsiteX13" y="connsiteY13"/>
-                  </a:cxn>
-                  <a:cxn ang="0">
-                    <a:pos x="connsiteX14" y="connsiteY14"/>
-                  </a:cxn>
-                  <a:cxn ang="0">
-                    <a:pos x="connsiteX15" y="connsiteY15"/>
-                  </a:cxn>
-                  <a:cxn ang="0">
-                    <a:pos x="connsiteX16" y="connsiteY16"/>
-                  </a:cxn>
-                  <a:cxn ang="0">
-                    <a:pos x="connsiteX17" y="connsiteY17"/>
-                  </a:cxn>
-                  <a:cxn ang="0">
-                    <a:pos x="connsiteX18" y="connsiteY18"/>
-                  </a:cxn>
-                  <a:cxn ang="0">
-                    <a:pos x="connsiteX19" y="connsiteY19"/>
-                  </a:cxn>
-                  <a:cxn ang="0">
-                    <a:pos x="connsiteX20" y="connsiteY20"/>
-                  </a:cxn>
-                  <a:cxn ang="0">
-                    <a:pos x="connsiteX21" y="connsiteY21"/>
-                  </a:cxn>
-                  <a:cxn ang="0">
-                    <a:pos x="connsiteX22" y="connsiteY22"/>
-                  </a:cxn>
-                  <a:cxn ang="0">
-                    <a:pos x="connsiteX23" y="connsiteY23"/>
-                  </a:cxn>
-                  <a:cxn ang="0">
-                    <a:pos x="connsiteX24" y="connsiteY24"/>
-                  </a:cxn>
-                  <a:cxn ang="0">
-                    <a:pos x="connsiteX25" y="connsiteY25"/>
-                  </a:cxn>
-                  <a:cxn ang="0">
-                    <a:pos x="connsiteX26" y="connsiteY26"/>
-                  </a:cxn>
-                  <a:cxn ang="0">
-                    <a:pos x="connsiteX27" y="connsiteY27"/>
-                  </a:cxn>
-                  <a:cxn ang="0">
-                    <a:pos x="connsiteX28" y="connsiteY28"/>
-                  </a:cxn>
-                  <a:cxn ang="0">
-                    <a:pos x="connsiteX29" y="connsiteY29"/>
-                  </a:cxn>
-                  <a:cxn ang="0">
-                    <a:pos x="connsiteX30" y="connsiteY30"/>
-                  </a:cxn>
-                  <a:cxn ang="0">
-                    <a:pos x="connsiteX31" y="connsiteY31"/>
-                  </a:cxn>
-                  <a:cxn ang="0">
-                    <a:pos x="connsiteX32" y="connsiteY32"/>
-                  </a:cxn>
-                  <a:cxn ang="0">
-                    <a:pos x="connsiteX33" y="connsiteY33"/>
-                  </a:cxn>
-                  <a:cxn ang="0">
-                    <a:pos x="connsiteX34" y="connsiteY34"/>
-                  </a:cxn>
-                  <a:cxn ang="0">
-                    <a:pos x="connsiteX35" y="connsiteY35"/>
-                  </a:cxn>
-                  <a:cxn ang="0">
-                    <a:pos x="connsiteX36" y="connsiteY36"/>
-                  </a:cxn>
-                  <a:cxn ang="0">
-                    <a:pos x="connsiteX37" y="connsiteY37"/>
-                  </a:cxn>
-                  <a:cxn ang="0">
-                    <a:pos x="connsiteX38" y="connsiteY38"/>
-                  </a:cxn>
-                  <a:cxn ang="0">
-                    <a:pos x="connsiteX39" y="connsiteY39"/>
-                  </a:cxn>
-                  <a:cxn ang="0">
-                    <a:pos x="connsiteX40" y="connsiteY40"/>
-                  </a:cxn>
-                  <a:cxn ang="0">
-                    <a:pos x="connsiteX41" y="connsiteY41"/>
-                  </a:cxn>
-                  <a:cxn ang="0">
-                    <a:pos x="connsiteX42" y="connsiteY42"/>
-                  </a:cxn>
-                  <a:cxn ang="0">
-                    <a:pos x="connsiteX43" y="connsiteY43"/>
-                  </a:cxn>
-                  <a:cxn ang="0">
-                    <a:pos x="connsiteX44" y="connsiteY44"/>
-                  </a:cxn>
-                  <a:cxn ang="0">
-                    <a:pos x="connsiteX45" y="connsiteY45"/>
-                  </a:cxn>
-                  <a:cxn ang="0">
-                    <a:pos x="connsiteX46" y="connsiteY46"/>
-                  </a:cxn>
-                  <a:cxn ang="0">
-                    <a:pos x="connsiteX47" y="connsiteY47"/>
-                  </a:cxn>
-                  <a:cxn ang="0">
-                    <a:pos x="connsiteX48" y="connsiteY48"/>
-                  </a:cxn>
-                  <a:cxn ang="0">
-                    <a:pos x="connsiteX49" y="connsiteY49"/>
-                  </a:cxn>
-                  <a:cxn ang="0">
-                    <a:pos x="connsiteX50" y="connsiteY50"/>
-                  </a:cxn>
-                  <a:cxn ang="0">
-                    <a:pos x="connsiteX51" y="connsiteY51"/>
-                  </a:cxn>
-                  <a:cxn ang="0">
-                    <a:pos x="connsiteX52" y="connsiteY52"/>
-                  </a:cxn>
-                  <a:cxn ang="0">
-                    <a:pos x="connsiteX53" y="connsiteY53"/>
-                  </a:cxn>
-                  <a:cxn ang="0">
-                    <a:pos x="connsiteX54" y="connsiteY54"/>
-                  </a:cxn>
-                  <a:cxn ang="0">
-                    <a:pos x="connsiteX55" y="connsiteY55"/>
-                  </a:cxn>
-                  <a:cxn ang="0">
-                    <a:pos x="connsiteX56" y="connsiteY56"/>
-                  </a:cxn>
-                  <a:cxn ang="0">
-                    <a:pos x="connsiteX57" y="connsiteY57"/>
-                  </a:cxn>
-                  <a:cxn ang="0">
-                    <a:pos x="connsiteX58" y="connsiteY58"/>
-                  </a:cxn>
-                  <a:cxn ang="0">
-                    <a:pos x="connsiteX59" y="connsiteY59"/>
-                  </a:cxn>
-                  <a:cxn ang="0">
-                    <a:pos x="connsiteX60" y="connsiteY60"/>
-                  </a:cxn>
-                  <a:cxn ang="0">
-                    <a:pos x="connsiteX61" y="connsiteY61"/>
-                  </a:cxn>
-                  <a:cxn ang="0">
-                    <a:pos x="connsiteX62" y="connsiteY62"/>
-                  </a:cxn>
-                  <a:cxn ang="0">
-                    <a:pos x="connsiteX63" y="connsiteY63"/>
-                  </a:cxn>
-                  <a:cxn ang="0">
-                    <a:pos x="connsiteX64" y="connsiteY64"/>
-                  </a:cxn>
-                  <a:cxn ang="0">
-                    <a:pos x="connsiteX65" y="connsiteY65"/>
-                  </a:cxn>
-                  <a:cxn ang="0">
-                    <a:pos x="connsiteX66" y="connsiteY66"/>
-                  </a:cxn>
-                  <a:cxn ang="0">
-                    <a:pos x="connsiteX67" y="connsiteY67"/>
-                  </a:cxn>
-                  <a:cxn ang="0">
-                    <a:pos x="connsiteX68" y="connsiteY68"/>
-                  </a:cxn>
-                  <a:cxn ang="0">
-                    <a:pos x="connsiteX69" y="connsiteY69"/>
-                  </a:cxn>
-                  <a:cxn ang="0">
-                    <a:pos x="connsiteX70" y="connsiteY70"/>
-                  </a:cxn>
-                  <a:cxn ang="0">
-                    <a:pos x="connsiteX71" y="connsiteY71"/>
-                  </a:cxn>
-                </a:cxnLst>
-                <a:rect l="l" t="t" r="r" b="b"/>
-                <a:pathLst>
-                  <a:path w="609473" h="587034">
-                    <a:moveTo>
-                      <a:pt x="304701" y="381618"/>
-                    </a:moveTo>
-                    <a:lnTo>
-                      <a:pt x="325879" y="394101"/>
-                    </a:lnTo>
-                    <a:lnTo>
-                      <a:pt x="309542" y="410914"/>
-                    </a:lnTo>
-                    <a:lnTo>
-                      <a:pt x="331022" y="433867"/>
-                    </a:lnTo>
-                    <a:lnTo>
-                      <a:pt x="312466" y="468800"/>
-                    </a:lnTo>
-                    <a:cubicBezTo>
-                      <a:pt x="307021" y="479069"/>
-                      <a:pt x="298751" y="478767"/>
-                      <a:pt x="294112" y="468096"/>
-                    </a:cubicBezTo>
-                    <a:lnTo>
-                      <a:pt x="278380" y="432055"/>
-                    </a:lnTo>
-                    <a:lnTo>
-                      <a:pt x="299861" y="410612"/>
-                    </a:lnTo>
-                    <a:lnTo>
-                      <a:pt x="284028" y="393397"/>
-                    </a:lnTo>
-                    <a:close/>
-                    <a:moveTo>
-                      <a:pt x="224835" y="380559"/>
-                    </a:moveTo>
-                    <a:lnTo>
-                      <a:pt x="283211" y="483344"/>
-                    </a:lnTo>
-                    <a:cubicBezTo>
-                      <a:pt x="289260" y="493914"/>
-                      <a:pt x="297024" y="499753"/>
-                      <a:pt x="305190" y="499753"/>
-                    </a:cubicBezTo>
-                    <a:cubicBezTo>
-                      <a:pt x="313155" y="499753"/>
-                      <a:pt x="320919" y="494015"/>
-                      <a:pt x="327069" y="483646"/>
-                    </a:cubicBezTo>
-                    <a:lnTo>
-                      <a:pt x="387865" y="380861"/>
-                    </a:lnTo>
-                    <a:lnTo>
-                      <a:pt x="498972" y="386700"/>
-                    </a:lnTo>
-                    <a:cubicBezTo>
-                      <a:pt x="529521" y="388311"/>
-                      <a:pt x="565716" y="400492"/>
-                      <a:pt x="581344" y="414485"/>
-                    </a:cubicBezTo>
-                    <a:cubicBezTo>
-                      <a:pt x="597072" y="428679"/>
-                      <a:pt x="609473" y="464015"/>
-                      <a:pt x="609473" y="494820"/>
-                    </a:cubicBezTo>
-                    <a:lnTo>
-                      <a:pt x="609473" y="529048"/>
-                    </a:lnTo>
-                    <a:cubicBezTo>
-                      <a:pt x="609473" y="561061"/>
-                      <a:pt x="583360" y="587034"/>
-                      <a:pt x="551399" y="587034"/>
-                    </a:cubicBezTo>
-                    <a:lnTo>
-                      <a:pt x="58074" y="587034"/>
-                    </a:lnTo>
-                    <a:cubicBezTo>
-                      <a:pt x="26012" y="587034"/>
-                      <a:pt x="0" y="561061"/>
-                      <a:pt x="0" y="529048"/>
-                    </a:cubicBezTo>
-                    <a:lnTo>
-                      <a:pt x="0" y="494820"/>
-                    </a:lnTo>
-                    <a:cubicBezTo>
-                      <a:pt x="0" y="464015"/>
-                      <a:pt x="12401" y="428679"/>
-                      <a:pt x="28129" y="414485"/>
-                    </a:cubicBezTo>
-                    <a:cubicBezTo>
-                      <a:pt x="43757" y="400492"/>
-                      <a:pt x="79851" y="388311"/>
-                      <a:pt x="110501" y="386700"/>
-                    </a:cubicBezTo>
-                    <a:close/>
-                    <a:moveTo>
-                      <a:pt x="316407" y="206077"/>
-                    </a:moveTo>
-                    <a:lnTo>
-                      <a:pt x="316407" y="272924"/>
-                    </a:lnTo>
-                    <a:cubicBezTo>
-                      <a:pt x="325379" y="271817"/>
-                      <a:pt x="331832" y="269703"/>
-                      <a:pt x="335965" y="266783"/>
-                    </a:cubicBezTo>
-                    <a:cubicBezTo>
-                      <a:pt x="343023" y="261548"/>
-                      <a:pt x="346551" y="252488"/>
-                      <a:pt x="346551" y="239602"/>
-                    </a:cubicBezTo>
-                    <a:cubicBezTo>
-                      <a:pt x="346551" y="229736"/>
-                      <a:pt x="343224" y="222084"/>
-                      <a:pt x="336570" y="216346"/>
-                    </a:cubicBezTo>
-                    <a:cubicBezTo>
-                      <a:pt x="332638" y="213024"/>
-                      <a:pt x="325884" y="209601"/>
-                      <a:pt x="316407" y="206077"/>
-                    </a:cubicBezTo>
-                    <a:close/>
-                    <a:moveTo>
-                      <a:pt x="299872" y="94230"/>
-                    </a:moveTo>
-                    <a:cubicBezTo>
-                      <a:pt x="289891" y="94431"/>
-                      <a:pt x="282531" y="97149"/>
-                      <a:pt x="277793" y="102183"/>
-                    </a:cubicBezTo>
-                    <a:cubicBezTo>
-                      <a:pt x="272954" y="107317"/>
-                      <a:pt x="270534" y="114163"/>
-                      <a:pt x="270534" y="122922"/>
-                    </a:cubicBezTo>
-                    <a:cubicBezTo>
-                      <a:pt x="270534" y="132586"/>
-                      <a:pt x="274163" y="140137"/>
-                      <a:pt x="281322" y="145674"/>
-                    </a:cubicBezTo>
-                    <a:cubicBezTo>
-                      <a:pt x="285354" y="148795"/>
-                      <a:pt x="291504" y="151613"/>
-                      <a:pt x="299872" y="154231"/>
-                    </a:cubicBezTo>
-                    <a:close/>
-                    <a:moveTo>
-                      <a:pt x="316407" y="42585"/>
-                    </a:moveTo>
-                    <a:lnTo>
-                      <a:pt x="316407" y="56478"/>
-                    </a:lnTo>
-                    <a:cubicBezTo>
-                      <a:pt x="334957" y="57887"/>
-                      <a:pt x="349576" y="62518"/>
-                      <a:pt x="360061" y="70169"/>
-                    </a:cubicBezTo>
-                    <a:cubicBezTo>
-                      <a:pt x="379318" y="82350"/>
-                      <a:pt x="389198" y="102082"/>
-                      <a:pt x="389904" y="129465"/>
-                    </a:cubicBezTo>
-                    <a:lnTo>
-                      <a:pt x="344837" y="129465"/>
-                    </a:lnTo>
-                    <a:cubicBezTo>
-                      <a:pt x="344031" y="119297"/>
-                      <a:pt x="342317" y="111948"/>
-                      <a:pt x="339797" y="107217"/>
-                    </a:cubicBezTo>
-                    <a:cubicBezTo>
-                      <a:pt x="335562" y="99163"/>
-                      <a:pt x="327698" y="94733"/>
-                      <a:pt x="316407" y="93928"/>
-                    </a:cubicBezTo>
-                    <a:lnTo>
-                      <a:pt x="316407" y="159063"/>
-                    </a:lnTo>
-                    <a:cubicBezTo>
-                      <a:pt x="343527" y="168426"/>
-                      <a:pt x="361674" y="176681"/>
-                      <a:pt x="371050" y="183829"/>
-                    </a:cubicBezTo>
-                    <a:cubicBezTo>
-                      <a:pt x="386375" y="195809"/>
-                      <a:pt x="394037" y="212722"/>
-                      <a:pt x="394037" y="234467"/>
-                    </a:cubicBezTo>
-                    <a:cubicBezTo>
-                      <a:pt x="394037" y="263159"/>
-                      <a:pt x="383451" y="284099"/>
-                      <a:pt x="362380" y="297086"/>
-                    </a:cubicBezTo>
-                    <a:cubicBezTo>
-                      <a:pt x="349475" y="305039"/>
-                      <a:pt x="334151" y="309670"/>
-                      <a:pt x="316407" y="311079"/>
-                    </a:cubicBezTo>
-                    <a:lnTo>
-                      <a:pt x="316407" y="318328"/>
-                    </a:lnTo>
-                    <a:cubicBezTo>
-                      <a:pt x="388593" y="313697"/>
-                      <a:pt x="445959" y="253696"/>
-                      <a:pt x="445959" y="180507"/>
-                    </a:cubicBezTo>
-                    <a:cubicBezTo>
-                      <a:pt x="445959" y="107217"/>
-                      <a:pt x="388593" y="47316"/>
-                      <a:pt x="316407" y="42585"/>
-                    </a:cubicBezTo>
-                    <a:close/>
-                    <a:moveTo>
-                      <a:pt x="299872" y="42484"/>
-                    </a:moveTo>
-                    <a:cubicBezTo>
-                      <a:pt x="226980" y="46410"/>
-                      <a:pt x="168808" y="106713"/>
-                      <a:pt x="168808" y="180507"/>
-                    </a:cubicBezTo>
-                    <a:cubicBezTo>
-                      <a:pt x="168808" y="254199"/>
-                      <a:pt x="226980" y="314502"/>
-                      <a:pt x="299872" y="318428"/>
-                    </a:cubicBezTo>
-                    <a:lnTo>
-                      <a:pt x="299872" y="311381"/>
-                    </a:lnTo>
-                    <a:cubicBezTo>
-                      <a:pt x="277390" y="308864"/>
-                      <a:pt x="260553" y="303931"/>
-                      <a:pt x="249564" y="296683"/>
-                    </a:cubicBezTo>
-                    <a:cubicBezTo>
-                      <a:pt x="230005" y="283596"/>
-                      <a:pt x="220427" y="261246"/>
-                      <a:pt x="220729" y="229635"/>
-                    </a:cubicBezTo>
-                    <a:lnTo>
-                      <a:pt x="266904" y="229635"/>
-                    </a:lnTo>
-                    <a:cubicBezTo>
-                      <a:pt x="268518" y="244031"/>
-                      <a:pt x="270736" y="253696"/>
-                      <a:pt x="273659" y="258528"/>
-                    </a:cubicBezTo>
-                    <a:cubicBezTo>
-                      <a:pt x="278095" y="266179"/>
-                      <a:pt x="286867" y="271112"/>
-                      <a:pt x="299872" y="273428"/>
-                    </a:cubicBezTo>
-                    <a:lnTo>
-                      <a:pt x="299872" y="200440"/>
-                    </a:lnTo>
-                    <a:lnTo>
-                      <a:pt x="285959" y="196312"/>
-                    </a:lnTo>
-                    <a:cubicBezTo>
-                      <a:pt x="264182" y="189970"/>
-                      <a:pt x="248757" y="181010"/>
-                      <a:pt x="239784" y="169634"/>
-                    </a:cubicBezTo>
-                    <a:cubicBezTo>
-                      <a:pt x="230811" y="158258"/>
-                      <a:pt x="226375" y="144466"/>
-                      <a:pt x="226375" y="128459"/>
-                    </a:cubicBezTo>
-                    <a:cubicBezTo>
-                      <a:pt x="226375" y="117787"/>
-                      <a:pt x="228089" y="108223"/>
-                      <a:pt x="231618" y="99566"/>
-                    </a:cubicBezTo>
-                    <a:cubicBezTo>
-                      <a:pt x="235046" y="90908"/>
-                      <a:pt x="239986" y="83357"/>
-                      <a:pt x="246237" y="77115"/>
-                    </a:cubicBezTo>
-                    <a:cubicBezTo>
-                      <a:pt x="254302" y="69062"/>
-                      <a:pt x="263376" y="63424"/>
-                      <a:pt x="273256" y="60404"/>
-                    </a:cubicBezTo>
-                    <a:cubicBezTo>
-                      <a:pt x="279406" y="58390"/>
-                      <a:pt x="288177" y="56981"/>
-                      <a:pt x="299872" y="56075"/>
-                    </a:cubicBezTo>
-                    <a:close/>
-                    <a:moveTo>
-                      <a:pt x="307333" y="0"/>
-                    </a:moveTo>
-                    <a:cubicBezTo>
-                      <a:pt x="407043" y="0"/>
-                      <a:pt x="488101" y="80941"/>
-                      <a:pt x="488101" y="180507"/>
-                    </a:cubicBezTo>
-                    <a:cubicBezTo>
-                      <a:pt x="488101" y="279971"/>
-                      <a:pt x="407043" y="361013"/>
-                      <a:pt x="307333" y="361013"/>
-                    </a:cubicBezTo>
-                    <a:cubicBezTo>
-                      <a:pt x="207724" y="361013"/>
-                      <a:pt x="126665" y="279971"/>
-                      <a:pt x="126665" y="180507"/>
-                    </a:cubicBezTo>
-                    <a:cubicBezTo>
-                      <a:pt x="126665" y="80941"/>
-                      <a:pt x="207724" y="0"/>
-                      <a:pt x="307333" y="0"/>
-                    </a:cubicBezTo>
-                    <a:close/>
-                  </a:path>
-                </a:pathLst>
-              </a:custGeom>
-              <a:solidFill>
-                <a:schemeClr val="bg1"/>
-              </a:solidFill>
-              <a:ln>
-                <a:noFill/>
-              </a:ln>
-            </p:spPr>
-            <p:txBody>
-              <a:bodyPr vert="horz" wrap="square" lIns="91440" tIns="45720" rIns="91440" bIns="45720" numCol="1" anchor="t" anchorCtr="0" compatLnSpc="1">
-                <a:normAutofit fontScale="25000" lnSpcReduction="20000"/>
-              </a:bodyPr>
-              <a:lstStyle>
-                <a:defPPr>
-                  <a:defRPr lang="zh-CN"/>
-                </a:defPPr>
-                <a:lvl1pPr marL="0" algn="l" defTabSz="913765" rtl="0" eaLnBrk="1" latinLnBrk="0" hangingPunct="1">
-                  <a:defRPr sz="1800" kern="1200">
-                    <a:solidFill>
-                      <a:schemeClr val="tx1"/>
-                    </a:solidFill>
-                  </a:defRPr>
-                </a:lvl1pPr>
-                <a:lvl2pPr marL="457200" algn="l" defTabSz="913765" rtl="0" eaLnBrk="1" latinLnBrk="0" hangingPunct="1">
-                  <a:defRPr sz="1800" kern="1200">
-                    <a:solidFill>
-                      <a:schemeClr val="tx1"/>
-                    </a:solidFill>
-                  </a:defRPr>
-                </a:lvl2pPr>
-                <a:lvl3pPr marL="914400" algn="l" defTabSz="913765" rtl="0" eaLnBrk="1" latinLnBrk="0" hangingPunct="1">
-                  <a:defRPr sz="1800" kern="1200">
-                    <a:solidFill>
-                      <a:schemeClr val="tx1"/>
-                    </a:solidFill>
-                  </a:defRPr>
-                </a:lvl3pPr>
-                <a:lvl4pPr marL="1371600" algn="l" defTabSz="913765" rtl="0" eaLnBrk="1" latinLnBrk="0" hangingPunct="1">
-                  <a:defRPr sz="1800" kern="1200">
-                    <a:solidFill>
-                      <a:schemeClr val="tx1"/>
-                    </a:solidFill>
-                  </a:defRPr>
-                </a:lvl4pPr>
-                <a:lvl5pPr marL="1828800" algn="l" defTabSz="913765" rtl="0" eaLnBrk="1" latinLnBrk="0" hangingPunct="1">
-                  <a:defRPr sz="1800" kern="1200">
-                    <a:solidFill>
-                      <a:schemeClr val="tx1"/>
-                    </a:solidFill>
-                  </a:defRPr>
-                </a:lvl5pPr>
-                <a:lvl6pPr marL="2286000" algn="l" defTabSz="913765" rtl="0" eaLnBrk="1" latinLnBrk="0" hangingPunct="1">
-                  <a:defRPr sz="1800" kern="1200">
-                    <a:solidFill>
-                      <a:schemeClr val="tx1"/>
-                    </a:solidFill>
-                  </a:defRPr>
-                </a:lvl6pPr>
-                <a:lvl7pPr marL="2743200" algn="l" defTabSz="913765" rtl="0" eaLnBrk="1" latinLnBrk="0" hangingPunct="1">
-                  <a:defRPr sz="1800" kern="1200">
-                    <a:solidFill>
-                      <a:schemeClr val="tx1"/>
-                    </a:solidFill>
-                  </a:defRPr>
-                </a:lvl7pPr>
-                <a:lvl8pPr marL="3200400" algn="l" defTabSz="913765" rtl="0" eaLnBrk="1" latinLnBrk="0" hangingPunct="1">
-                  <a:defRPr sz="1800" kern="1200">
-                    <a:solidFill>
-                      <a:schemeClr val="tx1"/>
-                    </a:solidFill>
-                  </a:defRPr>
-                </a:lvl8pPr>
-                <a:lvl9pPr marL="3657600" algn="l" defTabSz="913765" rtl="0" eaLnBrk="1" latinLnBrk="0" hangingPunct="1">
-                  <a:defRPr sz="1800" kern="1200">
-                    <a:solidFill>
-                      <a:schemeClr val="tx1"/>
-                    </a:solidFill>
-                  </a:defRPr>
-                </a:lvl9pPr>
-              </a:lstStyle>
-              <a:p>
-                <a:endParaRPr lang="en-US" sz="7200"/>
-              </a:p>
-            </p:txBody>
-          </p:sp>
-        </p:grpSp>
-        <p:grpSp>
-          <p:nvGrpSpPr>
-            <p:cNvPr id="14" name="íṣ1ïdè"/>
-            <p:cNvGrpSpPr/>
-            <p:nvPr/>
-          </p:nvGrpSpPr>
-          <p:grpSpPr>
-            <a:xfrm>
-              <a:off x="7873643" y="3830022"/>
-              <a:ext cx="431906" cy="431906"/>
-              <a:chOff x="4792557" y="2249137"/>
-              <a:chExt cx="648072" cy="648072"/>
-            </a:xfrm>
-          </p:grpSpPr>
-          <p:sp>
-            <p:nvSpPr>
-              <p:cNvPr id="24" name="işļíḑé"/>
-              <p:cNvSpPr/>
-              <p:nvPr/>
-            </p:nvSpPr>
-            <p:spPr>
-              <a:xfrm>
-                <a:off x="4792557" y="2249137"/>
-                <a:ext cx="648072" cy="648072"/>
-              </a:xfrm>
-              <a:prstGeom prst="ellipse">
-                <a:avLst/>
-              </a:prstGeom>
-              <a:solidFill>
-                <a:schemeClr val="tx1">
-                  <a:lumMod val="50000"/>
-                  <a:lumOff val="50000"/>
-                </a:schemeClr>
-              </a:solidFill>
-              <a:ln w="28575">
-                <a:solidFill>
-                  <a:schemeClr val="bg1"/>
-                </a:solidFill>
-              </a:ln>
-            </p:spPr>
-            <p:style>
-              <a:lnRef idx="2">
-                <a:schemeClr val="accent1">
-                  <a:shade val="50000"/>
-                </a:schemeClr>
-              </a:lnRef>
-              <a:fillRef idx="1">
-                <a:schemeClr val="accent1"/>
-              </a:fillRef>
-              <a:effectRef idx="0">
-                <a:schemeClr val="accent1"/>
-              </a:effectRef>
-              <a:fontRef idx="minor">
-                <a:schemeClr val="lt1"/>
-              </a:fontRef>
-            </p:style>
-            <p:txBody>
-              <a:bodyPr wrap="square" lIns="91440" tIns="45720" rIns="91440" bIns="45720" rtlCol="0" anchor="ctr">
-                <a:normAutofit fontScale="92500" lnSpcReduction="20000"/>
-              </a:bodyPr>
-              <a:lstStyle>
-                <a:defPPr>
-                  <a:defRPr lang="zh-CN"/>
-                </a:defPPr>
-                <a:lvl1pPr marL="0" algn="l" defTabSz="913765" rtl="0" eaLnBrk="1" latinLnBrk="0" hangingPunct="1">
-                  <a:defRPr sz="1800" kern="1200">
-                    <a:solidFill>
-                      <a:schemeClr val="lt1"/>
-                    </a:solidFill>
-                  </a:defRPr>
-                </a:lvl1pPr>
-                <a:lvl2pPr marL="457200" algn="l" defTabSz="913765" rtl="0" eaLnBrk="1" latinLnBrk="0" hangingPunct="1">
-                  <a:defRPr sz="1800" kern="1200">
-                    <a:solidFill>
-                      <a:schemeClr val="lt1"/>
-                    </a:solidFill>
-                  </a:defRPr>
-                </a:lvl2pPr>
-                <a:lvl3pPr marL="914400" algn="l" defTabSz="913765" rtl="0" eaLnBrk="1" latinLnBrk="0" hangingPunct="1">
-                  <a:defRPr sz="1800" kern="1200">
-                    <a:solidFill>
-                      <a:schemeClr val="lt1"/>
-                    </a:solidFill>
-                  </a:defRPr>
-                </a:lvl3pPr>
-                <a:lvl4pPr marL="1371600" algn="l" defTabSz="913765" rtl="0" eaLnBrk="1" latinLnBrk="0" hangingPunct="1">
-                  <a:defRPr sz="1800" kern="1200">
-                    <a:solidFill>
-                      <a:schemeClr val="lt1"/>
-                    </a:solidFill>
-                  </a:defRPr>
-                </a:lvl4pPr>
-                <a:lvl5pPr marL="1828800" algn="l" defTabSz="913765" rtl="0" eaLnBrk="1" latinLnBrk="0" hangingPunct="1">
-                  <a:defRPr sz="1800" kern="1200">
-                    <a:solidFill>
-                      <a:schemeClr val="lt1"/>
-                    </a:solidFill>
-                  </a:defRPr>
-                </a:lvl5pPr>
-                <a:lvl6pPr marL="2286000" algn="l" defTabSz="913765" rtl="0" eaLnBrk="1" latinLnBrk="0" hangingPunct="1">
-                  <a:defRPr sz="1800" kern="1200">
-                    <a:solidFill>
-                      <a:schemeClr val="lt1"/>
-                    </a:solidFill>
-                  </a:defRPr>
-                </a:lvl6pPr>
-                <a:lvl7pPr marL="2743200" algn="l" defTabSz="913765" rtl="0" eaLnBrk="1" latinLnBrk="0" hangingPunct="1">
-                  <a:defRPr sz="1800" kern="1200">
-                    <a:solidFill>
-                      <a:schemeClr val="lt1"/>
-                    </a:solidFill>
-                  </a:defRPr>
-                </a:lvl7pPr>
-                <a:lvl8pPr marL="3200400" algn="l" defTabSz="913765" rtl="0" eaLnBrk="1" latinLnBrk="0" hangingPunct="1">
-                  <a:defRPr sz="1800" kern="1200">
-                    <a:solidFill>
-                      <a:schemeClr val="lt1"/>
-                    </a:solidFill>
-                  </a:defRPr>
-                </a:lvl8pPr>
-                <a:lvl9pPr marL="3657600" algn="l" defTabSz="913765" rtl="0" eaLnBrk="1" latinLnBrk="0" hangingPunct="1">
-                  <a:defRPr sz="1800" kern="1200">
-                    <a:solidFill>
-                      <a:schemeClr val="lt1"/>
-                    </a:solidFill>
-                  </a:defRPr>
-                </a:lvl9pPr>
-              </a:lstStyle>
-              <a:p>
-                <a:pPr algn="ctr"/>
-                <a:endParaRPr lang="zh-CN" altLang="en-US"/>
-              </a:p>
-            </p:txBody>
-          </p:sp>
-          <p:sp>
-            <p:nvSpPr>
-              <p:cNvPr id="25" name="îs1iďê"/>
-              <p:cNvSpPr/>
-              <p:nvPr/>
-            </p:nvSpPr>
-            <p:spPr bwMode="auto">
-              <a:xfrm>
-                <a:off x="4926447" y="2390028"/>
-                <a:ext cx="380293" cy="366291"/>
-              </a:xfrm>
-              <a:custGeom>
-                <a:avLst/>
-                <a:gdLst>
-                  <a:gd name="T0" fmla="*/ 4096 w 6827"/>
-                  <a:gd name="T1" fmla="*/ 4551 h 6827"/>
-                  <a:gd name="T2" fmla="*/ 6258 w 6827"/>
-                  <a:gd name="T3" fmla="*/ 4096 h 6827"/>
-                  <a:gd name="T4" fmla="*/ 2348 w 6827"/>
-                  <a:gd name="T5" fmla="*/ 4911 h 6827"/>
-                  <a:gd name="T6" fmla="*/ 569 w 6827"/>
-                  <a:gd name="T7" fmla="*/ 4551 h 6827"/>
-                  <a:gd name="T8" fmla="*/ 569 w 6827"/>
-                  <a:gd name="T9" fmla="*/ 3982 h 6827"/>
-                  <a:gd name="T10" fmla="*/ 1707 w 6827"/>
-                  <a:gd name="T11" fmla="*/ 2503 h 6827"/>
-                  <a:gd name="T12" fmla="*/ 3868 w 6827"/>
-                  <a:gd name="T13" fmla="*/ 2731 h 6827"/>
-                  <a:gd name="T14" fmla="*/ 5827 w 6827"/>
-                  <a:gd name="T15" fmla="*/ 2004 h 6827"/>
-                  <a:gd name="T16" fmla="*/ 6258 w 6827"/>
-                  <a:gd name="T17" fmla="*/ 1820 h 6827"/>
-                  <a:gd name="T18" fmla="*/ 4779 w 6827"/>
-                  <a:gd name="T19" fmla="*/ 0 h 6827"/>
-                  <a:gd name="T20" fmla="*/ 2854 w 6827"/>
-                  <a:gd name="T21" fmla="*/ 2381 h 6827"/>
-                  <a:gd name="T22" fmla="*/ 1239 w 6827"/>
-                  <a:gd name="T23" fmla="*/ 2257 h 6827"/>
-                  <a:gd name="T24" fmla="*/ 569 w 6827"/>
-                  <a:gd name="T25" fmla="*/ 2844 h 6827"/>
-                  <a:gd name="T26" fmla="*/ 569 w 6827"/>
-                  <a:gd name="T27" fmla="*/ 2276 h 6827"/>
-                  <a:gd name="T28" fmla="*/ 569 w 6827"/>
-                  <a:gd name="T29" fmla="*/ 1707 h 6827"/>
-                  <a:gd name="T30" fmla="*/ 569 w 6827"/>
-                  <a:gd name="T31" fmla="*/ 1138 h 6827"/>
-                  <a:gd name="T32" fmla="*/ 569 w 6827"/>
-                  <a:gd name="T33" fmla="*/ 569 h 6827"/>
-                  <a:gd name="T34" fmla="*/ 341 w 6827"/>
-                  <a:gd name="T35" fmla="*/ 0 h 6827"/>
-                  <a:gd name="T36" fmla="*/ 114 w 6827"/>
-                  <a:gd name="T37" fmla="*/ 569 h 6827"/>
-                  <a:gd name="T38" fmla="*/ 114 w 6827"/>
-                  <a:gd name="T39" fmla="*/ 1138 h 6827"/>
-                  <a:gd name="T40" fmla="*/ 114 w 6827"/>
-                  <a:gd name="T41" fmla="*/ 1707 h 6827"/>
-                  <a:gd name="T42" fmla="*/ 114 w 6827"/>
-                  <a:gd name="T43" fmla="*/ 2276 h 6827"/>
-                  <a:gd name="T44" fmla="*/ 114 w 6827"/>
-                  <a:gd name="T45" fmla="*/ 2844 h 6827"/>
-                  <a:gd name="T46" fmla="*/ 114 w 6827"/>
-                  <a:gd name="T47" fmla="*/ 3413 h 6827"/>
-                  <a:gd name="T48" fmla="*/ 114 w 6827"/>
-                  <a:gd name="T49" fmla="*/ 3982 h 6827"/>
-                  <a:gd name="T50" fmla="*/ 114 w 6827"/>
-                  <a:gd name="T51" fmla="*/ 4551 h 6827"/>
-                  <a:gd name="T52" fmla="*/ 114 w 6827"/>
-                  <a:gd name="T53" fmla="*/ 5120 h 6827"/>
-                  <a:gd name="T54" fmla="*/ 114 w 6827"/>
-                  <a:gd name="T55" fmla="*/ 5689 h 6827"/>
-                  <a:gd name="T56" fmla="*/ 114 w 6827"/>
-                  <a:gd name="T57" fmla="*/ 6258 h 6827"/>
-                  <a:gd name="T58" fmla="*/ 683 w 6827"/>
-                  <a:gd name="T59" fmla="*/ 6713 h 6827"/>
-                  <a:gd name="T60" fmla="*/ 1252 w 6827"/>
-                  <a:gd name="T61" fmla="*/ 6713 h 6827"/>
-                  <a:gd name="T62" fmla="*/ 1820 w 6827"/>
-                  <a:gd name="T63" fmla="*/ 6713 h 6827"/>
-                  <a:gd name="T64" fmla="*/ 2389 w 6827"/>
-                  <a:gd name="T65" fmla="*/ 6713 h 6827"/>
-                  <a:gd name="T66" fmla="*/ 2958 w 6827"/>
-                  <a:gd name="T67" fmla="*/ 6713 h 6827"/>
-                  <a:gd name="T68" fmla="*/ 3527 w 6827"/>
-                  <a:gd name="T69" fmla="*/ 6713 h 6827"/>
-                  <a:gd name="T70" fmla="*/ 4096 w 6827"/>
-                  <a:gd name="T71" fmla="*/ 6713 h 6827"/>
-                  <a:gd name="T72" fmla="*/ 4665 w 6827"/>
-                  <a:gd name="T73" fmla="*/ 6713 h 6827"/>
-                  <a:gd name="T74" fmla="*/ 5234 w 6827"/>
-                  <a:gd name="T75" fmla="*/ 6713 h 6827"/>
-                  <a:gd name="T76" fmla="*/ 5803 w 6827"/>
-                  <a:gd name="T77" fmla="*/ 6713 h 6827"/>
-                  <a:gd name="T78" fmla="*/ 6371 w 6827"/>
-                  <a:gd name="T79" fmla="*/ 6713 h 6827"/>
-                  <a:gd name="T80" fmla="*/ 6827 w 6827"/>
-                  <a:gd name="T81" fmla="*/ 6485 h 6827"/>
-                  <a:gd name="T82" fmla="*/ 6371 w 6827"/>
-                  <a:gd name="T83" fmla="*/ 6258 h 6827"/>
-                  <a:gd name="T84" fmla="*/ 5803 w 6827"/>
-                  <a:gd name="T85" fmla="*/ 6258 h 6827"/>
-                  <a:gd name="T86" fmla="*/ 5234 w 6827"/>
-                  <a:gd name="T87" fmla="*/ 6258 h 6827"/>
-                  <a:gd name="T88" fmla="*/ 4665 w 6827"/>
-                  <a:gd name="T89" fmla="*/ 6258 h 6827"/>
-                  <a:gd name="T90" fmla="*/ 4096 w 6827"/>
-                  <a:gd name="T91" fmla="*/ 6258 h 6827"/>
-                  <a:gd name="T92" fmla="*/ 3527 w 6827"/>
-                  <a:gd name="T93" fmla="*/ 6258 h 6827"/>
-                  <a:gd name="T94" fmla="*/ 2958 w 6827"/>
-                  <a:gd name="T95" fmla="*/ 6258 h 6827"/>
-                  <a:gd name="T96" fmla="*/ 2389 w 6827"/>
-                  <a:gd name="T97" fmla="*/ 6258 h 6827"/>
-                  <a:gd name="T98" fmla="*/ 1820 w 6827"/>
-                  <a:gd name="T99" fmla="*/ 6258 h 6827"/>
-                  <a:gd name="T100" fmla="*/ 1252 w 6827"/>
-                  <a:gd name="T101" fmla="*/ 6258 h 6827"/>
-                  <a:gd name="T102" fmla="*/ 683 w 6827"/>
-                  <a:gd name="T103" fmla="*/ 6258 h 6827"/>
-                </a:gdLst>
-                <a:ahLst/>
-                <a:cxnLst>
-                  <a:cxn ang="0">
-                    <a:pos x="T0" y="T1"/>
-                  </a:cxn>
-                  <a:cxn ang="0">
-                    <a:pos x="T2" y="T3"/>
-                  </a:cxn>
-                  <a:cxn ang="0">
-                    <a:pos x="T4" y="T5"/>
-                  </a:cxn>
-                  <a:cxn ang="0">
-                    <a:pos x="T6" y="T7"/>
-                  </a:cxn>
-                  <a:cxn ang="0">
-                    <a:pos x="T8" y="T9"/>
-                  </a:cxn>
-                  <a:cxn ang="0">
-                    <a:pos x="T10" y="T11"/>
-                  </a:cxn>
-                  <a:cxn ang="0">
-                    <a:pos x="T12" y="T13"/>
-                  </a:cxn>
-                  <a:cxn ang="0">
-                    <a:pos x="T14" y="T15"/>
-                  </a:cxn>
-                  <a:cxn ang="0">
-                    <a:pos x="T16" y="T17"/>
-                  </a:cxn>
-                  <a:cxn ang="0">
-                    <a:pos x="T18" y="T19"/>
-                  </a:cxn>
-                  <a:cxn ang="0">
-                    <a:pos x="T20" y="T21"/>
-                  </a:cxn>
-                  <a:cxn ang="0">
-                    <a:pos x="T22" y="T23"/>
-                  </a:cxn>
-                  <a:cxn ang="0">
-                    <a:pos x="T24" y="T25"/>
-                  </a:cxn>
-                  <a:cxn ang="0">
-                    <a:pos x="T26" y="T27"/>
-                  </a:cxn>
-                  <a:cxn ang="0">
-                    <a:pos x="T28" y="T29"/>
-                  </a:cxn>
-                  <a:cxn ang="0">
-                    <a:pos x="T30" y="T31"/>
-                  </a:cxn>
-                  <a:cxn ang="0">
-                    <a:pos x="T32" y="T33"/>
-                  </a:cxn>
-                  <a:cxn ang="0">
-                    <a:pos x="T34" y="T35"/>
-                  </a:cxn>
-                  <a:cxn ang="0">
-                    <a:pos x="T36" y="T37"/>
-                  </a:cxn>
-                  <a:cxn ang="0">
-                    <a:pos x="T38" y="T39"/>
-                  </a:cxn>
-                  <a:cxn ang="0">
-                    <a:pos x="T40" y="T41"/>
-                  </a:cxn>
-                  <a:cxn ang="0">
-                    <a:pos x="T42" y="T43"/>
-                  </a:cxn>
-                  <a:cxn ang="0">
-                    <a:pos x="T44" y="T45"/>
-                  </a:cxn>
-                  <a:cxn ang="0">
-                    <a:pos x="T46" y="T47"/>
-                  </a:cxn>
-                  <a:cxn ang="0">
-                    <a:pos x="T48" y="T49"/>
-                  </a:cxn>
-                  <a:cxn ang="0">
-                    <a:pos x="T50" y="T51"/>
-                  </a:cxn>
-                  <a:cxn ang="0">
-                    <a:pos x="T52" y="T53"/>
-                  </a:cxn>
-                  <a:cxn ang="0">
-                    <a:pos x="T54" y="T55"/>
-                  </a:cxn>
-                  <a:cxn ang="0">
-                    <a:pos x="T56" y="T57"/>
-                  </a:cxn>
-                  <a:cxn ang="0">
-                    <a:pos x="T58" y="T59"/>
-                  </a:cxn>
-                  <a:cxn ang="0">
-                    <a:pos x="T60" y="T61"/>
-                  </a:cxn>
-                  <a:cxn ang="0">
-                    <a:pos x="T62" y="T63"/>
-                  </a:cxn>
-                  <a:cxn ang="0">
-                    <a:pos x="T64" y="T65"/>
-                  </a:cxn>
-                  <a:cxn ang="0">
-                    <a:pos x="T66" y="T67"/>
-                  </a:cxn>
-                  <a:cxn ang="0">
-                    <a:pos x="T68" y="T69"/>
-                  </a:cxn>
-                  <a:cxn ang="0">
-                    <a:pos x="T70" y="T71"/>
-                  </a:cxn>
-                  <a:cxn ang="0">
-                    <a:pos x="T72" y="T73"/>
-                  </a:cxn>
-                  <a:cxn ang="0">
-                    <a:pos x="T74" y="T75"/>
-                  </a:cxn>
-                  <a:cxn ang="0">
-                    <a:pos x="T76" y="T77"/>
-                  </a:cxn>
-                  <a:cxn ang="0">
-                    <a:pos x="T78" y="T79"/>
-                  </a:cxn>
-                  <a:cxn ang="0">
-                    <a:pos x="T80" y="T81"/>
-                  </a:cxn>
-                  <a:cxn ang="0">
-                    <a:pos x="T82" y="T83"/>
-                  </a:cxn>
-                  <a:cxn ang="0">
-                    <a:pos x="T84" y="T85"/>
-                  </a:cxn>
-                  <a:cxn ang="0">
-                    <a:pos x="T86" y="T87"/>
-                  </a:cxn>
-                  <a:cxn ang="0">
-                    <a:pos x="T88" y="T89"/>
-                  </a:cxn>
-                  <a:cxn ang="0">
-                    <a:pos x="T90" y="T91"/>
-                  </a:cxn>
-                  <a:cxn ang="0">
-                    <a:pos x="T92" y="T93"/>
-                  </a:cxn>
-                  <a:cxn ang="0">
-                    <a:pos x="T94" y="T95"/>
-                  </a:cxn>
-                  <a:cxn ang="0">
-                    <a:pos x="T96" y="T97"/>
-                  </a:cxn>
-                  <a:cxn ang="0">
-                    <a:pos x="T98" y="T99"/>
-                  </a:cxn>
-                  <a:cxn ang="0">
-                    <a:pos x="T100" y="T101"/>
-                  </a:cxn>
-                  <a:cxn ang="0">
-                    <a:pos x="T102" y="T103"/>
-                  </a:cxn>
-                </a:cxnLst>
-                <a:rect l="0" t="0" r="r" b="b"/>
-                <a:pathLst>
-                  <a:path w="6827" h="6827">
-                    <a:moveTo>
-                      <a:pt x="1263" y="5234"/>
-                    </a:moveTo>
-                    <a:cubicBezTo>
-                      <a:pt x="1316" y="5493"/>
-                      <a:pt x="1546" y="5689"/>
-                      <a:pt x="1820" y="5689"/>
-                    </a:cubicBezTo>
-                    <a:cubicBezTo>
-                      <a:pt x="2114" y="5689"/>
-                      <a:pt x="2354" y="5464"/>
-                      <a:pt x="2383" y="5178"/>
-                    </a:cubicBezTo>
-                    <a:lnTo>
-                      <a:pt x="3568" y="4191"/>
-                    </a:lnTo>
-                    <a:cubicBezTo>
-                      <a:pt x="3652" y="4401"/>
-                      <a:pt x="3856" y="4551"/>
-                      <a:pt x="4096" y="4551"/>
-                    </a:cubicBezTo>
-                    <a:cubicBezTo>
-                      <a:pt x="4348" y="4551"/>
-                      <a:pt x="4560" y="4385"/>
-                      <a:pt x="4635" y="4157"/>
-                    </a:cubicBezTo>
-                    <a:lnTo>
-                      <a:pt x="5696" y="4736"/>
-                    </a:lnTo>
-                    <a:cubicBezTo>
-                      <a:pt x="5732" y="5016"/>
-                      <a:pt x="5969" y="5234"/>
-                      <a:pt x="6258" y="5234"/>
-                    </a:cubicBezTo>
-                    <a:cubicBezTo>
-                      <a:pt x="6571" y="5234"/>
-                      <a:pt x="6827" y="4979"/>
-                      <a:pt x="6827" y="4665"/>
-                    </a:cubicBezTo>
-                    <a:cubicBezTo>
-                      <a:pt x="6827" y="4351"/>
-                      <a:pt x="6571" y="4096"/>
-                      <a:pt x="6258" y="4096"/>
-                    </a:cubicBezTo>
-                    <a:cubicBezTo>
-                      <a:pt x="6006" y="4096"/>
-                      <a:pt x="5794" y="4262"/>
-                      <a:pt x="5719" y="4490"/>
-                    </a:cubicBezTo>
-                    <a:lnTo>
-                      <a:pt x="4658" y="3911"/>
-                    </a:lnTo>
-                    <a:cubicBezTo>
-                      <a:pt x="4622" y="3631"/>
-                      <a:pt x="4385" y="3413"/>
-                      <a:pt x="4096" y="3413"/>
-                    </a:cubicBezTo>
-                    <a:cubicBezTo>
-                      <a:pt x="3802" y="3413"/>
-                      <a:pt x="3563" y="3638"/>
-                      <a:pt x="3533" y="3924"/>
-                    </a:cubicBezTo>
-                    <a:lnTo>
-                      <a:pt x="2348" y="4911"/>
-                    </a:lnTo>
-                    <a:cubicBezTo>
-                      <a:pt x="2265" y="4701"/>
-                      <a:pt x="2060" y="4551"/>
-                      <a:pt x="1820" y="4551"/>
-                    </a:cubicBezTo>
-                    <a:cubicBezTo>
-                      <a:pt x="1546" y="4551"/>
-                      <a:pt x="1316" y="4747"/>
-                      <a:pt x="1263" y="5006"/>
-                    </a:cubicBezTo>
-                    <a:lnTo>
-                      <a:pt x="455" y="5006"/>
-                    </a:lnTo>
-                    <a:lnTo>
-                      <a:pt x="455" y="4551"/>
-                    </a:lnTo>
-                    <a:lnTo>
-                      <a:pt x="569" y="4551"/>
-                    </a:lnTo>
-                    <a:cubicBezTo>
-                      <a:pt x="632" y="4551"/>
-                      <a:pt x="683" y="4500"/>
-                      <a:pt x="683" y="4437"/>
-                    </a:cubicBezTo>
-                    <a:cubicBezTo>
-                      <a:pt x="683" y="4374"/>
-                      <a:pt x="632" y="4324"/>
-                      <a:pt x="569" y="4324"/>
-                    </a:cubicBezTo>
-                    <a:lnTo>
-                      <a:pt x="455" y="4324"/>
-                    </a:lnTo>
-                    <a:lnTo>
-                      <a:pt x="455" y="3982"/>
-                    </a:lnTo>
-                    <a:lnTo>
-                      <a:pt x="569" y="3982"/>
-                    </a:lnTo>
-                    <a:cubicBezTo>
-                      <a:pt x="632" y="3982"/>
-                      <a:pt x="683" y="3931"/>
-                      <a:pt x="683" y="3868"/>
-                    </a:cubicBezTo>
-                    <a:cubicBezTo>
-                      <a:pt x="683" y="3806"/>
-                      <a:pt x="632" y="3755"/>
-                      <a:pt x="569" y="3755"/>
-                    </a:cubicBezTo>
-                    <a:lnTo>
-                      <a:pt x="480" y="3755"/>
-                    </a:lnTo>
-                    <a:lnTo>
-                      <a:pt x="1407" y="2416"/>
-                    </a:lnTo>
-                    <a:cubicBezTo>
-                      <a:pt x="1494" y="2470"/>
-                      <a:pt x="1596" y="2503"/>
-                      <a:pt x="1707" y="2503"/>
-                    </a:cubicBezTo>
-                    <a:cubicBezTo>
-                      <a:pt x="1888" y="2503"/>
-                      <a:pt x="2048" y="2416"/>
-                      <a:pt x="2152" y="2284"/>
-                    </a:cubicBezTo>
-                    <a:lnTo>
-                      <a:pt x="2752" y="2584"/>
-                    </a:lnTo>
-                    <a:cubicBezTo>
-                      <a:pt x="2740" y="2631"/>
-                      <a:pt x="2731" y="2680"/>
-                      <a:pt x="2731" y="2731"/>
-                    </a:cubicBezTo>
-                    <a:cubicBezTo>
-                      <a:pt x="2731" y="3044"/>
-                      <a:pt x="2986" y="3300"/>
-                      <a:pt x="3300" y="3300"/>
-                    </a:cubicBezTo>
-                    <a:cubicBezTo>
-                      <a:pt x="3613" y="3300"/>
-                      <a:pt x="3868" y="3044"/>
-                      <a:pt x="3868" y="2731"/>
-                    </a:cubicBezTo>
-                    <a:cubicBezTo>
-                      <a:pt x="3868" y="2608"/>
-                      <a:pt x="3829" y="2496"/>
-                      <a:pt x="3763" y="2403"/>
-                    </a:cubicBezTo>
-                    <a:lnTo>
-                      <a:pt x="4488" y="1055"/>
-                    </a:lnTo>
-                    <a:cubicBezTo>
-                      <a:pt x="4574" y="1107"/>
-                      <a:pt x="4672" y="1138"/>
-                      <a:pt x="4779" y="1138"/>
-                    </a:cubicBezTo>
-                    <a:cubicBezTo>
-                      <a:pt x="4891" y="1138"/>
-                      <a:pt x="4995" y="1104"/>
-                      <a:pt x="5083" y="1048"/>
-                    </a:cubicBezTo>
-                    <a:lnTo>
-                      <a:pt x="5827" y="2004"/>
-                    </a:lnTo>
-                    <a:cubicBezTo>
-                      <a:pt x="5829" y="2007"/>
-                      <a:pt x="5833" y="2009"/>
-                      <a:pt x="5836" y="2011"/>
-                    </a:cubicBezTo>
-                    <a:cubicBezTo>
-                      <a:pt x="5745" y="2112"/>
-                      <a:pt x="5689" y="2244"/>
-                      <a:pt x="5689" y="2389"/>
-                    </a:cubicBezTo>
-                    <a:cubicBezTo>
-                      <a:pt x="5689" y="2703"/>
-                      <a:pt x="5944" y="2958"/>
-                      <a:pt x="6258" y="2958"/>
-                    </a:cubicBezTo>
-                    <a:cubicBezTo>
-                      <a:pt x="6571" y="2958"/>
-                      <a:pt x="6827" y="2703"/>
-                      <a:pt x="6827" y="2389"/>
-                    </a:cubicBezTo>
-                    <a:cubicBezTo>
-                      <a:pt x="6827" y="2076"/>
-                      <a:pt x="6571" y="1820"/>
-                      <a:pt x="6258" y="1820"/>
-                    </a:cubicBezTo>
-                    <a:cubicBezTo>
-                      <a:pt x="6170" y="1820"/>
-                      <a:pt x="6087" y="1842"/>
-                      <a:pt x="6013" y="1878"/>
-                    </a:cubicBezTo>
-                    <a:cubicBezTo>
-                      <a:pt x="6010" y="1874"/>
-                      <a:pt x="6010" y="1869"/>
-                      <a:pt x="6006" y="1864"/>
-                    </a:cubicBezTo>
-                    <a:lnTo>
-                      <a:pt x="5248" y="890"/>
-                    </a:lnTo>
-                    <a:cubicBezTo>
-                      <a:pt x="5311" y="798"/>
-                      <a:pt x="5348" y="688"/>
-                      <a:pt x="5348" y="569"/>
-                    </a:cubicBezTo>
-                    <a:cubicBezTo>
-                      <a:pt x="5348" y="255"/>
-                      <a:pt x="5092" y="0"/>
-                      <a:pt x="4779" y="0"/>
-                    </a:cubicBezTo>
-                    <a:cubicBezTo>
-                      <a:pt x="4465" y="0"/>
-                      <a:pt x="4210" y="255"/>
-                      <a:pt x="4210" y="569"/>
-                    </a:cubicBezTo>
-                    <a:cubicBezTo>
-                      <a:pt x="4210" y="691"/>
-                      <a:pt x="4249" y="804"/>
-                      <a:pt x="4315" y="897"/>
-                    </a:cubicBezTo>
-                    <a:lnTo>
-                      <a:pt x="3590" y="2244"/>
-                    </a:lnTo>
-                    <a:cubicBezTo>
-                      <a:pt x="3505" y="2193"/>
-                      <a:pt x="3406" y="2162"/>
-                      <a:pt x="3300" y="2162"/>
-                    </a:cubicBezTo>
-                    <a:cubicBezTo>
-                      <a:pt x="3118" y="2162"/>
-                      <a:pt x="2959" y="2248"/>
-                      <a:pt x="2854" y="2381"/>
-                    </a:cubicBezTo>
-                    <a:lnTo>
-                      <a:pt x="2254" y="2081"/>
-                    </a:lnTo>
-                    <a:cubicBezTo>
-                      <a:pt x="2267" y="2034"/>
-                      <a:pt x="2276" y="1985"/>
-                      <a:pt x="2276" y="1934"/>
-                    </a:cubicBezTo>
-                    <a:cubicBezTo>
-                      <a:pt x="2276" y="1621"/>
-                      <a:pt x="2020" y="1365"/>
-                      <a:pt x="1707" y="1365"/>
-                    </a:cubicBezTo>
-                    <a:cubicBezTo>
-                      <a:pt x="1393" y="1365"/>
-                      <a:pt x="1138" y="1621"/>
-                      <a:pt x="1138" y="1934"/>
-                    </a:cubicBezTo>
-                    <a:cubicBezTo>
-                      <a:pt x="1138" y="2054"/>
-                      <a:pt x="1176" y="2166"/>
-                      <a:pt x="1239" y="2257"/>
-                    </a:cubicBezTo>
-                    <a:lnTo>
-                      <a:pt x="593" y="3191"/>
-                    </a:lnTo>
-                    <a:cubicBezTo>
-                      <a:pt x="585" y="3189"/>
-                      <a:pt x="578" y="3186"/>
-                      <a:pt x="569" y="3186"/>
-                    </a:cubicBezTo>
-                    <a:lnTo>
-                      <a:pt x="455" y="3186"/>
-                    </a:lnTo>
-                    <a:lnTo>
-                      <a:pt x="455" y="2844"/>
-                    </a:lnTo>
-                    <a:lnTo>
-                      <a:pt x="569" y="2844"/>
-                    </a:lnTo>
-                    <a:cubicBezTo>
-                      <a:pt x="632" y="2844"/>
-                      <a:pt x="683" y="2794"/>
-                      <a:pt x="683" y="2731"/>
-                    </a:cubicBezTo>
-                    <a:cubicBezTo>
-                      <a:pt x="683" y="2668"/>
-                      <a:pt x="632" y="2617"/>
-                      <a:pt x="569" y="2617"/>
-                    </a:cubicBezTo>
-                    <a:lnTo>
-                      <a:pt x="455" y="2617"/>
-                    </a:lnTo>
-                    <a:lnTo>
-                      <a:pt x="455" y="2276"/>
-                    </a:lnTo>
-                    <a:lnTo>
-                      <a:pt x="569" y="2276"/>
-                    </a:lnTo>
-                    <a:cubicBezTo>
-                      <a:pt x="632" y="2276"/>
-                      <a:pt x="683" y="2225"/>
-                      <a:pt x="683" y="2162"/>
-                    </a:cubicBezTo>
-                    <a:cubicBezTo>
-                      <a:pt x="683" y="2099"/>
-                      <a:pt x="632" y="2048"/>
-                      <a:pt x="569" y="2048"/>
-                    </a:cubicBezTo>
-                    <a:lnTo>
-                      <a:pt x="455" y="2048"/>
-                    </a:lnTo>
-                    <a:lnTo>
-                      <a:pt x="455" y="1707"/>
-                    </a:lnTo>
-                    <a:lnTo>
-                      <a:pt x="569" y="1707"/>
-                    </a:lnTo>
-                    <a:cubicBezTo>
-                      <a:pt x="632" y="1707"/>
-                      <a:pt x="683" y="1656"/>
-                      <a:pt x="683" y="1593"/>
-                    </a:cubicBezTo>
-                    <a:cubicBezTo>
-                      <a:pt x="683" y="1530"/>
-                      <a:pt x="632" y="1479"/>
-                      <a:pt x="569" y="1479"/>
-                    </a:cubicBezTo>
-                    <a:lnTo>
-                      <a:pt x="455" y="1479"/>
-                    </a:lnTo>
-                    <a:lnTo>
-                      <a:pt x="455" y="1138"/>
-                    </a:lnTo>
-                    <a:lnTo>
-                      <a:pt x="569" y="1138"/>
-                    </a:lnTo>
-                    <a:cubicBezTo>
-                      <a:pt x="632" y="1138"/>
-                      <a:pt x="683" y="1087"/>
-                      <a:pt x="683" y="1024"/>
-                    </a:cubicBezTo>
-                    <a:cubicBezTo>
-                      <a:pt x="683" y="961"/>
-                      <a:pt x="632" y="910"/>
-                      <a:pt x="569" y="910"/>
-                    </a:cubicBezTo>
-                    <a:lnTo>
-                      <a:pt x="455" y="910"/>
-                    </a:lnTo>
-                    <a:lnTo>
-                      <a:pt x="455" y="569"/>
-                    </a:lnTo>
-                    <a:lnTo>
-                      <a:pt x="569" y="569"/>
-                    </a:lnTo>
-                    <a:cubicBezTo>
-                      <a:pt x="632" y="569"/>
-                      <a:pt x="683" y="518"/>
-                      <a:pt x="683" y="455"/>
-                    </a:cubicBezTo>
-                    <a:cubicBezTo>
-                      <a:pt x="683" y="392"/>
-                      <a:pt x="632" y="341"/>
-                      <a:pt x="569" y="341"/>
-                    </a:cubicBezTo>
-                    <a:lnTo>
-                      <a:pt x="455" y="341"/>
-                    </a:lnTo>
-                    <a:lnTo>
-                      <a:pt x="455" y="114"/>
-                    </a:lnTo>
-                    <a:cubicBezTo>
-                      <a:pt x="455" y="51"/>
-                      <a:pt x="404" y="0"/>
-                      <a:pt x="341" y="0"/>
-                    </a:cubicBezTo>
-                    <a:cubicBezTo>
-                      <a:pt x="278" y="0"/>
-                      <a:pt x="228" y="51"/>
-                      <a:pt x="228" y="114"/>
-                    </a:cubicBezTo>
-                    <a:lnTo>
-                      <a:pt x="228" y="341"/>
-                    </a:lnTo>
-                    <a:lnTo>
-                      <a:pt x="114" y="341"/>
-                    </a:lnTo>
-                    <a:cubicBezTo>
-                      <a:pt x="51" y="341"/>
-                      <a:pt x="0" y="392"/>
-                      <a:pt x="0" y="455"/>
-                    </a:cubicBezTo>
-                    <a:cubicBezTo>
-                      <a:pt x="0" y="518"/>
-                      <a:pt x="51" y="569"/>
-                      <a:pt x="114" y="569"/>
-                    </a:cubicBezTo>
-                    <a:lnTo>
-                      <a:pt x="228" y="569"/>
-                    </a:lnTo>
-                    <a:lnTo>
-                      <a:pt x="228" y="910"/>
-                    </a:lnTo>
-                    <a:lnTo>
-                      <a:pt x="114" y="910"/>
-                    </a:lnTo>
-                    <a:cubicBezTo>
-                      <a:pt x="51" y="910"/>
-                      <a:pt x="0" y="961"/>
-                      <a:pt x="0" y="1024"/>
-                    </a:cubicBezTo>
-                    <a:cubicBezTo>
-                      <a:pt x="0" y="1087"/>
-                      <a:pt x="51" y="1138"/>
-                      <a:pt x="114" y="1138"/>
-                    </a:cubicBezTo>
-                    <a:lnTo>
-                      <a:pt x="228" y="1138"/>
-                    </a:lnTo>
-                    <a:lnTo>
-                      <a:pt x="228" y="1479"/>
-                    </a:lnTo>
-                    <a:lnTo>
-                      <a:pt x="114" y="1479"/>
-                    </a:lnTo>
-                    <a:cubicBezTo>
-                      <a:pt x="51" y="1479"/>
-                      <a:pt x="0" y="1530"/>
-                      <a:pt x="0" y="1593"/>
-                    </a:cubicBezTo>
-                    <a:cubicBezTo>
-                      <a:pt x="0" y="1656"/>
-                      <a:pt x="51" y="1707"/>
-                      <a:pt x="114" y="1707"/>
-                    </a:cubicBezTo>
-                    <a:lnTo>
-                      <a:pt x="228" y="1707"/>
-                    </a:lnTo>
-                    <a:lnTo>
-                      <a:pt x="228" y="2048"/>
-                    </a:lnTo>
-                    <a:lnTo>
-                      <a:pt x="114" y="2048"/>
-                    </a:lnTo>
-                    <a:cubicBezTo>
-                      <a:pt x="51" y="2048"/>
-                      <a:pt x="0" y="2099"/>
-                      <a:pt x="0" y="2162"/>
-                    </a:cubicBezTo>
-                    <a:cubicBezTo>
-                      <a:pt x="0" y="2225"/>
-                      <a:pt x="51" y="2276"/>
-                      <a:pt x="114" y="2276"/>
-                    </a:cubicBezTo>
-                    <a:lnTo>
-                      <a:pt x="228" y="2276"/>
-                    </a:lnTo>
-                    <a:lnTo>
-                      <a:pt x="228" y="2617"/>
-                    </a:lnTo>
-                    <a:lnTo>
-                      <a:pt x="114" y="2617"/>
-                    </a:lnTo>
-                    <a:cubicBezTo>
-                      <a:pt x="51" y="2617"/>
-                      <a:pt x="0" y="2668"/>
-                      <a:pt x="0" y="2731"/>
-                    </a:cubicBezTo>
-                    <a:cubicBezTo>
-                      <a:pt x="0" y="2794"/>
-                      <a:pt x="51" y="2844"/>
-                      <a:pt x="114" y="2844"/>
-                    </a:cubicBezTo>
-                    <a:lnTo>
-                      <a:pt x="228" y="2844"/>
-                    </a:lnTo>
-                    <a:lnTo>
-                      <a:pt x="228" y="3186"/>
-                    </a:lnTo>
-                    <a:lnTo>
-                      <a:pt x="114" y="3186"/>
-                    </a:lnTo>
-                    <a:cubicBezTo>
-                      <a:pt x="51" y="3186"/>
-                      <a:pt x="0" y="3237"/>
-                      <a:pt x="0" y="3300"/>
-                    </a:cubicBezTo>
-                    <a:cubicBezTo>
-                      <a:pt x="0" y="3362"/>
-                      <a:pt x="51" y="3413"/>
-                      <a:pt x="114" y="3413"/>
-                    </a:cubicBezTo>
-                    <a:lnTo>
-                      <a:pt x="228" y="3413"/>
-                    </a:lnTo>
-                    <a:lnTo>
-                      <a:pt x="228" y="3755"/>
-                    </a:lnTo>
-                    <a:lnTo>
-                      <a:pt x="114" y="3755"/>
-                    </a:lnTo>
-                    <a:cubicBezTo>
-                      <a:pt x="51" y="3755"/>
-                      <a:pt x="0" y="3806"/>
-                      <a:pt x="0" y="3868"/>
-                    </a:cubicBezTo>
-                    <a:cubicBezTo>
-                      <a:pt x="0" y="3931"/>
-                      <a:pt x="51" y="3982"/>
-                      <a:pt x="114" y="3982"/>
-                    </a:cubicBezTo>
-                    <a:lnTo>
-                      <a:pt x="228" y="3982"/>
-                    </a:lnTo>
-                    <a:lnTo>
-                      <a:pt x="228" y="4324"/>
-                    </a:lnTo>
-                    <a:lnTo>
-                      <a:pt x="114" y="4324"/>
-                    </a:lnTo>
-                    <a:cubicBezTo>
-                      <a:pt x="51" y="4324"/>
-                      <a:pt x="0" y="4374"/>
-                      <a:pt x="0" y="4437"/>
-                    </a:cubicBezTo>
-                    <a:cubicBezTo>
-                      <a:pt x="0" y="4500"/>
-                      <a:pt x="51" y="4551"/>
-                      <a:pt x="114" y="4551"/>
-                    </a:cubicBezTo>
-                    <a:lnTo>
-                      <a:pt x="228" y="4551"/>
-                    </a:lnTo>
-                    <a:lnTo>
-                      <a:pt x="228" y="4892"/>
-                    </a:lnTo>
-                    <a:lnTo>
-                      <a:pt x="114" y="4892"/>
-                    </a:lnTo>
-                    <a:cubicBezTo>
-                      <a:pt x="51" y="4892"/>
-                      <a:pt x="0" y="4943"/>
-                      <a:pt x="0" y="5006"/>
-                    </a:cubicBezTo>
-                    <a:cubicBezTo>
-                      <a:pt x="0" y="5069"/>
-                      <a:pt x="51" y="5120"/>
-                      <a:pt x="114" y="5120"/>
-                    </a:cubicBezTo>
-                    <a:lnTo>
-                      <a:pt x="228" y="5120"/>
-                    </a:lnTo>
-                    <a:lnTo>
-                      <a:pt x="228" y="5461"/>
-                    </a:lnTo>
-                    <a:lnTo>
-                      <a:pt x="114" y="5461"/>
-                    </a:lnTo>
-                    <a:cubicBezTo>
-                      <a:pt x="51" y="5461"/>
-                      <a:pt x="0" y="5512"/>
-                      <a:pt x="0" y="5575"/>
-                    </a:cubicBezTo>
-                    <a:cubicBezTo>
-                      <a:pt x="0" y="5638"/>
-                      <a:pt x="51" y="5689"/>
-                      <a:pt x="114" y="5689"/>
-                    </a:cubicBezTo>
-                    <a:lnTo>
-                      <a:pt x="228" y="5689"/>
-                    </a:lnTo>
-                    <a:lnTo>
-                      <a:pt x="228" y="6030"/>
-                    </a:lnTo>
-                    <a:lnTo>
-                      <a:pt x="114" y="6030"/>
-                    </a:lnTo>
-                    <a:cubicBezTo>
-                      <a:pt x="51" y="6030"/>
-                      <a:pt x="0" y="6081"/>
-                      <a:pt x="0" y="6144"/>
-                    </a:cubicBezTo>
-                    <a:cubicBezTo>
-                      <a:pt x="0" y="6207"/>
-                      <a:pt x="51" y="6258"/>
-                      <a:pt x="114" y="6258"/>
-                    </a:cubicBezTo>
-                    <a:lnTo>
-                      <a:pt x="228" y="6258"/>
-                    </a:lnTo>
-                    <a:lnTo>
-                      <a:pt x="228" y="6485"/>
-                    </a:lnTo>
-                    <a:cubicBezTo>
-                      <a:pt x="228" y="6548"/>
-                      <a:pt x="278" y="6599"/>
-                      <a:pt x="341" y="6599"/>
-                    </a:cubicBezTo>
-                    <a:lnTo>
-                      <a:pt x="683" y="6599"/>
-                    </a:lnTo>
-                    <a:lnTo>
-                      <a:pt x="683" y="6713"/>
-                    </a:lnTo>
-                    <a:cubicBezTo>
-                      <a:pt x="683" y="6776"/>
-                      <a:pt x="734" y="6827"/>
-                      <a:pt x="796" y="6827"/>
-                    </a:cubicBezTo>
-                    <a:cubicBezTo>
-                      <a:pt x="859" y="6827"/>
-                      <a:pt x="910" y="6776"/>
-                      <a:pt x="910" y="6713"/>
-                    </a:cubicBezTo>
-                    <a:lnTo>
-                      <a:pt x="910" y="6599"/>
-                    </a:lnTo>
-                    <a:lnTo>
-                      <a:pt x="1252" y="6599"/>
-                    </a:lnTo>
-                    <a:lnTo>
-                      <a:pt x="1252" y="6713"/>
-                    </a:lnTo>
-                    <a:cubicBezTo>
-                      <a:pt x="1252" y="6776"/>
-                      <a:pt x="1302" y="6827"/>
-                      <a:pt x="1365" y="6827"/>
-                    </a:cubicBezTo>
-                    <a:cubicBezTo>
-                      <a:pt x="1428" y="6827"/>
-                      <a:pt x="1479" y="6776"/>
-                      <a:pt x="1479" y="6713"/>
-                    </a:cubicBezTo>
-                    <a:lnTo>
-                      <a:pt x="1479" y="6599"/>
-                    </a:lnTo>
-                    <a:lnTo>
-                      <a:pt x="1820" y="6599"/>
-                    </a:lnTo>
-                    <a:lnTo>
-                      <a:pt x="1820" y="6713"/>
-                    </a:lnTo>
-                    <a:cubicBezTo>
-                      <a:pt x="1820" y="6776"/>
-                      <a:pt x="1871" y="6827"/>
-                      <a:pt x="1934" y="6827"/>
-                    </a:cubicBezTo>
-                    <a:cubicBezTo>
-                      <a:pt x="1997" y="6827"/>
-                      <a:pt x="2048" y="6776"/>
-                      <a:pt x="2048" y="6713"/>
-                    </a:cubicBezTo>
-                    <a:lnTo>
-                      <a:pt x="2048" y="6599"/>
-                    </a:lnTo>
-                    <a:lnTo>
-                      <a:pt x="2389" y="6599"/>
-                    </a:lnTo>
-                    <a:lnTo>
-                      <a:pt x="2389" y="6713"/>
-                    </a:lnTo>
-                    <a:cubicBezTo>
-                      <a:pt x="2389" y="6776"/>
-                      <a:pt x="2440" y="6827"/>
-                      <a:pt x="2503" y="6827"/>
-                    </a:cubicBezTo>
-                    <a:cubicBezTo>
-                      <a:pt x="2566" y="6827"/>
-                      <a:pt x="2617" y="6776"/>
-                      <a:pt x="2617" y="6713"/>
-                    </a:cubicBezTo>
-                    <a:lnTo>
-                      <a:pt x="2617" y="6599"/>
-                    </a:lnTo>
-                    <a:lnTo>
-                      <a:pt x="2958" y="6599"/>
-                    </a:lnTo>
-                    <a:lnTo>
-                      <a:pt x="2958" y="6713"/>
-                    </a:lnTo>
-                    <a:cubicBezTo>
-                      <a:pt x="2958" y="6776"/>
-                      <a:pt x="3009" y="6827"/>
-                      <a:pt x="3072" y="6827"/>
-                    </a:cubicBezTo>
-                    <a:cubicBezTo>
-                      <a:pt x="3135" y="6827"/>
-                      <a:pt x="3186" y="6776"/>
-                      <a:pt x="3186" y="6713"/>
-                    </a:cubicBezTo>
-                    <a:lnTo>
-                      <a:pt x="3186" y="6599"/>
-                    </a:lnTo>
-                    <a:lnTo>
-                      <a:pt x="3527" y="6599"/>
-                    </a:lnTo>
-                    <a:lnTo>
-                      <a:pt x="3527" y="6713"/>
-                    </a:lnTo>
-                    <a:cubicBezTo>
-                      <a:pt x="3527" y="6776"/>
-                      <a:pt x="3578" y="6827"/>
-                      <a:pt x="3641" y="6827"/>
-                    </a:cubicBezTo>
-                    <a:cubicBezTo>
-                      <a:pt x="3704" y="6827"/>
-                      <a:pt x="3755" y="6776"/>
-                      <a:pt x="3755" y="6713"/>
-                    </a:cubicBezTo>
-                    <a:lnTo>
-                      <a:pt x="3755" y="6599"/>
-                    </a:lnTo>
-                    <a:lnTo>
-                      <a:pt x="4096" y="6599"/>
-                    </a:lnTo>
-                    <a:lnTo>
-                      <a:pt x="4096" y="6713"/>
-                    </a:lnTo>
-                    <a:cubicBezTo>
-                      <a:pt x="4096" y="6776"/>
-                      <a:pt x="4147" y="6827"/>
-                      <a:pt x="4210" y="6827"/>
-                    </a:cubicBezTo>
-                    <a:cubicBezTo>
-                      <a:pt x="4273" y="6827"/>
-                      <a:pt x="4323" y="6776"/>
-                      <a:pt x="4323" y="6713"/>
-                    </a:cubicBezTo>
-                    <a:lnTo>
-                      <a:pt x="4323" y="6599"/>
-                    </a:lnTo>
-                    <a:lnTo>
-                      <a:pt x="4665" y="6599"/>
-                    </a:lnTo>
-                    <a:lnTo>
-                      <a:pt x="4665" y="6713"/>
-                    </a:lnTo>
-                    <a:cubicBezTo>
-                      <a:pt x="4665" y="6776"/>
-                      <a:pt x="4716" y="6827"/>
-                      <a:pt x="4779" y="6827"/>
-                    </a:cubicBezTo>
-                    <a:cubicBezTo>
-                      <a:pt x="4842" y="6827"/>
-                      <a:pt x="4892" y="6776"/>
-                      <a:pt x="4892" y="6713"/>
-                    </a:cubicBezTo>
-                    <a:lnTo>
-                      <a:pt x="4892" y="6599"/>
-                    </a:lnTo>
-                    <a:lnTo>
-                      <a:pt x="5234" y="6599"/>
-                    </a:lnTo>
-                    <a:lnTo>
-                      <a:pt x="5234" y="6713"/>
-                    </a:lnTo>
-                    <a:cubicBezTo>
-                      <a:pt x="5234" y="6776"/>
-                      <a:pt x="5285" y="6827"/>
-                      <a:pt x="5347" y="6827"/>
-                    </a:cubicBezTo>
-                    <a:cubicBezTo>
-                      <a:pt x="5410" y="6827"/>
-                      <a:pt x="5461" y="6776"/>
-                      <a:pt x="5461" y="6713"/>
-                    </a:cubicBezTo>
-                    <a:lnTo>
-                      <a:pt x="5461" y="6599"/>
-                    </a:lnTo>
-                    <a:lnTo>
-                      <a:pt x="5803" y="6599"/>
-                    </a:lnTo>
-                    <a:lnTo>
-                      <a:pt x="5803" y="6713"/>
-                    </a:lnTo>
-                    <a:cubicBezTo>
-                      <a:pt x="5803" y="6776"/>
-                      <a:pt x="5853" y="6827"/>
-                      <a:pt x="5916" y="6827"/>
-                    </a:cubicBezTo>
-                    <a:cubicBezTo>
-                      <a:pt x="5979" y="6827"/>
-                      <a:pt x="6030" y="6776"/>
-                      <a:pt x="6030" y="6713"/>
-                    </a:cubicBezTo>
-                    <a:lnTo>
-                      <a:pt x="6030" y="6599"/>
-                    </a:lnTo>
-                    <a:lnTo>
-                      <a:pt x="6371" y="6599"/>
-                    </a:lnTo>
-                    <a:lnTo>
-                      <a:pt x="6371" y="6713"/>
-                    </a:lnTo>
-                    <a:cubicBezTo>
-                      <a:pt x="6371" y="6776"/>
-                      <a:pt x="6422" y="6827"/>
-                      <a:pt x="6485" y="6827"/>
-                    </a:cubicBezTo>
-                    <a:cubicBezTo>
-                      <a:pt x="6548" y="6827"/>
-                      <a:pt x="6599" y="6776"/>
-                      <a:pt x="6599" y="6713"/>
-                    </a:cubicBezTo>
-                    <a:lnTo>
-                      <a:pt x="6599" y="6599"/>
-                    </a:lnTo>
-                    <a:lnTo>
-                      <a:pt x="6713" y="6599"/>
-                    </a:lnTo>
-                    <a:cubicBezTo>
-                      <a:pt x="6776" y="6599"/>
-                      <a:pt x="6827" y="6548"/>
-                      <a:pt x="6827" y="6485"/>
-                    </a:cubicBezTo>
-                    <a:cubicBezTo>
-                      <a:pt x="6827" y="6422"/>
-                      <a:pt x="6776" y="6372"/>
-                      <a:pt x="6713" y="6372"/>
-                    </a:cubicBezTo>
-                    <a:lnTo>
-                      <a:pt x="6599" y="6372"/>
-                    </a:lnTo>
-                    <a:lnTo>
-                      <a:pt x="6599" y="6258"/>
-                    </a:lnTo>
-                    <a:cubicBezTo>
-                      <a:pt x="6599" y="6195"/>
-                      <a:pt x="6548" y="6144"/>
-                      <a:pt x="6485" y="6144"/>
-                    </a:cubicBezTo>
-                    <a:cubicBezTo>
-                      <a:pt x="6422" y="6144"/>
-                      <a:pt x="6371" y="6195"/>
-                      <a:pt x="6371" y="6258"/>
-                    </a:cubicBezTo>
-                    <a:lnTo>
-                      <a:pt x="6371" y="6372"/>
-                    </a:lnTo>
-                    <a:lnTo>
-                      <a:pt x="6030" y="6372"/>
-                    </a:lnTo>
-                    <a:lnTo>
-                      <a:pt x="6030" y="6258"/>
-                    </a:lnTo>
-                    <a:cubicBezTo>
-                      <a:pt x="6030" y="6195"/>
-                      <a:pt x="5979" y="6144"/>
-                      <a:pt x="5916" y="6144"/>
-                    </a:cubicBezTo>
-                    <a:cubicBezTo>
-                      <a:pt x="5853" y="6144"/>
-                      <a:pt x="5803" y="6195"/>
-                      <a:pt x="5803" y="6258"/>
-                    </a:cubicBezTo>
-                    <a:lnTo>
-                      <a:pt x="5803" y="6372"/>
-                    </a:lnTo>
-                    <a:lnTo>
-                      <a:pt x="5461" y="6372"/>
-                    </a:lnTo>
-                    <a:lnTo>
-                      <a:pt x="5461" y="6258"/>
-                    </a:lnTo>
-                    <a:cubicBezTo>
-                      <a:pt x="5461" y="6195"/>
-                      <a:pt x="5410" y="6144"/>
-                      <a:pt x="5347" y="6144"/>
-                    </a:cubicBezTo>
-                    <a:cubicBezTo>
-                      <a:pt x="5285" y="6144"/>
-                      <a:pt x="5234" y="6195"/>
-                      <a:pt x="5234" y="6258"/>
-                    </a:cubicBezTo>
-                    <a:lnTo>
-                      <a:pt x="5234" y="6372"/>
-                    </a:lnTo>
-                    <a:lnTo>
-                      <a:pt x="4892" y="6372"/>
-                    </a:lnTo>
-                    <a:lnTo>
-                      <a:pt x="4892" y="6258"/>
-                    </a:lnTo>
-                    <a:cubicBezTo>
-                      <a:pt x="4892" y="6195"/>
-                      <a:pt x="4842" y="6144"/>
-                      <a:pt x="4779" y="6144"/>
-                    </a:cubicBezTo>
-                    <a:cubicBezTo>
-                      <a:pt x="4716" y="6144"/>
-                      <a:pt x="4665" y="6195"/>
-                      <a:pt x="4665" y="6258"/>
-                    </a:cubicBezTo>
-                    <a:lnTo>
-                      <a:pt x="4665" y="6372"/>
-                    </a:lnTo>
-                    <a:lnTo>
-                      <a:pt x="4323" y="6372"/>
-                    </a:lnTo>
-                    <a:lnTo>
-                      <a:pt x="4323" y="6258"/>
-                    </a:lnTo>
-                    <a:cubicBezTo>
-                      <a:pt x="4323" y="6195"/>
-                      <a:pt x="4273" y="6144"/>
-                      <a:pt x="4210" y="6144"/>
-                    </a:cubicBezTo>
-                    <a:cubicBezTo>
-                      <a:pt x="4147" y="6144"/>
-                      <a:pt x="4096" y="6195"/>
-                      <a:pt x="4096" y="6258"/>
-                    </a:cubicBezTo>
-                    <a:lnTo>
-                      <a:pt x="4096" y="6372"/>
-                    </a:lnTo>
-                    <a:lnTo>
-                      <a:pt x="3755" y="6372"/>
-                    </a:lnTo>
-                    <a:lnTo>
-                      <a:pt x="3755" y="6258"/>
-                    </a:lnTo>
-                    <a:cubicBezTo>
-                      <a:pt x="3755" y="6195"/>
-                      <a:pt x="3704" y="6144"/>
-                      <a:pt x="3641" y="6144"/>
-                    </a:cubicBezTo>
-                    <a:cubicBezTo>
-                      <a:pt x="3578" y="6144"/>
-                      <a:pt x="3527" y="6195"/>
-                      <a:pt x="3527" y="6258"/>
-                    </a:cubicBezTo>
-                    <a:lnTo>
-                      <a:pt x="3527" y="6372"/>
-                    </a:lnTo>
-                    <a:lnTo>
-                      <a:pt x="3186" y="6372"/>
-                    </a:lnTo>
-                    <a:lnTo>
-                      <a:pt x="3186" y="6258"/>
-                    </a:lnTo>
-                    <a:cubicBezTo>
-                      <a:pt x="3186" y="6195"/>
-                      <a:pt x="3135" y="6144"/>
-                      <a:pt x="3072" y="6144"/>
-                    </a:cubicBezTo>
-                    <a:cubicBezTo>
-                      <a:pt x="3009" y="6144"/>
-                      <a:pt x="2958" y="6195"/>
-                      <a:pt x="2958" y="6258"/>
-                    </a:cubicBezTo>
-                    <a:lnTo>
-                      <a:pt x="2958" y="6372"/>
-                    </a:lnTo>
-                    <a:lnTo>
-                      <a:pt x="2617" y="6372"/>
-                    </a:lnTo>
-                    <a:lnTo>
-                      <a:pt x="2617" y="6258"/>
-                    </a:lnTo>
-                    <a:cubicBezTo>
-                      <a:pt x="2617" y="6195"/>
-                      <a:pt x="2566" y="6144"/>
-                      <a:pt x="2503" y="6144"/>
-                    </a:cubicBezTo>
-                    <a:cubicBezTo>
-                      <a:pt x="2440" y="6144"/>
-                      <a:pt x="2389" y="6195"/>
-                      <a:pt x="2389" y="6258"/>
-                    </a:cubicBezTo>
-                    <a:lnTo>
-                      <a:pt x="2389" y="6372"/>
-                    </a:lnTo>
-                    <a:lnTo>
-                      <a:pt x="2048" y="6372"/>
-                    </a:lnTo>
-                    <a:lnTo>
-                      <a:pt x="2048" y="6258"/>
-                    </a:lnTo>
-                    <a:cubicBezTo>
-                      <a:pt x="2048" y="6195"/>
-                      <a:pt x="1997" y="6144"/>
-                      <a:pt x="1934" y="6144"/>
-                    </a:cubicBezTo>
-                    <a:cubicBezTo>
-                      <a:pt x="1871" y="6144"/>
-                      <a:pt x="1820" y="6195"/>
-                      <a:pt x="1820" y="6258"/>
-                    </a:cubicBezTo>
-                    <a:lnTo>
-                      <a:pt x="1820" y="6372"/>
-                    </a:lnTo>
-                    <a:lnTo>
-                      <a:pt x="1479" y="6372"/>
-                    </a:lnTo>
-                    <a:lnTo>
-                      <a:pt x="1479" y="6258"/>
-                    </a:lnTo>
-                    <a:cubicBezTo>
-                      <a:pt x="1479" y="6195"/>
-                      <a:pt x="1428" y="6144"/>
-                      <a:pt x="1365" y="6144"/>
-                    </a:cubicBezTo>
-                    <a:cubicBezTo>
-                      <a:pt x="1302" y="6144"/>
-                      <a:pt x="1252" y="6195"/>
-                      <a:pt x="1252" y="6258"/>
-                    </a:cubicBezTo>
-                    <a:lnTo>
-                      <a:pt x="1252" y="6372"/>
-                    </a:lnTo>
-                    <a:lnTo>
-                      <a:pt x="910" y="6372"/>
-                    </a:lnTo>
-                    <a:lnTo>
-                      <a:pt x="910" y="6258"/>
-                    </a:lnTo>
-                    <a:cubicBezTo>
-                      <a:pt x="910" y="6195"/>
-                      <a:pt x="859" y="6144"/>
-                      <a:pt x="796" y="6144"/>
-                    </a:cubicBezTo>
-                    <a:cubicBezTo>
-                      <a:pt x="734" y="6144"/>
-                      <a:pt x="683" y="6195"/>
-                      <a:pt x="683" y="6258"/>
-                    </a:cubicBezTo>
-                    <a:lnTo>
-                      <a:pt x="683" y="6372"/>
-                    </a:lnTo>
-                    <a:lnTo>
-                      <a:pt x="455" y="6372"/>
-                    </a:lnTo>
-                    <a:lnTo>
-                      <a:pt x="455" y="5234"/>
-                    </a:lnTo>
-                    <a:lnTo>
-                      <a:pt x="1263" y="5234"/>
-                    </a:lnTo>
-                    <a:close/>
-                  </a:path>
-                </a:pathLst>
-              </a:custGeom>
-              <a:solidFill>
-                <a:schemeClr val="bg1"/>
-              </a:solidFill>
-              <a:ln>
-                <a:noFill/>
-              </a:ln>
-            </p:spPr>
-            <p:txBody>
-              <a:bodyPr vert="horz" wrap="square" lIns="91440" tIns="45720" rIns="91440" bIns="45720" numCol="1" anchor="t" anchorCtr="0" compatLnSpc="1">
-                <a:normAutofit fontScale="25000" lnSpcReduction="20000"/>
-              </a:bodyPr>
-              <a:lstStyle>
-                <a:defPPr>
-                  <a:defRPr lang="zh-CN"/>
-                </a:defPPr>
-                <a:lvl1pPr marL="0" algn="l" defTabSz="913765" rtl="0" eaLnBrk="1" latinLnBrk="0" hangingPunct="1">
-                  <a:defRPr sz="1800" kern="1200">
-                    <a:solidFill>
-                      <a:schemeClr val="tx1"/>
-                    </a:solidFill>
-                  </a:defRPr>
-                </a:lvl1pPr>
-                <a:lvl2pPr marL="457200" algn="l" defTabSz="913765" rtl="0" eaLnBrk="1" latinLnBrk="0" hangingPunct="1">
-                  <a:defRPr sz="1800" kern="1200">
-                    <a:solidFill>
-                      <a:schemeClr val="tx1"/>
-                    </a:solidFill>
-                  </a:defRPr>
-                </a:lvl2pPr>
-                <a:lvl3pPr marL="914400" algn="l" defTabSz="913765" rtl="0" eaLnBrk="1" latinLnBrk="0" hangingPunct="1">
-                  <a:defRPr sz="1800" kern="1200">
-                    <a:solidFill>
-                      <a:schemeClr val="tx1"/>
-                    </a:solidFill>
-                  </a:defRPr>
-                </a:lvl3pPr>
-                <a:lvl4pPr marL="1371600" algn="l" defTabSz="913765" rtl="0" eaLnBrk="1" latinLnBrk="0" hangingPunct="1">
-                  <a:defRPr sz="1800" kern="1200">
-                    <a:solidFill>
-                      <a:schemeClr val="tx1"/>
-                    </a:solidFill>
-                  </a:defRPr>
-                </a:lvl4pPr>
-                <a:lvl5pPr marL="1828800" algn="l" defTabSz="913765" rtl="0" eaLnBrk="1" latinLnBrk="0" hangingPunct="1">
-                  <a:defRPr sz="1800" kern="1200">
-                    <a:solidFill>
-                      <a:schemeClr val="tx1"/>
-                    </a:solidFill>
-                  </a:defRPr>
-                </a:lvl5pPr>
-                <a:lvl6pPr marL="2286000" algn="l" defTabSz="913765" rtl="0" eaLnBrk="1" latinLnBrk="0" hangingPunct="1">
-                  <a:defRPr sz="1800" kern="1200">
-                    <a:solidFill>
-                      <a:schemeClr val="tx1"/>
-                    </a:solidFill>
-                  </a:defRPr>
-                </a:lvl6pPr>
-                <a:lvl7pPr marL="2743200" algn="l" defTabSz="913765" rtl="0" eaLnBrk="1" latinLnBrk="0" hangingPunct="1">
-                  <a:defRPr sz="1800" kern="1200">
-                    <a:solidFill>
-                      <a:schemeClr val="tx1"/>
-                    </a:solidFill>
-                  </a:defRPr>
-                </a:lvl7pPr>
-                <a:lvl8pPr marL="3200400" algn="l" defTabSz="913765" rtl="0" eaLnBrk="1" latinLnBrk="0" hangingPunct="1">
-                  <a:defRPr sz="1800" kern="1200">
-                    <a:solidFill>
-                      <a:schemeClr val="tx1"/>
-                    </a:solidFill>
-                  </a:defRPr>
-                </a:lvl8pPr>
-                <a:lvl9pPr marL="3657600" algn="l" defTabSz="913765" rtl="0" eaLnBrk="1" latinLnBrk="0" hangingPunct="1">
-                  <a:defRPr sz="1800" kern="1200">
-                    <a:solidFill>
-                      <a:schemeClr val="tx1"/>
-                    </a:solidFill>
-                  </a:defRPr>
-                </a:lvl9pPr>
-              </a:lstStyle>
-              <a:p>
-                <a:pPr defTabSz="1828165">
-                  <a:lnSpc>
-                    <a:spcPct val="150000"/>
-                  </a:lnSpc>
-                </a:pPr>
-                <a:endParaRPr lang="en-GB" sz="3600" kern="0" dirty="0">
-                  <a:solidFill>
-                    <a:sysClr val="windowText" lastClr="000000"/>
-                  </a:solidFill>
-                </a:endParaRPr>
-              </a:p>
-            </p:txBody>
-          </p:sp>
-        </p:grpSp>
-        <p:grpSp>
-          <p:nvGrpSpPr>
-            <p:cNvPr id="15" name="ïSľíďé"/>
-            <p:cNvGrpSpPr/>
-            <p:nvPr/>
-          </p:nvGrpSpPr>
-          <p:grpSpPr>
-            <a:xfrm>
-              <a:off x="6684001" y="3022528"/>
-              <a:ext cx="648072" cy="648072"/>
-              <a:chOff x="3909160" y="2249137"/>
-              <a:chExt cx="648072" cy="648072"/>
-            </a:xfrm>
-          </p:grpSpPr>
-          <p:sp>
-            <p:nvSpPr>
-              <p:cNvPr id="22" name="íślîďè"/>
-              <p:cNvSpPr/>
-              <p:nvPr/>
-            </p:nvSpPr>
-            <p:spPr>
-              <a:xfrm>
-                <a:off x="3909160" y="2249137"/>
-                <a:ext cx="648072" cy="648072"/>
-              </a:xfrm>
-              <a:prstGeom prst="ellipse">
-                <a:avLst/>
-              </a:prstGeom>
-              <a:solidFill>
-                <a:schemeClr val="accent1"/>
-              </a:solidFill>
-              <a:ln w="38100">
-                <a:solidFill>
-                  <a:schemeClr val="bg1"/>
-                </a:solidFill>
-              </a:ln>
-            </p:spPr>
-            <p:style>
-              <a:lnRef idx="2">
-                <a:schemeClr val="accent1">
-                  <a:shade val="50000"/>
-                </a:schemeClr>
-              </a:lnRef>
-              <a:fillRef idx="1">
-                <a:schemeClr val="accent1"/>
-              </a:fillRef>
-              <a:effectRef idx="0">
-                <a:schemeClr val="accent1"/>
-              </a:effectRef>
-              <a:fontRef idx="minor">
-                <a:schemeClr val="lt1"/>
-              </a:fontRef>
-            </p:style>
-            <p:txBody>
-              <a:bodyPr wrap="square" lIns="91440" tIns="45720" rIns="91440" bIns="45720" rtlCol="0" anchor="ctr">
-                <a:normAutofit/>
-              </a:bodyPr>
-              <a:lstStyle>
-                <a:defPPr>
-                  <a:defRPr lang="zh-CN"/>
-                </a:defPPr>
-                <a:lvl1pPr marL="0" algn="l" defTabSz="913765" rtl="0" eaLnBrk="1" latinLnBrk="0" hangingPunct="1">
-                  <a:defRPr sz="1800" kern="1200">
-                    <a:solidFill>
-                      <a:schemeClr val="lt1"/>
-                    </a:solidFill>
-                  </a:defRPr>
-                </a:lvl1pPr>
-                <a:lvl2pPr marL="457200" algn="l" defTabSz="913765" rtl="0" eaLnBrk="1" latinLnBrk="0" hangingPunct="1">
-                  <a:defRPr sz="1800" kern="1200">
-                    <a:solidFill>
-                      <a:schemeClr val="lt1"/>
-                    </a:solidFill>
-                  </a:defRPr>
-                </a:lvl2pPr>
-                <a:lvl3pPr marL="914400" algn="l" defTabSz="913765" rtl="0" eaLnBrk="1" latinLnBrk="0" hangingPunct="1">
-                  <a:defRPr sz="1800" kern="1200">
-                    <a:solidFill>
-                      <a:schemeClr val="lt1"/>
-                    </a:solidFill>
-                  </a:defRPr>
-                </a:lvl3pPr>
-                <a:lvl4pPr marL="1371600" algn="l" defTabSz="913765" rtl="0" eaLnBrk="1" latinLnBrk="0" hangingPunct="1">
-                  <a:defRPr sz="1800" kern="1200">
-                    <a:solidFill>
-                      <a:schemeClr val="lt1"/>
-                    </a:solidFill>
-                  </a:defRPr>
-                </a:lvl4pPr>
-                <a:lvl5pPr marL="1828800" algn="l" defTabSz="913765" rtl="0" eaLnBrk="1" latinLnBrk="0" hangingPunct="1">
-                  <a:defRPr sz="1800" kern="1200">
-                    <a:solidFill>
-                      <a:schemeClr val="lt1"/>
-                    </a:solidFill>
-                  </a:defRPr>
-                </a:lvl5pPr>
-                <a:lvl6pPr marL="2286000" algn="l" defTabSz="913765" rtl="0" eaLnBrk="1" latinLnBrk="0" hangingPunct="1">
-                  <a:defRPr sz="1800" kern="1200">
-                    <a:solidFill>
-                      <a:schemeClr val="lt1"/>
-                    </a:solidFill>
-                  </a:defRPr>
-                </a:lvl6pPr>
-                <a:lvl7pPr marL="2743200" algn="l" defTabSz="913765" rtl="0" eaLnBrk="1" latinLnBrk="0" hangingPunct="1">
-                  <a:defRPr sz="1800" kern="1200">
-                    <a:solidFill>
-                      <a:schemeClr val="lt1"/>
-                    </a:solidFill>
-                  </a:defRPr>
-                </a:lvl7pPr>
-                <a:lvl8pPr marL="3200400" algn="l" defTabSz="913765" rtl="0" eaLnBrk="1" latinLnBrk="0" hangingPunct="1">
-                  <a:defRPr sz="1800" kern="1200">
-                    <a:solidFill>
-                      <a:schemeClr val="lt1"/>
-                    </a:solidFill>
-                  </a:defRPr>
-                </a:lvl8pPr>
-                <a:lvl9pPr marL="3657600" algn="l" defTabSz="913765" rtl="0" eaLnBrk="1" latinLnBrk="0" hangingPunct="1">
-                  <a:defRPr sz="1800" kern="1200">
-                    <a:solidFill>
-                      <a:schemeClr val="lt1"/>
-                    </a:solidFill>
-                  </a:defRPr>
-                </a:lvl9pPr>
-              </a:lstStyle>
-              <a:p>
-                <a:pPr algn="ctr"/>
-                <a:endParaRPr lang="zh-CN" altLang="en-US" dirty="0"/>
-              </a:p>
-            </p:txBody>
-          </p:sp>
-          <p:sp>
-            <p:nvSpPr>
-              <p:cNvPr id="23" name="iṧ1ïḑè"/>
-              <p:cNvSpPr/>
-              <p:nvPr/>
-            </p:nvSpPr>
-            <p:spPr bwMode="auto">
-              <a:xfrm>
-                <a:off x="4043050" y="2390028"/>
-                <a:ext cx="380293" cy="366291"/>
-              </a:xfrm>
-              <a:custGeom>
-                <a:avLst/>
-                <a:gdLst>
-                  <a:gd name="T0" fmla="*/ 3413 w 6827"/>
-                  <a:gd name="T1" fmla="*/ 0 h 5912"/>
-                  <a:gd name="T2" fmla="*/ 0 w 6827"/>
-                  <a:gd name="T3" fmla="*/ 5912 h 5912"/>
-                  <a:gd name="T4" fmla="*/ 6827 w 6827"/>
-                  <a:gd name="T5" fmla="*/ 5912 h 5912"/>
-                  <a:gd name="T6" fmla="*/ 3413 w 6827"/>
-                  <a:gd name="T7" fmla="*/ 0 h 5912"/>
-                  <a:gd name="T8" fmla="*/ 3413 w 6827"/>
-                  <a:gd name="T9" fmla="*/ 972 h 5912"/>
-                  <a:gd name="T10" fmla="*/ 4489 w 6827"/>
-                  <a:gd name="T11" fmla="*/ 2835 h 5912"/>
-                  <a:gd name="T12" fmla="*/ 2338 w 6827"/>
-                  <a:gd name="T13" fmla="*/ 2835 h 5912"/>
-                  <a:gd name="T14" fmla="*/ 3413 w 6827"/>
-                  <a:gd name="T15" fmla="*/ 972 h 5912"/>
-                  <a:gd name="T16" fmla="*/ 842 w 6827"/>
-                  <a:gd name="T17" fmla="*/ 5426 h 5912"/>
-                  <a:gd name="T18" fmla="*/ 1917 w 6827"/>
-                  <a:gd name="T19" fmla="*/ 3564 h 5912"/>
-                  <a:gd name="T20" fmla="*/ 2993 w 6827"/>
-                  <a:gd name="T21" fmla="*/ 5426 h 5912"/>
-                  <a:gd name="T22" fmla="*/ 842 w 6827"/>
-                  <a:gd name="T23" fmla="*/ 5426 h 5912"/>
-                  <a:gd name="T24" fmla="*/ 2338 w 6827"/>
-                  <a:gd name="T25" fmla="*/ 3321 h 5912"/>
-                  <a:gd name="T26" fmla="*/ 4489 w 6827"/>
-                  <a:gd name="T27" fmla="*/ 3321 h 5912"/>
-                  <a:gd name="T28" fmla="*/ 3413 w 6827"/>
-                  <a:gd name="T29" fmla="*/ 5183 h 5912"/>
-                  <a:gd name="T30" fmla="*/ 2338 w 6827"/>
-                  <a:gd name="T31" fmla="*/ 3321 h 5912"/>
-                  <a:gd name="T32" fmla="*/ 4910 w 6827"/>
-                  <a:gd name="T33" fmla="*/ 3564 h 5912"/>
-                  <a:gd name="T34" fmla="*/ 5985 w 6827"/>
-                  <a:gd name="T35" fmla="*/ 5426 h 5912"/>
-                  <a:gd name="T36" fmla="*/ 3834 w 6827"/>
-                  <a:gd name="T37" fmla="*/ 5426 h 5912"/>
-                  <a:gd name="T38" fmla="*/ 4910 w 6827"/>
-                  <a:gd name="T39" fmla="*/ 3564 h 5912"/>
-                </a:gdLst>
-                <a:ahLst/>
-                <a:cxnLst>
-                  <a:cxn ang="0">
-                    <a:pos x="T0" y="T1"/>
-                  </a:cxn>
-                  <a:cxn ang="0">
-                    <a:pos x="T2" y="T3"/>
-                  </a:cxn>
-                  <a:cxn ang="0">
-                    <a:pos x="T4" y="T5"/>
-                  </a:cxn>
-                  <a:cxn ang="0">
-                    <a:pos x="T6" y="T7"/>
-                  </a:cxn>
-                  <a:cxn ang="0">
-                    <a:pos x="T8" y="T9"/>
-                  </a:cxn>
-                  <a:cxn ang="0">
-                    <a:pos x="T10" y="T11"/>
-                  </a:cxn>
-                  <a:cxn ang="0">
-                    <a:pos x="T12" y="T13"/>
-                  </a:cxn>
-                  <a:cxn ang="0">
-                    <a:pos x="T14" y="T15"/>
-                  </a:cxn>
-                  <a:cxn ang="0">
-                    <a:pos x="T16" y="T17"/>
-                  </a:cxn>
-                  <a:cxn ang="0">
-                    <a:pos x="T18" y="T19"/>
-                  </a:cxn>
-                  <a:cxn ang="0">
-                    <a:pos x="T20" y="T21"/>
-                  </a:cxn>
-                  <a:cxn ang="0">
-                    <a:pos x="T22" y="T23"/>
-                  </a:cxn>
-                  <a:cxn ang="0">
-                    <a:pos x="T24" y="T25"/>
-                  </a:cxn>
-                  <a:cxn ang="0">
-                    <a:pos x="T26" y="T27"/>
-                  </a:cxn>
-                  <a:cxn ang="0">
-                    <a:pos x="T28" y="T29"/>
-                  </a:cxn>
-                  <a:cxn ang="0">
-                    <a:pos x="T30" y="T31"/>
-                  </a:cxn>
-                  <a:cxn ang="0">
-                    <a:pos x="T32" y="T33"/>
-                  </a:cxn>
-                  <a:cxn ang="0">
-                    <a:pos x="T34" y="T35"/>
-                  </a:cxn>
-                  <a:cxn ang="0">
-                    <a:pos x="T36" y="T37"/>
-                  </a:cxn>
-                  <a:cxn ang="0">
-                    <a:pos x="T38" y="T39"/>
-                  </a:cxn>
-                </a:cxnLst>
-                <a:rect l="0" t="0" r="r" b="b"/>
-                <a:pathLst>
-                  <a:path w="6827" h="5912">
-                    <a:moveTo>
-                      <a:pt x="3413" y="0"/>
-                    </a:moveTo>
-                    <a:lnTo>
-                      <a:pt x="0" y="5912"/>
-                    </a:lnTo>
-                    <a:lnTo>
-                      <a:pt x="6827" y="5912"/>
-                    </a:lnTo>
-                    <a:lnTo>
-                      <a:pt x="3413" y="0"/>
-                    </a:lnTo>
-                    <a:close/>
-                    <a:moveTo>
-                      <a:pt x="3413" y="972"/>
-                    </a:moveTo>
-                    <a:lnTo>
-                      <a:pt x="4489" y="2835"/>
-                    </a:lnTo>
-                    <a:lnTo>
-                      <a:pt x="2338" y="2835"/>
-                    </a:lnTo>
-                    <a:lnTo>
-                      <a:pt x="3413" y="972"/>
-                    </a:lnTo>
-                    <a:close/>
-                    <a:moveTo>
-                      <a:pt x="842" y="5426"/>
-                    </a:moveTo>
-                    <a:lnTo>
-                      <a:pt x="1917" y="3564"/>
-                    </a:lnTo>
-                    <a:lnTo>
-                      <a:pt x="2993" y="5426"/>
-                    </a:lnTo>
-                    <a:lnTo>
-                      <a:pt x="842" y="5426"/>
-                    </a:lnTo>
-                    <a:close/>
-                    <a:moveTo>
-                      <a:pt x="2338" y="3321"/>
-                    </a:moveTo>
-                    <a:lnTo>
-                      <a:pt x="4489" y="3321"/>
-                    </a:lnTo>
-                    <a:lnTo>
-                      <a:pt x="3413" y="5183"/>
-                    </a:lnTo>
-                    <a:lnTo>
-                      <a:pt x="2338" y="3321"/>
-                    </a:lnTo>
-                    <a:close/>
-                    <a:moveTo>
-                      <a:pt x="4910" y="3564"/>
-                    </a:moveTo>
-                    <a:lnTo>
-                      <a:pt x="5985" y="5426"/>
-                    </a:lnTo>
-                    <a:lnTo>
-                      <a:pt x="3834" y="5426"/>
-                    </a:lnTo>
-                    <a:lnTo>
-                      <a:pt x="4910" y="3564"/>
-                    </a:lnTo>
-                    <a:close/>
-                  </a:path>
-                </a:pathLst>
-              </a:custGeom>
-              <a:solidFill>
-                <a:schemeClr val="bg1"/>
-              </a:solidFill>
-              <a:ln>
-                <a:noFill/>
-              </a:ln>
-            </p:spPr>
-            <p:txBody>
-              <a:bodyPr vert="horz" wrap="square" lIns="91440" tIns="45720" rIns="91440" bIns="45720" numCol="1" anchor="t" anchorCtr="0" compatLnSpc="1">
-                <a:normAutofit/>
-              </a:bodyPr>
-              <a:lstStyle>
-                <a:defPPr>
-                  <a:defRPr lang="zh-CN"/>
-                </a:defPPr>
-                <a:lvl1pPr marL="0" algn="l" defTabSz="913765" rtl="0" eaLnBrk="1" latinLnBrk="0" hangingPunct="1">
-                  <a:defRPr sz="1800" kern="1200">
-                    <a:solidFill>
-                      <a:schemeClr val="tx1"/>
-                    </a:solidFill>
-                  </a:defRPr>
-                </a:lvl1pPr>
-                <a:lvl2pPr marL="457200" algn="l" defTabSz="913765" rtl="0" eaLnBrk="1" latinLnBrk="0" hangingPunct="1">
-                  <a:defRPr sz="1800" kern="1200">
-                    <a:solidFill>
-                      <a:schemeClr val="tx1"/>
-                    </a:solidFill>
-                  </a:defRPr>
-                </a:lvl2pPr>
-                <a:lvl3pPr marL="914400" algn="l" defTabSz="913765" rtl="0" eaLnBrk="1" latinLnBrk="0" hangingPunct="1">
-                  <a:defRPr sz="1800" kern="1200">
-                    <a:solidFill>
-                      <a:schemeClr val="tx1"/>
-                    </a:solidFill>
-                  </a:defRPr>
-                </a:lvl3pPr>
-                <a:lvl4pPr marL="1371600" algn="l" defTabSz="913765" rtl="0" eaLnBrk="1" latinLnBrk="0" hangingPunct="1">
-                  <a:defRPr sz="1800" kern="1200">
-                    <a:solidFill>
-                      <a:schemeClr val="tx1"/>
-                    </a:solidFill>
-                  </a:defRPr>
-                </a:lvl4pPr>
-                <a:lvl5pPr marL="1828800" algn="l" defTabSz="913765" rtl="0" eaLnBrk="1" latinLnBrk="0" hangingPunct="1">
-                  <a:defRPr sz="1800" kern="1200">
-                    <a:solidFill>
-                      <a:schemeClr val="tx1"/>
-                    </a:solidFill>
-                  </a:defRPr>
-                </a:lvl5pPr>
-                <a:lvl6pPr marL="2286000" algn="l" defTabSz="913765" rtl="0" eaLnBrk="1" latinLnBrk="0" hangingPunct="1">
-                  <a:defRPr sz="1800" kern="1200">
-                    <a:solidFill>
-                      <a:schemeClr val="tx1"/>
-                    </a:solidFill>
-                  </a:defRPr>
-                </a:lvl6pPr>
-                <a:lvl7pPr marL="2743200" algn="l" defTabSz="913765" rtl="0" eaLnBrk="1" latinLnBrk="0" hangingPunct="1">
-                  <a:defRPr sz="1800" kern="1200">
-                    <a:solidFill>
-                      <a:schemeClr val="tx1"/>
-                    </a:solidFill>
-                  </a:defRPr>
-                </a:lvl7pPr>
-                <a:lvl8pPr marL="3200400" algn="l" defTabSz="913765" rtl="0" eaLnBrk="1" latinLnBrk="0" hangingPunct="1">
-                  <a:defRPr sz="1800" kern="1200">
-                    <a:solidFill>
-                      <a:schemeClr val="tx1"/>
-                    </a:solidFill>
-                  </a:defRPr>
-                </a:lvl8pPr>
-                <a:lvl9pPr marL="3657600" algn="l" defTabSz="913765" rtl="0" eaLnBrk="1" latinLnBrk="0" hangingPunct="1">
-                  <a:defRPr sz="1800" kern="1200">
-                    <a:solidFill>
-                      <a:schemeClr val="tx1"/>
-                    </a:solidFill>
-                  </a:defRPr>
-                </a:lvl9pPr>
-              </a:lstStyle>
-              <a:p>
-                <a:endParaRPr lang="zh-CN" altLang="en-US" dirty="0"/>
-              </a:p>
-            </p:txBody>
-          </p:sp>
-        </p:grpSp>
-        <p:grpSp>
-          <p:nvGrpSpPr>
-            <p:cNvPr id="16" name="ïsḻïḋe"/>
-            <p:cNvGrpSpPr/>
-            <p:nvPr/>
-          </p:nvGrpSpPr>
-          <p:grpSpPr>
-            <a:xfrm>
-              <a:off x="5660499" y="3693274"/>
-              <a:ext cx="453950" cy="453950"/>
-              <a:chOff x="6559351" y="2249137"/>
-              <a:chExt cx="648072" cy="648072"/>
-            </a:xfrm>
-          </p:grpSpPr>
-          <p:sp>
-            <p:nvSpPr>
-              <p:cNvPr id="20" name="íšḷiďe"/>
-              <p:cNvSpPr/>
-              <p:nvPr/>
-            </p:nvSpPr>
-            <p:spPr>
-              <a:xfrm>
-                <a:off x="6559351" y="2249137"/>
-                <a:ext cx="648072" cy="648072"/>
-              </a:xfrm>
-              <a:prstGeom prst="ellipse">
-                <a:avLst/>
-              </a:prstGeom>
-              <a:solidFill>
-                <a:schemeClr val="tx1">
-                  <a:lumMod val="50000"/>
-                  <a:lumOff val="50000"/>
-                </a:schemeClr>
-              </a:solidFill>
-              <a:ln w="28575">
-                <a:solidFill>
-                  <a:schemeClr val="bg1"/>
-                </a:solidFill>
-              </a:ln>
-            </p:spPr>
-            <p:style>
-              <a:lnRef idx="2">
-                <a:schemeClr val="accent1">
-                  <a:shade val="50000"/>
-                </a:schemeClr>
-              </a:lnRef>
-              <a:fillRef idx="1">
-                <a:schemeClr val="accent1"/>
-              </a:fillRef>
-              <a:effectRef idx="0">
-                <a:schemeClr val="accent1"/>
-              </a:effectRef>
-              <a:fontRef idx="minor">
-                <a:schemeClr val="lt1"/>
-              </a:fontRef>
-            </p:style>
-            <p:txBody>
-              <a:bodyPr wrap="square" lIns="91440" tIns="45720" rIns="91440" bIns="45720" rtlCol="0" anchor="ctr">
-                <a:normAutofit fontScale="92500" lnSpcReduction="20000"/>
-              </a:bodyPr>
-              <a:lstStyle>
-                <a:defPPr>
-                  <a:defRPr lang="zh-CN"/>
-                </a:defPPr>
-                <a:lvl1pPr marL="0" algn="l" defTabSz="913765" rtl="0" eaLnBrk="1" latinLnBrk="0" hangingPunct="1">
-                  <a:defRPr sz="1800" kern="1200">
-                    <a:solidFill>
-                      <a:schemeClr val="lt1"/>
-                    </a:solidFill>
-                  </a:defRPr>
-                </a:lvl1pPr>
-                <a:lvl2pPr marL="457200" algn="l" defTabSz="913765" rtl="0" eaLnBrk="1" latinLnBrk="0" hangingPunct="1">
-                  <a:defRPr sz="1800" kern="1200">
-                    <a:solidFill>
-                      <a:schemeClr val="lt1"/>
-                    </a:solidFill>
-                  </a:defRPr>
-                </a:lvl2pPr>
-                <a:lvl3pPr marL="914400" algn="l" defTabSz="913765" rtl="0" eaLnBrk="1" latinLnBrk="0" hangingPunct="1">
-                  <a:defRPr sz="1800" kern="1200">
-                    <a:solidFill>
-                      <a:schemeClr val="lt1"/>
-                    </a:solidFill>
-                  </a:defRPr>
-                </a:lvl3pPr>
-                <a:lvl4pPr marL="1371600" algn="l" defTabSz="913765" rtl="0" eaLnBrk="1" latinLnBrk="0" hangingPunct="1">
-                  <a:defRPr sz="1800" kern="1200">
-                    <a:solidFill>
-                      <a:schemeClr val="lt1"/>
-                    </a:solidFill>
-                  </a:defRPr>
-                </a:lvl4pPr>
-                <a:lvl5pPr marL="1828800" algn="l" defTabSz="913765" rtl="0" eaLnBrk="1" latinLnBrk="0" hangingPunct="1">
-                  <a:defRPr sz="1800" kern="1200">
-                    <a:solidFill>
-                      <a:schemeClr val="lt1"/>
-                    </a:solidFill>
-                  </a:defRPr>
-                </a:lvl5pPr>
-                <a:lvl6pPr marL="2286000" algn="l" defTabSz="913765" rtl="0" eaLnBrk="1" latinLnBrk="0" hangingPunct="1">
-                  <a:defRPr sz="1800" kern="1200">
-                    <a:solidFill>
-                      <a:schemeClr val="lt1"/>
-                    </a:solidFill>
-                  </a:defRPr>
-                </a:lvl6pPr>
-                <a:lvl7pPr marL="2743200" algn="l" defTabSz="913765" rtl="0" eaLnBrk="1" latinLnBrk="0" hangingPunct="1">
-                  <a:defRPr sz="1800" kern="1200">
-                    <a:solidFill>
-                      <a:schemeClr val="lt1"/>
-                    </a:solidFill>
-                  </a:defRPr>
-                </a:lvl7pPr>
-                <a:lvl8pPr marL="3200400" algn="l" defTabSz="913765" rtl="0" eaLnBrk="1" latinLnBrk="0" hangingPunct="1">
-                  <a:defRPr sz="1800" kern="1200">
-                    <a:solidFill>
-                      <a:schemeClr val="lt1"/>
-                    </a:solidFill>
-                  </a:defRPr>
-                </a:lvl8pPr>
-                <a:lvl9pPr marL="3657600" algn="l" defTabSz="913765" rtl="0" eaLnBrk="1" latinLnBrk="0" hangingPunct="1">
-                  <a:defRPr sz="1800" kern="1200">
-                    <a:solidFill>
-                      <a:schemeClr val="lt1"/>
-                    </a:solidFill>
-                  </a:defRPr>
-                </a:lvl9pPr>
-              </a:lstStyle>
-              <a:p>
-                <a:pPr algn="ctr"/>
-                <a:endParaRPr lang="zh-CN" altLang="en-US"/>
-              </a:p>
-            </p:txBody>
-          </p:sp>
-          <p:sp>
-            <p:nvSpPr>
-              <p:cNvPr id="21" name="íṡľíḋé"/>
-              <p:cNvSpPr/>
-              <p:nvPr/>
-            </p:nvSpPr>
-            <p:spPr bwMode="auto">
-              <a:xfrm>
-                <a:off x="6693241" y="2390028"/>
-                <a:ext cx="380293" cy="366291"/>
-              </a:xfrm>
-              <a:custGeom>
-                <a:avLst/>
-                <a:gdLst>
-                  <a:gd name="connsiteX0" fmla="*/ 0 w 582235"/>
-                  <a:gd name="connsiteY0" fmla="*/ 404481 h 606722"/>
-                  <a:gd name="connsiteX1" fmla="*/ 101261 w 582235"/>
-                  <a:gd name="connsiteY1" fmla="*/ 404481 h 606722"/>
-                  <a:gd name="connsiteX2" fmla="*/ 101261 w 582235"/>
-                  <a:gd name="connsiteY2" fmla="*/ 606722 h 606722"/>
-                  <a:gd name="connsiteX3" fmla="*/ 0 w 582235"/>
-                  <a:gd name="connsiteY3" fmla="*/ 606722 h 606722"/>
-                  <a:gd name="connsiteX4" fmla="*/ 151927 w 582235"/>
-                  <a:gd name="connsiteY4" fmla="*/ 328623 h 606722"/>
-                  <a:gd name="connsiteX5" fmla="*/ 253188 w 582235"/>
-                  <a:gd name="connsiteY5" fmla="*/ 328623 h 606722"/>
-                  <a:gd name="connsiteX6" fmla="*/ 253188 w 582235"/>
-                  <a:gd name="connsiteY6" fmla="*/ 606722 h 606722"/>
-                  <a:gd name="connsiteX7" fmla="*/ 151927 w 582235"/>
-                  <a:gd name="connsiteY7" fmla="*/ 606722 h 606722"/>
-                  <a:gd name="connsiteX8" fmla="*/ 303855 w 582235"/>
-                  <a:gd name="connsiteY8" fmla="*/ 252766 h 606722"/>
-                  <a:gd name="connsiteX9" fmla="*/ 405046 w 582235"/>
-                  <a:gd name="connsiteY9" fmla="*/ 252766 h 606722"/>
-                  <a:gd name="connsiteX10" fmla="*/ 405046 w 582235"/>
-                  <a:gd name="connsiteY10" fmla="*/ 606722 h 606722"/>
-                  <a:gd name="connsiteX11" fmla="*/ 303855 w 582235"/>
-                  <a:gd name="connsiteY11" fmla="*/ 606722 h 606722"/>
-                  <a:gd name="connsiteX12" fmla="*/ 455711 w 582235"/>
-                  <a:gd name="connsiteY12" fmla="*/ 202241 h 606722"/>
-                  <a:gd name="connsiteX13" fmla="*/ 556972 w 582235"/>
-                  <a:gd name="connsiteY13" fmla="*/ 202241 h 606722"/>
-                  <a:gd name="connsiteX14" fmla="*/ 556972 w 582235"/>
-                  <a:gd name="connsiteY14" fmla="*/ 606722 h 606722"/>
-                  <a:gd name="connsiteX15" fmla="*/ 455711 w 582235"/>
-                  <a:gd name="connsiteY15" fmla="*/ 606722 h 606722"/>
-                  <a:gd name="connsiteX16" fmla="*/ 455697 w 582235"/>
-                  <a:gd name="connsiteY16" fmla="*/ 0 h 606722"/>
-                  <a:gd name="connsiteX17" fmla="*/ 556785 w 582235"/>
-                  <a:gd name="connsiteY17" fmla="*/ 0 h 606722"/>
-                  <a:gd name="connsiteX18" fmla="*/ 556874 w 582235"/>
-                  <a:gd name="connsiteY18" fmla="*/ 0 h 606722"/>
-                  <a:gd name="connsiteX19" fmla="*/ 556963 w 582235"/>
-                  <a:gd name="connsiteY19" fmla="*/ 0 h 606722"/>
-                  <a:gd name="connsiteX20" fmla="*/ 557675 w 582235"/>
-                  <a:gd name="connsiteY20" fmla="*/ 0 h 606722"/>
-                  <a:gd name="connsiteX21" fmla="*/ 559366 w 582235"/>
-                  <a:gd name="connsiteY21" fmla="*/ 89 h 606722"/>
-                  <a:gd name="connsiteX22" fmla="*/ 560611 w 582235"/>
-                  <a:gd name="connsiteY22" fmla="*/ 267 h 606722"/>
-                  <a:gd name="connsiteX23" fmla="*/ 561857 w 582235"/>
-                  <a:gd name="connsiteY23" fmla="*/ 444 h 606722"/>
-                  <a:gd name="connsiteX24" fmla="*/ 563192 w 582235"/>
-                  <a:gd name="connsiteY24" fmla="*/ 800 h 606722"/>
-                  <a:gd name="connsiteX25" fmla="*/ 564171 w 582235"/>
-                  <a:gd name="connsiteY25" fmla="*/ 1067 h 606722"/>
-                  <a:gd name="connsiteX26" fmla="*/ 565506 w 582235"/>
-                  <a:gd name="connsiteY26" fmla="*/ 1511 h 606722"/>
-                  <a:gd name="connsiteX27" fmla="*/ 566574 w 582235"/>
-                  <a:gd name="connsiteY27" fmla="*/ 1867 h 606722"/>
-                  <a:gd name="connsiteX28" fmla="*/ 567730 w 582235"/>
-                  <a:gd name="connsiteY28" fmla="*/ 2400 h 606722"/>
-                  <a:gd name="connsiteX29" fmla="*/ 568798 w 582235"/>
-                  <a:gd name="connsiteY29" fmla="*/ 2933 h 606722"/>
-                  <a:gd name="connsiteX30" fmla="*/ 569777 w 582235"/>
-                  <a:gd name="connsiteY30" fmla="*/ 3467 h 606722"/>
-                  <a:gd name="connsiteX31" fmla="*/ 570934 w 582235"/>
-                  <a:gd name="connsiteY31" fmla="*/ 4178 h 606722"/>
-                  <a:gd name="connsiteX32" fmla="*/ 571824 w 582235"/>
-                  <a:gd name="connsiteY32" fmla="*/ 4800 h 606722"/>
-                  <a:gd name="connsiteX33" fmla="*/ 572891 w 582235"/>
-                  <a:gd name="connsiteY33" fmla="*/ 5689 h 606722"/>
-                  <a:gd name="connsiteX34" fmla="*/ 573781 w 582235"/>
-                  <a:gd name="connsiteY34" fmla="*/ 6489 h 606722"/>
-                  <a:gd name="connsiteX35" fmla="*/ 574760 w 582235"/>
-                  <a:gd name="connsiteY35" fmla="*/ 7289 h 606722"/>
-                  <a:gd name="connsiteX36" fmla="*/ 575917 w 582235"/>
-                  <a:gd name="connsiteY36" fmla="*/ 8533 h 606722"/>
-                  <a:gd name="connsiteX37" fmla="*/ 576451 w 582235"/>
-                  <a:gd name="connsiteY37" fmla="*/ 9066 h 606722"/>
-                  <a:gd name="connsiteX38" fmla="*/ 576451 w 582235"/>
-                  <a:gd name="connsiteY38" fmla="*/ 9155 h 606722"/>
-                  <a:gd name="connsiteX39" fmla="*/ 577964 w 582235"/>
-                  <a:gd name="connsiteY39" fmla="*/ 11200 h 606722"/>
-                  <a:gd name="connsiteX40" fmla="*/ 578053 w 582235"/>
-                  <a:gd name="connsiteY40" fmla="*/ 11289 h 606722"/>
-                  <a:gd name="connsiteX41" fmla="*/ 579209 w 582235"/>
-                  <a:gd name="connsiteY41" fmla="*/ 13244 h 606722"/>
-                  <a:gd name="connsiteX42" fmla="*/ 579743 w 582235"/>
-                  <a:gd name="connsiteY42" fmla="*/ 14222 h 606722"/>
-                  <a:gd name="connsiteX43" fmla="*/ 580277 w 582235"/>
-                  <a:gd name="connsiteY43" fmla="*/ 15555 h 606722"/>
-                  <a:gd name="connsiteX44" fmla="*/ 580722 w 582235"/>
-                  <a:gd name="connsiteY44" fmla="*/ 16711 h 606722"/>
-                  <a:gd name="connsiteX45" fmla="*/ 581167 w 582235"/>
-                  <a:gd name="connsiteY45" fmla="*/ 17866 h 606722"/>
-                  <a:gd name="connsiteX46" fmla="*/ 581523 w 582235"/>
-                  <a:gd name="connsiteY46" fmla="*/ 19199 h 606722"/>
-                  <a:gd name="connsiteX47" fmla="*/ 581790 w 582235"/>
-                  <a:gd name="connsiteY47" fmla="*/ 20266 h 606722"/>
-                  <a:gd name="connsiteX48" fmla="*/ 582146 w 582235"/>
-                  <a:gd name="connsiteY48" fmla="*/ 22488 h 606722"/>
-                  <a:gd name="connsiteX49" fmla="*/ 582146 w 582235"/>
-                  <a:gd name="connsiteY49" fmla="*/ 22666 h 606722"/>
-                  <a:gd name="connsiteX50" fmla="*/ 582235 w 582235"/>
-                  <a:gd name="connsiteY50" fmla="*/ 25244 h 606722"/>
-                  <a:gd name="connsiteX51" fmla="*/ 582235 w 582235"/>
-                  <a:gd name="connsiteY51" fmla="*/ 126396 h 606722"/>
-                  <a:gd name="connsiteX52" fmla="*/ 556963 w 582235"/>
-                  <a:gd name="connsiteY52" fmla="*/ 151728 h 606722"/>
-                  <a:gd name="connsiteX53" fmla="*/ 531691 w 582235"/>
-                  <a:gd name="connsiteY53" fmla="*/ 126396 h 606722"/>
-                  <a:gd name="connsiteX54" fmla="*/ 531691 w 582235"/>
-                  <a:gd name="connsiteY54" fmla="*/ 79286 h 606722"/>
-                  <a:gd name="connsiteX55" fmla="*/ 421260 w 582235"/>
-                  <a:gd name="connsiteY55" fmla="*/ 171106 h 606722"/>
-                  <a:gd name="connsiteX56" fmla="*/ 385666 w 582235"/>
-                  <a:gd name="connsiteY56" fmla="*/ 167906 h 606722"/>
-                  <a:gd name="connsiteX57" fmla="*/ 388869 w 582235"/>
-                  <a:gd name="connsiteY57" fmla="*/ 132262 h 606722"/>
-                  <a:gd name="connsiteX58" fmla="*/ 487020 w 582235"/>
-                  <a:gd name="connsiteY58" fmla="*/ 50576 h 606722"/>
-                  <a:gd name="connsiteX59" fmla="*/ 455697 w 582235"/>
-                  <a:gd name="connsiteY59" fmla="*/ 50576 h 606722"/>
-                  <a:gd name="connsiteX60" fmla="*/ 430425 w 582235"/>
-                  <a:gd name="connsiteY60" fmla="*/ 25244 h 606722"/>
-                  <a:gd name="connsiteX61" fmla="*/ 455697 w 582235"/>
-                  <a:gd name="connsiteY61" fmla="*/ 0 h 606722"/>
-                </a:gdLst>
-                <a:ahLst/>
-                <a:cxnLst>
-                  <a:cxn ang="0">
-                    <a:pos x="connsiteX0" y="connsiteY0"/>
-                  </a:cxn>
-                  <a:cxn ang="0">
-                    <a:pos x="connsiteX1" y="connsiteY1"/>
-                  </a:cxn>
-                  <a:cxn ang="0">
-                    <a:pos x="connsiteX2" y="connsiteY2"/>
-                  </a:cxn>
-                  <a:cxn ang="0">
-                    <a:pos x="connsiteX3" y="connsiteY3"/>
-                  </a:cxn>
-                  <a:cxn ang="0">
-                    <a:pos x="connsiteX4" y="connsiteY4"/>
-                  </a:cxn>
-                  <a:cxn ang="0">
-                    <a:pos x="connsiteX5" y="connsiteY5"/>
-                  </a:cxn>
-                  <a:cxn ang="0">
-                    <a:pos x="connsiteX6" y="connsiteY6"/>
-                  </a:cxn>
-                  <a:cxn ang="0">
-                    <a:pos x="connsiteX7" y="connsiteY7"/>
-                  </a:cxn>
-                  <a:cxn ang="0">
-                    <a:pos x="connsiteX8" y="connsiteY8"/>
-                  </a:cxn>
-                  <a:cxn ang="0">
-                    <a:pos x="connsiteX9" y="connsiteY9"/>
-                  </a:cxn>
-                  <a:cxn ang="0">
-                    <a:pos x="connsiteX10" y="connsiteY10"/>
-                  </a:cxn>
-                  <a:cxn ang="0">
-                    <a:pos x="connsiteX11" y="connsiteY11"/>
-                  </a:cxn>
-                  <a:cxn ang="0">
-                    <a:pos x="connsiteX12" y="connsiteY12"/>
-                  </a:cxn>
-                  <a:cxn ang="0">
-                    <a:pos x="connsiteX13" y="connsiteY13"/>
-                  </a:cxn>
-                  <a:cxn ang="0">
-                    <a:pos x="connsiteX14" y="connsiteY14"/>
-                  </a:cxn>
-                  <a:cxn ang="0">
-                    <a:pos x="connsiteX15" y="connsiteY15"/>
-                  </a:cxn>
-                  <a:cxn ang="0">
-                    <a:pos x="connsiteX16" y="connsiteY16"/>
-                  </a:cxn>
-                  <a:cxn ang="0">
-                    <a:pos x="connsiteX17" y="connsiteY17"/>
-                  </a:cxn>
-                  <a:cxn ang="0">
-                    <a:pos x="connsiteX18" y="connsiteY18"/>
-                  </a:cxn>
-                  <a:cxn ang="0">
-                    <a:pos x="connsiteX19" y="connsiteY19"/>
-                  </a:cxn>
-                  <a:cxn ang="0">
-                    <a:pos x="connsiteX20" y="connsiteY20"/>
-                  </a:cxn>
-                  <a:cxn ang="0">
-                    <a:pos x="connsiteX21" y="connsiteY21"/>
-                  </a:cxn>
-                  <a:cxn ang="0">
-                    <a:pos x="connsiteX22" y="connsiteY22"/>
-                  </a:cxn>
-                  <a:cxn ang="0">
-                    <a:pos x="connsiteX23" y="connsiteY23"/>
-                  </a:cxn>
-                  <a:cxn ang="0">
-                    <a:pos x="connsiteX24" y="connsiteY24"/>
-                  </a:cxn>
-                  <a:cxn ang="0">
-                    <a:pos x="connsiteX25" y="connsiteY25"/>
-                  </a:cxn>
-                  <a:cxn ang="0">
-                    <a:pos x="connsiteX26" y="connsiteY26"/>
-                  </a:cxn>
-                  <a:cxn ang="0">
-                    <a:pos x="connsiteX27" y="connsiteY27"/>
-                  </a:cxn>
-                  <a:cxn ang="0">
-                    <a:pos x="connsiteX28" y="connsiteY28"/>
-                  </a:cxn>
-                  <a:cxn ang="0">
-                    <a:pos x="connsiteX29" y="connsiteY29"/>
-                  </a:cxn>
-                  <a:cxn ang="0">
-                    <a:pos x="connsiteX30" y="connsiteY30"/>
-                  </a:cxn>
-                  <a:cxn ang="0">
-                    <a:pos x="connsiteX31" y="connsiteY31"/>
-                  </a:cxn>
-                  <a:cxn ang="0">
-                    <a:pos x="connsiteX32" y="connsiteY32"/>
-                  </a:cxn>
-                  <a:cxn ang="0">
-                    <a:pos x="connsiteX33" y="connsiteY33"/>
-                  </a:cxn>
-                  <a:cxn ang="0">
-                    <a:pos x="connsiteX34" y="connsiteY34"/>
-                  </a:cxn>
-                  <a:cxn ang="0">
-                    <a:pos x="connsiteX35" y="connsiteY35"/>
-                  </a:cxn>
-                  <a:cxn ang="0">
-                    <a:pos x="connsiteX36" y="connsiteY36"/>
-                  </a:cxn>
-                  <a:cxn ang="0">
-                    <a:pos x="connsiteX37" y="connsiteY37"/>
-                  </a:cxn>
-                  <a:cxn ang="0">
-                    <a:pos x="connsiteX38" y="connsiteY38"/>
-                  </a:cxn>
-                  <a:cxn ang="0">
-                    <a:pos x="connsiteX39" y="connsiteY39"/>
-                  </a:cxn>
-                  <a:cxn ang="0">
-                    <a:pos x="connsiteX40" y="connsiteY40"/>
-                  </a:cxn>
-                  <a:cxn ang="0">
-                    <a:pos x="connsiteX41" y="connsiteY41"/>
-                  </a:cxn>
-                  <a:cxn ang="0">
-                    <a:pos x="connsiteX42" y="connsiteY42"/>
-                  </a:cxn>
-                  <a:cxn ang="0">
-                    <a:pos x="connsiteX43" y="connsiteY43"/>
-                  </a:cxn>
-                  <a:cxn ang="0">
-                    <a:pos x="connsiteX44" y="connsiteY44"/>
-                  </a:cxn>
-                  <a:cxn ang="0">
-                    <a:pos x="connsiteX45" y="connsiteY45"/>
-                  </a:cxn>
-                  <a:cxn ang="0">
-                    <a:pos x="connsiteX46" y="connsiteY46"/>
-                  </a:cxn>
-                  <a:cxn ang="0">
-                    <a:pos x="connsiteX47" y="connsiteY47"/>
-                  </a:cxn>
-                  <a:cxn ang="0">
-                    <a:pos x="connsiteX48" y="connsiteY48"/>
-                  </a:cxn>
-                  <a:cxn ang="0">
-                    <a:pos x="connsiteX49" y="connsiteY49"/>
-                  </a:cxn>
-                  <a:cxn ang="0">
-                    <a:pos x="connsiteX50" y="connsiteY50"/>
-                  </a:cxn>
-                  <a:cxn ang="0">
-                    <a:pos x="connsiteX51" y="connsiteY51"/>
-                  </a:cxn>
-                  <a:cxn ang="0">
-                    <a:pos x="connsiteX52" y="connsiteY52"/>
-                  </a:cxn>
-                  <a:cxn ang="0">
-                    <a:pos x="connsiteX53" y="connsiteY53"/>
-                  </a:cxn>
-                  <a:cxn ang="0">
-                    <a:pos x="connsiteX54" y="connsiteY54"/>
-                  </a:cxn>
-                  <a:cxn ang="0">
-                    <a:pos x="connsiteX55" y="connsiteY55"/>
-                  </a:cxn>
-                  <a:cxn ang="0">
-                    <a:pos x="connsiteX56" y="connsiteY56"/>
-                  </a:cxn>
-                  <a:cxn ang="0">
-                    <a:pos x="connsiteX57" y="connsiteY57"/>
-                  </a:cxn>
-                  <a:cxn ang="0">
-                    <a:pos x="connsiteX58" y="connsiteY58"/>
-                  </a:cxn>
-                  <a:cxn ang="0">
-                    <a:pos x="connsiteX59" y="connsiteY59"/>
-                  </a:cxn>
-                  <a:cxn ang="0">
-                    <a:pos x="connsiteX60" y="connsiteY60"/>
-                  </a:cxn>
-                  <a:cxn ang="0">
-                    <a:pos x="connsiteX61" y="connsiteY61"/>
-                  </a:cxn>
-                </a:cxnLst>
-                <a:rect l="l" t="t" r="r" b="b"/>
-                <a:pathLst>
-                  <a:path w="582235" h="606722">
-                    <a:moveTo>
-                      <a:pt x="0" y="404481"/>
-                    </a:moveTo>
-                    <a:lnTo>
-                      <a:pt x="101261" y="404481"/>
-                    </a:lnTo>
-                    <a:lnTo>
-                      <a:pt x="101261" y="606722"/>
-                    </a:lnTo>
-                    <a:lnTo>
-                      <a:pt x="0" y="606722"/>
-                    </a:lnTo>
-                    <a:close/>
-                    <a:moveTo>
-                      <a:pt x="151927" y="328623"/>
-                    </a:moveTo>
-                    <a:lnTo>
-                      <a:pt x="253188" y="328623"/>
-                    </a:lnTo>
-                    <a:lnTo>
-                      <a:pt x="253188" y="606722"/>
-                    </a:lnTo>
-                    <a:lnTo>
-                      <a:pt x="151927" y="606722"/>
-                    </a:lnTo>
-                    <a:close/>
-                    <a:moveTo>
-                      <a:pt x="303855" y="252766"/>
-                    </a:moveTo>
-                    <a:lnTo>
-                      <a:pt x="405046" y="252766"/>
-                    </a:lnTo>
-                    <a:lnTo>
-                      <a:pt x="405046" y="606722"/>
-                    </a:lnTo>
-                    <a:lnTo>
-                      <a:pt x="303855" y="606722"/>
-                    </a:lnTo>
-                    <a:close/>
-                    <a:moveTo>
-                      <a:pt x="455711" y="202241"/>
-                    </a:moveTo>
-                    <a:lnTo>
-                      <a:pt x="556972" y="202241"/>
-                    </a:lnTo>
-                    <a:lnTo>
-                      <a:pt x="556972" y="606722"/>
-                    </a:lnTo>
-                    <a:lnTo>
-                      <a:pt x="455711" y="606722"/>
-                    </a:lnTo>
-                    <a:close/>
-                    <a:moveTo>
-                      <a:pt x="455697" y="0"/>
-                    </a:moveTo>
-                    <a:lnTo>
-                      <a:pt x="556785" y="0"/>
-                    </a:lnTo>
-                    <a:lnTo>
-                      <a:pt x="556874" y="0"/>
-                    </a:lnTo>
-                    <a:lnTo>
-                      <a:pt x="556963" y="0"/>
-                    </a:lnTo>
-                    <a:cubicBezTo>
-                      <a:pt x="557230" y="0"/>
-                      <a:pt x="557408" y="0"/>
-                      <a:pt x="557675" y="0"/>
-                    </a:cubicBezTo>
-                    <a:cubicBezTo>
-                      <a:pt x="558298" y="89"/>
-                      <a:pt x="558832" y="89"/>
-                      <a:pt x="559366" y="89"/>
-                    </a:cubicBezTo>
-                    <a:cubicBezTo>
-                      <a:pt x="559811" y="178"/>
-                      <a:pt x="560256" y="267"/>
-                      <a:pt x="560611" y="267"/>
-                    </a:cubicBezTo>
-                    <a:cubicBezTo>
-                      <a:pt x="561056" y="356"/>
-                      <a:pt x="561412" y="444"/>
-                      <a:pt x="561857" y="444"/>
-                    </a:cubicBezTo>
-                    <a:cubicBezTo>
-                      <a:pt x="562302" y="533"/>
-                      <a:pt x="562747" y="711"/>
-                      <a:pt x="563192" y="800"/>
-                    </a:cubicBezTo>
-                    <a:cubicBezTo>
-                      <a:pt x="563548" y="889"/>
-                      <a:pt x="563904" y="978"/>
-                      <a:pt x="564171" y="1067"/>
-                    </a:cubicBezTo>
-                    <a:cubicBezTo>
-                      <a:pt x="564616" y="1156"/>
-                      <a:pt x="565061" y="1333"/>
-                      <a:pt x="565506" y="1511"/>
-                    </a:cubicBezTo>
-                    <a:cubicBezTo>
-                      <a:pt x="565862" y="1600"/>
-                      <a:pt x="566218" y="1778"/>
-                      <a:pt x="566574" y="1867"/>
-                    </a:cubicBezTo>
-                    <a:cubicBezTo>
-                      <a:pt x="566929" y="2044"/>
-                      <a:pt x="567285" y="2222"/>
-                      <a:pt x="567730" y="2400"/>
-                    </a:cubicBezTo>
-                    <a:cubicBezTo>
-                      <a:pt x="568086" y="2578"/>
-                      <a:pt x="568442" y="2755"/>
-                      <a:pt x="568798" y="2933"/>
-                    </a:cubicBezTo>
-                    <a:cubicBezTo>
-                      <a:pt x="569154" y="3111"/>
-                      <a:pt x="569421" y="3289"/>
-                      <a:pt x="569777" y="3467"/>
-                    </a:cubicBezTo>
-                    <a:cubicBezTo>
-                      <a:pt x="570133" y="3733"/>
-                      <a:pt x="570578" y="4000"/>
-                      <a:pt x="570934" y="4178"/>
-                    </a:cubicBezTo>
-                    <a:cubicBezTo>
-                      <a:pt x="571201" y="4444"/>
-                      <a:pt x="571557" y="4622"/>
-                      <a:pt x="571824" y="4800"/>
-                    </a:cubicBezTo>
-                    <a:cubicBezTo>
-                      <a:pt x="572180" y="5155"/>
-                      <a:pt x="572536" y="5422"/>
-                      <a:pt x="572891" y="5689"/>
-                    </a:cubicBezTo>
-                    <a:cubicBezTo>
-                      <a:pt x="573247" y="5955"/>
-                      <a:pt x="573514" y="6222"/>
-                      <a:pt x="573781" y="6489"/>
-                    </a:cubicBezTo>
-                    <a:cubicBezTo>
-                      <a:pt x="574137" y="6755"/>
-                      <a:pt x="574493" y="7022"/>
-                      <a:pt x="574760" y="7289"/>
-                    </a:cubicBezTo>
-                    <a:cubicBezTo>
-                      <a:pt x="575205" y="7733"/>
-                      <a:pt x="575561" y="8178"/>
-                      <a:pt x="575917" y="8533"/>
-                    </a:cubicBezTo>
-                    <a:cubicBezTo>
-                      <a:pt x="576095" y="8711"/>
-                      <a:pt x="576273" y="8889"/>
-                      <a:pt x="576451" y="9066"/>
-                    </a:cubicBezTo>
-                    <a:cubicBezTo>
-                      <a:pt x="576451" y="9155"/>
-                      <a:pt x="576451" y="9155"/>
-                      <a:pt x="576451" y="9155"/>
-                    </a:cubicBezTo>
-                    <a:cubicBezTo>
-                      <a:pt x="576985" y="9777"/>
-                      <a:pt x="577519" y="10489"/>
-                      <a:pt x="577964" y="11200"/>
-                    </a:cubicBezTo>
-                    <a:cubicBezTo>
-                      <a:pt x="577964" y="11200"/>
-                      <a:pt x="578053" y="11289"/>
-                      <a:pt x="578053" y="11289"/>
-                    </a:cubicBezTo>
-                    <a:cubicBezTo>
-                      <a:pt x="578498" y="12000"/>
-                      <a:pt x="578854" y="12622"/>
-                      <a:pt x="579209" y="13244"/>
-                    </a:cubicBezTo>
-                    <a:cubicBezTo>
-                      <a:pt x="579387" y="13600"/>
-                      <a:pt x="579565" y="13955"/>
-                      <a:pt x="579743" y="14222"/>
-                    </a:cubicBezTo>
-                    <a:cubicBezTo>
-                      <a:pt x="579921" y="14666"/>
-                      <a:pt x="580099" y="15111"/>
-                      <a:pt x="580277" y="15555"/>
-                    </a:cubicBezTo>
-                    <a:cubicBezTo>
-                      <a:pt x="580455" y="15911"/>
-                      <a:pt x="580633" y="16266"/>
-                      <a:pt x="580722" y="16711"/>
-                    </a:cubicBezTo>
-                    <a:cubicBezTo>
-                      <a:pt x="580900" y="17066"/>
-                      <a:pt x="581078" y="17422"/>
-                      <a:pt x="581167" y="17866"/>
-                    </a:cubicBezTo>
-                    <a:cubicBezTo>
-                      <a:pt x="581256" y="18311"/>
-                      <a:pt x="581434" y="18755"/>
-                      <a:pt x="581523" y="19199"/>
-                    </a:cubicBezTo>
-                    <a:cubicBezTo>
-                      <a:pt x="581612" y="19555"/>
-                      <a:pt x="581701" y="19910"/>
-                      <a:pt x="581790" y="20266"/>
-                    </a:cubicBezTo>
-                    <a:cubicBezTo>
-                      <a:pt x="581879" y="20977"/>
-                      <a:pt x="582057" y="21777"/>
-                      <a:pt x="582146" y="22488"/>
-                    </a:cubicBezTo>
-                    <a:cubicBezTo>
-                      <a:pt x="582146" y="22577"/>
-                      <a:pt x="582146" y="22666"/>
-                      <a:pt x="582146" y="22666"/>
-                    </a:cubicBezTo>
-                    <a:cubicBezTo>
-                      <a:pt x="582235" y="23555"/>
-                      <a:pt x="582235" y="24355"/>
-                      <a:pt x="582235" y="25244"/>
-                    </a:cubicBezTo>
-                    <a:lnTo>
-                      <a:pt x="582235" y="126396"/>
-                    </a:lnTo>
-                    <a:cubicBezTo>
-                      <a:pt x="582235" y="140351"/>
-                      <a:pt x="570934" y="151728"/>
-                      <a:pt x="556963" y="151728"/>
-                    </a:cubicBezTo>
-                    <a:cubicBezTo>
-                      <a:pt x="542992" y="151728"/>
-                      <a:pt x="531691" y="140351"/>
-                      <a:pt x="531691" y="126396"/>
-                    </a:cubicBezTo>
-                    <a:lnTo>
-                      <a:pt x="531691" y="79286"/>
-                    </a:lnTo>
-                    <a:lnTo>
-                      <a:pt x="421260" y="171106"/>
-                    </a:lnTo>
-                    <a:cubicBezTo>
-                      <a:pt x="410582" y="180083"/>
-                      <a:pt x="394564" y="178572"/>
-                      <a:pt x="385666" y="167906"/>
-                    </a:cubicBezTo>
-                    <a:cubicBezTo>
-                      <a:pt x="376678" y="157150"/>
-                      <a:pt x="378191" y="141240"/>
-                      <a:pt x="388869" y="132262"/>
-                    </a:cubicBezTo>
-                    <a:lnTo>
-                      <a:pt x="487020" y="50576"/>
-                    </a:lnTo>
-                    <a:lnTo>
-                      <a:pt x="455697" y="50576"/>
-                    </a:lnTo>
-                    <a:cubicBezTo>
-                      <a:pt x="441727" y="50576"/>
-                      <a:pt x="430425" y="39288"/>
-                      <a:pt x="430425" y="25244"/>
-                    </a:cubicBezTo>
-                    <a:cubicBezTo>
-                      <a:pt x="430425" y="11289"/>
-                      <a:pt x="441727" y="0"/>
-                      <a:pt x="455697" y="0"/>
-                    </a:cubicBezTo>
-                    <a:close/>
-                  </a:path>
-                </a:pathLst>
-              </a:custGeom>
-              <a:solidFill>
-                <a:schemeClr val="bg1"/>
-              </a:solidFill>
-              <a:ln>
-                <a:noFill/>
-              </a:ln>
-              <a:effectLst/>
-            </p:spPr>
-            <p:txBody>
-              <a:bodyPr wrap="square" lIns="91440" tIns="45720" rIns="91440" bIns="45720" anchor="ctr">
-                <a:normAutofit fontScale="25000" lnSpcReduction="20000"/>
-              </a:bodyPr>
-              <a:lstStyle>
-                <a:defPPr>
-                  <a:defRPr lang="zh-CN"/>
-                </a:defPPr>
-                <a:lvl1pPr marL="0" algn="l" defTabSz="913765" rtl="0" eaLnBrk="1" latinLnBrk="0" hangingPunct="1">
-                  <a:defRPr sz="1800" kern="1200">
-                    <a:solidFill>
-                      <a:schemeClr val="tx1"/>
-                    </a:solidFill>
-                  </a:defRPr>
-                </a:lvl1pPr>
-                <a:lvl2pPr marL="457200" algn="l" defTabSz="913765" rtl="0" eaLnBrk="1" latinLnBrk="0" hangingPunct="1">
-                  <a:defRPr sz="1800" kern="1200">
-                    <a:solidFill>
-                      <a:schemeClr val="tx1"/>
-                    </a:solidFill>
-                  </a:defRPr>
-                </a:lvl2pPr>
-                <a:lvl3pPr marL="914400" algn="l" defTabSz="913765" rtl="0" eaLnBrk="1" latinLnBrk="0" hangingPunct="1">
-                  <a:defRPr sz="1800" kern="1200">
-                    <a:solidFill>
-                      <a:schemeClr val="tx1"/>
-                    </a:solidFill>
-                  </a:defRPr>
-                </a:lvl3pPr>
-                <a:lvl4pPr marL="1371600" algn="l" defTabSz="913765" rtl="0" eaLnBrk="1" latinLnBrk="0" hangingPunct="1">
-                  <a:defRPr sz="1800" kern="1200">
-                    <a:solidFill>
-                      <a:schemeClr val="tx1"/>
-                    </a:solidFill>
-                  </a:defRPr>
-                </a:lvl4pPr>
-                <a:lvl5pPr marL="1828800" algn="l" defTabSz="913765" rtl="0" eaLnBrk="1" latinLnBrk="0" hangingPunct="1">
-                  <a:defRPr sz="1800" kern="1200">
-                    <a:solidFill>
-                      <a:schemeClr val="tx1"/>
-                    </a:solidFill>
-                  </a:defRPr>
-                </a:lvl5pPr>
-                <a:lvl6pPr marL="2286000" algn="l" defTabSz="913765" rtl="0" eaLnBrk="1" latinLnBrk="0" hangingPunct="1">
-                  <a:defRPr sz="1800" kern="1200">
-                    <a:solidFill>
-                      <a:schemeClr val="tx1"/>
-                    </a:solidFill>
-                  </a:defRPr>
-                </a:lvl6pPr>
-                <a:lvl7pPr marL="2743200" algn="l" defTabSz="913765" rtl="0" eaLnBrk="1" latinLnBrk="0" hangingPunct="1">
-                  <a:defRPr sz="1800" kern="1200">
-                    <a:solidFill>
-                      <a:schemeClr val="tx1"/>
-                    </a:solidFill>
-                  </a:defRPr>
-                </a:lvl7pPr>
-                <a:lvl8pPr marL="3200400" algn="l" defTabSz="913765" rtl="0" eaLnBrk="1" latinLnBrk="0" hangingPunct="1">
-                  <a:defRPr sz="1800" kern="1200">
-                    <a:solidFill>
-                      <a:schemeClr val="tx1"/>
-                    </a:solidFill>
-                  </a:defRPr>
-                </a:lvl8pPr>
-                <a:lvl9pPr marL="3657600" algn="l" defTabSz="913765" rtl="0" eaLnBrk="1" latinLnBrk="0" hangingPunct="1">
-                  <a:defRPr sz="1800" kern="1200">
-                    <a:solidFill>
-                      <a:schemeClr val="tx1"/>
-                    </a:solidFill>
-                  </a:defRPr>
-                </a:lvl9pPr>
-              </a:lstStyle>
-              <a:p>
-                <a:pPr fontAlgn="base" hangingPunct="0">
-                  <a:spcBef>
-                    <a:spcPct val="0"/>
-                  </a:spcBef>
-                  <a:spcAft>
-                    <a:spcPct val="0"/>
-                  </a:spcAft>
-                </a:pPr>
-                <a:endParaRPr lang="zh-CN" altLang="zh-CN" sz="6400">
-                  <a:solidFill>
-                    <a:srgbClr val="000000"/>
-                  </a:solidFill>
-                </a:endParaRPr>
-              </a:p>
-            </p:txBody>
-          </p:sp>
-        </p:grpSp>
-        <p:sp>
-          <p:nvSpPr>
-            <p:cNvPr id="17" name="ïŝ1îḑé"/>
-            <p:cNvSpPr/>
-            <p:nvPr/>
-          </p:nvSpPr>
-          <p:spPr>
-            <a:xfrm>
-              <a:off x="6501955" y="4595984"/>
-              <a:ext cx="877163" cy="369332"/>
-            </a:xfrm>
-            <a:prstGeom prst="rect">
-              <a:avLst/>
-            </a:prstGeom>
-            <a:solidFill>
-              <a:schemeClr val="bg1"/>
-            </a:solidFill>
-          </p:spPr>
-          <p:txBody>
-            <a:bodyPr wrap="square" lIns="91440" tIns="45720" rIns="91440" bIns="45720">
-              <a:normAutofit/>
-            </a:bodyPr>
-            <a:lstStyle/>
-            <a:p>
-              <a:pPr algn="ctr"/>
-              <a:r>
-                <a:rPr lang="en-US" altLang="zh-CN" dirty="0"/>
-                <a:t>Text</a:t>
-              </a:r>
-              <a:endParaRPr lang="zh-CN" altLang="en-US" dirty="0"/>
-            </a:p>
-          </p:txBody>
-        </p:sp>
-        <p:sp>
-          <p:nvSpPr>
-            <p:cNvPr id="18" name="îSlíḍê"/>
-            <p:cNvSpPr txBox="1"/>
-            <p:nvPr/>
-          </p:nvSpPr>
-          <p:spPr>
-            <a:xfrm>
-              <a:off x="673102" y="1130300"/>
-              <a:ext cx="3826038" cy="852162"/>
-            </a:xfrm>
-            <a:prstGeom prst="rect">
-              <a:avLst/>
-            </a:prstGeom>
-            <a:noFill/>
-            <a:ln>
-              <a:noFill/>
-            </a:ln>
-          </p:spPr>
-          <p:txBody>
-            <a:bodyPr wrap="square" lIns="90000" tIns="46800" rIns="90000" bIns="46800" anchor="b" anchorCtr="0">
-              <a:normAutofit/>
-            </a:bodyPr>
-            <a:lstStyle/>
-            <a:p>
-              <a:pPr>
-                <a:buSzPct val="25000"/>
-              </a:pPr>
-              <a:r>
-                <a:rPr lang="en-US" sz="2000" b="1" dirty="0"/>
-                <a:t>Unified fonts make</a:t>
-              </a:r>
-            </a:p>
-            <a:p>
-              <a:pPr>
-                <a:buSzPct val="25000"/>
-              </a:pPr>
-              <a:r>
-                <a:rPr lang="en-US" sz="2000" b="1" dirty="0"/>
-                <a:t>reading more fluent.</a:t>
-              </a:r>
-            </a:p>
-          </p:txBody>
-        </p:sp>
-        <p:sp>
-          <p:nvSpPr>
-            <p:cNvPr id="19" name="î$ļide"/>
-            <p:cNvSpPr txBox="1"/>
-            <p:nvPr/>
-          </p:nvSpPr>
-          <p:spPr>
-            <a:xfrm>
-              <a:off x="673100" y="1982461"/>
-              <a:ext cx="3826039" cy="1042172"/>
-            </a:xfrm>
-            <a:prstGeom prst="rect">
-              <a:avLst/>
-            </a:prstGeom>
-            <a:noFill/>
-            <a:ln>
-              <a:noFill/>
-            </a:ln>
-          </p:spPr>
-          <p:txBody>
-            <a:bodyPr wrap="square" lIns="90000" tIns="46800" rIns="90000" bIns="46800" anchor="t" anchorCtr="0">
-              <a:normAutofit/>
-            </a:bodyPr>
-            <a:lstStyle/>
-            <a:p>
-              <a:pPr>
-                <a:lnSpc>
-                  <a:spcPct val="150000"/>
-                </a:lnSpc>
-                <a:buSzPct val="25000"/>
-              </a:pPr>
-              <a:r>
-                <a:rPr lang="en-US" sz="1100" dirty="0"/>
-                <a:t>Theme color makes PPT more convenient to change.</a:t>
-              </a:r>
-            </a:p>
-            <a:p>
-              <a:pPr>
-                <a:lnSpc>
-                  <a:spcPct val="150000"/>
-                </a:lnSpc>
-                <a:buSzPct val="25000"/>
-              </a:pPr>
-              <a:r>
-                <a:rPr lang="en-US" sz="1100" dirty="0"/>
-                <a:t>Adjust the spacing to adapt to Chinese typesetting, use the reference line in PPT.</a:t>
-              </a:r>
-            </a:p>
-          </p:txBody>
-        </p:sp>
-      </p:grpSp>
       <p:pic>
         <p:nvPicPr>
-          <p:cNvPr id="40" name="图片 39" descr="logo0"/>
+          <p:cNvPr id="4" name="Picture 3"/>
           <p:cNvPicPr>
             <a:picLocks noChangeAspect="1"/>
           </p:cNvPicPr>
-          <p:nvPr userDrawn="1"/>
+          <p:nvPr/>
         </p:nvPicPr>
         <p:blipFill>
-          <a:blip r:embed="rId4"/>
+          <a:blip r:embed="rId2"/>
           <a:stretch>
             <a:fillRect/>
           </a:stretch>
         </p:blipFill>
         <p:spPr>
           <a:xfrm>
-            <a:off x="9822815" y="491490"/>
-            <a:ext cx="1638300" cy="445135"/>
+            <a:off x="2425700" y="2070100"/>
+            <a:ext cx="7340600" cy="2705100"/>
           </a:xfrm>
           <a:prstGeom prst="rect">
             <a:avLst/>
@@ -14230,17 +8258,15 @@
         </p:spPr>
       </p:pic>
     </p:spTree>
+    <p:extLst>
+      <p:ext uri="{BB962C8B-B14F-4D97-AF65-F5344CB8AC3E}">
+        <p14:creationId xmlns:p14="http://schemas.microsoft.com/office/powerpoint/2010/main" val="3075105849"/>
+      </p:ext>
+    </p:extLst>
   </p:cSld>
   <p:clrMapOvr>
     <a:masterClrMapping/>
   </p:clrMapOvr>
-  <p:timing>
-    <p:tnLst>
-      <p:par>
-        <p:cTn xmlns:p14="http://schemas.microsoft.com/office/powerpoint/2010/main" id="1" dur="indefinite" restart="never" nodeType="tmRoot"/>
-      </p:par>
-    </p:tnLst>
-  </p:timing>
 </p:sld>
 </file>
 
@@ -14277,8 +8303,8 @@
           <a:lstStyle/>
           <a:p>
             <a:r>
-              <a:rPr lang="en-US" altLang="zh-CN" dirty="0" err="1" smtClean="0"/>
-              <a:t>LeNet</a:t>
+              <a:rPr lang="en-US" dirty="0" smtClean="0"/>
+              <a:t>Convolutional Neural Network</a:t>
             </a:r>
             <a:endParaRPr lang="en-US" dirty="0"/>
           </a:p>
@@ -14302,6 +8328,524 @@
             <a:fld id="{5DD3DB80-B894-403A-B48E-6FDC1A72010E}" type="slidenum">
               <a:rPr lang="zh-CN" altLang="en-US" smtClean="0"/>
               <a:t>5</a:t>
+            </a:fld>
+            <a:endParaRPr lang="zh-CN" altLang="en-US"/>
+          </a:p>
+        </p:txBody>
+      </p:sp>
+      <p:pic>
+        <p:nvPicPr>
+          <p:cNvPr id="4" name="Picture 3"/>
+          <p:cNvPicPr>
+            <a:picLocks noChangeAspect="1"/>
+          </p:cNvPicPr>
+          <p:nvPr/>
+        </p:nvPicPr>
+        <p:blipFill>
+          <a:blip r:embed="rId2"/>
+          <a:stretch>
+            <a:fillRect/>
+          </a:stretch>
+        </p:blipFill>
+        <p:spPr>
+          <a:xfrm>
+            <a:off x="889000" y="1625600"/>
+            <a:ext cx="10401300" cy="3594100"/>
+          </a:xfrm>
+          <a:prstGeom prst="rect">
+            <a:avLst/>
+          </a:prstGeom>
+        </p:spPr>
+      </p:pic>
+    </p:spTree>
+    <p:extLst>
+      <p:ext uri="{BB962C8B-B14F-4D97-AF65-F5344CB8AC3E}">
+        <p14:creationId xmlns:p14="http://schemas.microsoft.com/office/powerpoint/2010/main" val="297236336"/>
+      </p:ext>
+    </p:extLst>
+  </p:cSld>
+  <p:clrMapOvr>
+    <a:masterClrMapping/>
+  </p:clrMapOvr>
+</p:sld>
+</file>
+
+<file path=ppt/slides/slide6.xml><?xml version="1.0" encoding="utf-8"?>
+<p:sld xmlns:a="http://schemas.openxmlformats.org/drawingml/2006/main" xmlns:r="http://schemas.openxmlformats.org/officeDocument/2006/relationships" xmlns:p="http://schemas.openxmlformats.org/presentationml/2006/main">
+  <p:cSld>
+    <p:spTree>
+      <p:nvGrpSpPr>
+        <p:cNvPr id="1" name=""/>
+        <p:cNvGrpSpPr/>
+        <p:nvPr/>
+      </p:nvGrpSpPr>
+      <p:grpSpPr>
+        <a:xfrm>
+          <a:off x="0" y="0"/>
+          <a:ext cx="0" cy="0"/>
+          <a:chOff x="0" y="0"/>
+          <a:chExt cx="0" cy="0"/>
+        </a:xfrm>
+      </p:grpSpPr>
+      <p:sp>
+        <p:nvSpPr>
+          <p:cNvPr id="2" name="Title 1"/>
+          <p:cNvSpPr>
+            <a:spLocks noGrp="1"/>
+          </p:cNvSpPr>
+          <p:nvPr>
+            <p:ph type="title"/>
+          </p:nvPr>
+        </p:nvSpPr>
+        <p:spPr/>
+        <p:txBody>
+          <a:bodyPr/>
+          <a:lstStyle/>
+          <a:p>
+            <a:r>
+              <a:rPr lang="en-US" altLang="zh-CN" dirty="0" smtClean="0"/>
+              <a:t>Pooling Layer</a:t>
+            </a:r>
+            <a:endParaRPr lang="en-US" dirty="0"/>
+          </a:p>
+        </p:txBody>
+      </p:sp>
+      <p:sp>
+        <p:nvSpPr>
+          <p:cNvPr id="3" name="Slide Number Placeholder 2"/>
+          <p:cNvSpPr>
+            <a:spLocks noGrp="1"/>
+          </p:cNvSpPr>
+          <p:nvPr>
+            <p:ph type="sldNum" sz="quarter" idx="12"/>
+          </p:nvPr>
+        </p:nvSpPr>
+        <p:spPr/>
+        <p:txBody>
+          <a:bodyPr/>
+          <a:lstStyle/>
+          <a:p>
+            <a:fld id="{5DD3DB80-B894-403A-B48E-6FDC1A72010E}" type="slidenum">
+              <a:rPr lang="zh-CN" altLang="en-US" smtClean="0"/>
+              <a:t>6</a:t>
+            </a:fld>
+            <a:endParaRPr lang="zh-CN" altLang="en-US"/>
+          </a:p>
+        </p:txBody>
+      </p:sp>
+      <p:pic>
+        <p:nvPicPr>
+          <p:cNvPr id="4" name="Picture 3"/>
+          <p:cNvPicPr>
+            <a:picLocks noChangeAspect="1"/>
+          </p:cNvPicPr>
+          <p:nvPr/>
+        </p:nvPicPr>
+        <p:blipFill>
+          <a:blip r:embed="rId2"/>
+          <a:stretch>
+            <a:fillRect/>
+          </a:stretch>
+        </p:blipFill>
+        <p:spPr>
+          <a:xfrm>
+            <a:off x="0" y="1625600"/>
+            <a:ext cx="12192000" cy="3600489"/>
+          </a:xfrm>
+          <a:prstGeom prst="rect">
+            <a:avLst/>
+          </a:prstGeom>
+        </p:spPr>
+      </p:pic>
+    </p:spTree>
+    <p:extLst>
+      <p:ext uri="{BB962C8B-B14F-4D97-AF65-F5344CB8AC3E}">
+        <p14:creationId xmlns:p14="http://schemas.microsoft.com/office/powerpoint/2010/main" val="310568361"/>
+      </p:ext>
+    </p:extLst>
+  </p:cSld>
+  <p:clrMapOvr>
+    <a:masterClrMapping/>
+  </p:clrMapOvr>
+</p:sld>
+</file>
+
+<file path=ppt/slides/slide7.xml><?xml version="1.0" encoding="utf-8"?>
+<p:sld xmlns:a="http://schemas.openxmlformats.org/drawingml/2006/main" xmlns:r="http://schemas.openxmlformats.org/officeDocument/2006/relationships" xmlns:p="http://schemas.openxmlformats.org/presentationml/2006/main">
+  <p:cSld>
+    <p:spTree>
+      <p:nvGrpSpPr>
+        <p:cNvPr id="1" name=""/>
+        <p:cNvGrpSpPr/>
+        <p:nvPr/>
+      </p:nvGrpSpPr>
+      <p:grpSpPr>
+        <a:xfrm>
+          <a:off x="0" y="0"/>
+          <a:ext cx="0" cy="0"/>
+          <a:chOff x="0" y="0"/>
+          <a:chExt cx="0" cy="0"/>
+        </a:xfrm>
+      </p:grpSpPr>
+      <p:sp>
+        <p:nvSpPr>
+          <p:cNvPr id="12" name="标题 4"/>
+          <p:cNvSpPr>
+            <a:spLocks noGrp="1"/>
+          </p:cNvSpPr>
+          <p:nvPr>
+            <p:ph type="title"/>
+          </p:nvPr>
+        </p:nvSpPr>
+        <p:spPr/>
+        <p:txBody>
+          <a:bodyPr/>
+          <a:lstStyle/>
+          <a:p>
+            <a:r>
+              <a:rPr lang="zh-CN" altLang="en-US" dirty="0" smtClean="0"/>
+              <a:t>常用卷积神经网络架构</a:t>
+            </a:r>
+            <a:endParaRPr lang="zh-CN" altLang="en-US" dirty="0"/>
+          </a:p>
+        </p:txBody>
+      </p:sp>
+      <p:sp>
+        <p:nvSpPr>
+          <p:cNvPr id="13" name="文本占位符 5"/>
+          <p:cNvSpPr>
+            <a:spLocks noGrp="1"/>
+          </p:cNvSpPr>
+          <p:nvPr>
+            <p:ph type="body" idx="1"/>
+          </p:nvPr>
+        </p:nvSpPr>
+        <p:spPr>
+          <a:xfrm>
+            <a:off x="6027447" y="3876675"/>
+            <a:ext cx="5229104" cy="1015623"/>
+          </a:xfrm>
+        </p:spPr>
+        <p:txBody>
+          <a:bodyPr/>
+          <a:lstStyle/>
+          <a:p>
+            <a:pPr lvl="0"/>
+            <a:r>
+              <a:rPr lang="en-US" altLang="zh-CN"/>
+              <a:t>Supporting text here.</a:t>
+            </a:r>
+          </a:p>
+          <a:p>
+            <a:pPr lvl="0"/>
+            <a:r>
+              <a:rPr lang="en-US" altLang="zh-CN"/>
+              <a:t>When you copy &amp; paste, choose "keep text only" option.</a:t>
+            </a:r>
+            <a:endParaRPr lang="zh-CN" altLang="en-US" dirty="0"/>
+          </a:p>
+        </p:txBody>
+      </p:sp>
+      <p:cxnSp>
+        <p:nvCxnSpPr>
+          <p:cNvPr id="18" name="直接连接符 17"/>
+          <p:cNvCxnSpPr/>
+          <p:nvPr/>
+        </p:nvCxnSpPr>
+        <p:spPr>
+          <a:xfrm>
+            <a:off x="5867400" y="3473450"/>
+            <a:ext cx="0" cy="996950"/>
+          </a:xfrm>
+          <a:prstGeom prst="line">
+            <a:avLst/>
+          </a:prstGeom>
+          <a:ln w="12700">
+            <a:solidFill>
+              <a:schemeClr val="bg1"/>
+            </a:solidFill>
+          </a:ln>
+        </p:spPr>
+        <p:style>
+          <a:lnRef idx="1">
+            <a:schemeClr val="accent1"/>
+          </a:lnRef>
+          <a:fillRef idx="0">
+            <a:schemeClr val="accent1"/>
+          </a:fillRef>
+          <a:effectRef idx="0">
+            <a:schemeClr val="accent1"/>
+          </a:effectRef>
+          <a:fontRef idx="minor">
+            <a:schemeClr val="tx1"/>
+          </a:fontRef>
+        </p:style>
+      </p:cxnSp>
+      <p:sp>
+        <p:nvSpPr>
+          <p:cNvPr id="21" name="文本框 20"/>
+          <p:cNvSpPr txBox="1"/>
+          <p:nvPr/>
+        </p:nvSpPr>
+        <p:spPr>
+          <a:xfrm>
+            <a:off x="4483100" y="3483598"/>
+            <a:ext cx="1022345" cy="993152"/>
+          </a:xfrm>
+          <a:prstGeom prst="rect">
+            <a:avLst/>
+          </a:prstGeom>
+          <a:noFill/>
+          <a:ln w="117475">
+            <a:noFill/>
+          </a:ln>
+        </p:spPr>
+        <p:txBody>
+          <a:bodyPr wrap="none" rtlCol="0">
+            <a:prstTxWarp prst="textPlain">
+              <a:avLst/>
+            </a:prstTxWarp>
+            <a:spAutoFit/>
+          </a:bodyPr>
+          <a:lstStyle/>
+          <a:p>
+            <a:r>
+              <a:rPr lang="en-US" altLang="zh-CN" spc="100" dirty="0" smtClean="0">
+                <a:solidFill>
+                  <a:schemeClr val="bg1"/>
+                </a:solidFill>
+                <a:latin typeface="Impact" panose="020B0806030902050204" pitchFamily="34" charset="0"/>
+                <a:cs typeface="Arial" panose="020B0604020202020204" pitchFamily="34" charset="0"/>
+              </a:rPr>
+              <a:t>02</a:t>
+            </a:r>
+            <a:endParaRPr lang="zh-CN" altLang="en-US" spc="100" dirty="0">
+              <a:solidFill>
+                <a:schemeClr val="bg1"/>
+              </a:solidFill>
+              <a:latin typeface="Impact" panose="020B0806030902050204" pitchFamily="34" charset="0"/>
+              <a:cs typeface="Arial" panose="020B0604020202020204" pitchFamily="34" charset="0"/>
+            </a:endParaRPr>
+          </a:p>
+        </p:txBody>
+      </p:sp>
+    </p:spTree>
+  </p:cSld>
+  <p:clrMapOvr>
+    <a:masterClrMapping/>
+  </p:clrMapOvr>
+  <p:timing>
+    <p:tnLst>
+      <p:par>
+        <p:cTn xmlns:p14="http://schemas.microsoft.com/office/powerpoint/2010/main" id="1" dur="indefinite" restart="never" nodeType="tmRoot"/>
+      </p:par>
+    </p:tnLst>
+  </p:timing>
+</p:sld>
+</file>
+
+<file path=ppt/slides/slide8.xml><?xml version="1.0" encoding="utf-8"?>
+<p:sld xmlns:a="http://schemas.openxmlformats.org/drawingml/2006/main" xmlns:r="http://schemas.openxmlformats.org/officeDocument/2006/relationships" xmlns:p="http://schemas.openxmlformats.org/presentationml/2006/main">
+  <p:cSld>
+    <p:spTree>
+      <p:nvGrpSpPr>
+        <p:cNvPr id="1" name=""/>
+        <p:cNvGrpSpPr/>
+        <p:nvPr/>
+      </p:nvGrpSpPr>
+      <p:grpSpPr>
+        <a:xfrm>
+          <a:off x="0" y="0"/>
+          <a:ext cx="0" cy="0"/>
+          <a:chOff x="0" y="0"/>
+          <a:chExt cx="0" cy="0"/>
+        </a:xfrm>
+      </p:grpSpPr>
+      <p:sp>
+        <p:nvSpPr>
+          <p:cNvPr id="2" name="Title 1"/>
+          <p:cNvSpPr>
+            <a:spLocks noGrp="1"/>
+          </p:cNvSpPr>
+          <p:nvPr>
+            <p:ph type="title"/>
+          </p:nvPr>
+        </p:nvSpPr>
+        <p:spPr/>
+        <p:txBody>
+          <a:bodyPr/>
+          <a:lstStyle/>
+          <a:p>
+            <a:r>
+              <a:rPr lang="zh-CN" altLang="en-US" dirty="0" smtClean="0"/>
+              <a:t>常见的</a:t>
+            </a:r>
+            <a:r>
+              <a:rPr lang="zh-CN" altLang="zh-CN" dirty="0" smtClean="0"/>
+              <a:t>C</a:t>
+            </a:r>
+            <a:r>
+              <a:rPr lang="en-US" altLang="zh-CN" dirty="0" err="1" smtClean="0"/>
+              <a:t>onvNet</a:t>
+            </a:r>
+            <a:r>
+              <a:rPr lang="zh-CN" altLang="en-US" dirty="0" smtClean="0"/>
+              <a:t>架构</a:t>
+            </a:r>
+            <a:endParaRPr lang="en-US" dirty="0"/>
+          </a:p>
+        </p:txBody>
+      </p:sp>
+      <p:sp>
+        <p:nvSpPr>
+          <p:cNvPr id="3" name="Slide Number Placeholder 2"/>
+          <p:cNvSpPr>
+            <a:spLocks noGrp="1"/>
+          </p:cNvSpPr>
+          <p:nvPr>
+            <p:ph type="sldNum" sz="quarter" idx="12"/>
+          </p:nvPr>
+        </p:nvSpPr>
+        <p:spPr/>
+        <p:txBody>
+          <a:bodyPr/>
+          <a:lstStyle/>
+          <a:p>
+            <a:fld id="{5DD3DB80-B894-403A-B48E-6FDC1A72010E}" type="slidenum">
+              <a:rPr lang="zh-CN" altLang="en-US" smtClean="0"/>
+              <a:t>8</a:t>
+            </a:fld>
+            <a:endParaRPr lang="zh-CN" altLang="en-US"/>
+          </a:p>
+        </p:txBody>
+      </p:sp>
+      <p:sp>
+        <p:nvSpPr>
+          <p:cNvPr id="4" name="TextBox 3"/>
+          <p:cNvSpPr txBox="1"/>
+          <p:nvPr/>
+        </p:nvSpPr>
+        <p:spPr>
+          <a:xfrm>
+            <a:off x="1053585" y="1861509"/>
+            <a:ext cx="7764778" cy="369332"/>
+          </a:xfrm>
+          <a:prstGeom prst="rect">
+            <a:avLst/>
+          </a:prstGeom>
+          <a:noFill/>
+        </p:spPr>
+        <p:txBody>
+          <a:bodyPr wrap="square" rtlCol="0">
+            <a:spAutoFit/>
+          </a:bodyPr>
+          <a:lstStyle/>
+          <a:p>
+            <a:endParaRPr lang="en-US" dirty="0"/>
+          </a:p>
+        </p:txBody>
+      </p:sp>
+      <p:sp>
+        <p:nvSpPr>
+          <p:cNvPr id="5" name="TextBox 4"/>
+          <p:cNvSpPr txBox="1"/>
+          <p:nvPr/>
+        </p:nvSpPr>
+        <p:spPr>
+          <a:xfrm>
+            <a:off x="606172" y="1370878"/>
+            <a:ext cx="8284354" cy="369332"/>
+          </a:xfrm>
+          <a:prstGeom prst="rect">
+            <a:avLst/>
+          </a:prstGeom>
+          <a:noFill/>
+        </p:spPr>
+        <p:txBody>
+          <a:bodyPr wrap="square" rtlCol="0">
+            <a:spAutoFit/>
+          </a:bodyPr>
+          <a:lstStyle/>
+          <a:p>
+            <a:r>
+              <a:rPr lang="en-US" altLang="zh-CN" dirty="0" smtClean="0"/>
+              <a:t>INPUT -&gt; [[CONV -&gt; RELU] * N -&gt; POOL] * M -&gt; [FC -&gt; RELU]*K -&gt; FC</a:t>
+            </a:r>
+            <a:endParaRPr lang="en-US" dirty="0"/>
+          </a:p>
+        </p:txBody>
+      </p:sp>
+    </p:spTree>
+    <p:extLst>
+      <p:ext uri="{BB962C8B-B14F-4D97-AF65-F5344CB8AC3E}">
+        <p14:creationId xmlns:p14="http://schemas.microsoft.com/office/powerpoint/2010/main" val="2048081072"/>
+      </p:ext>
+    </p:extLst>
+  </p:cSld>
+  <p:clrMapOvr>
+    <a:masterClrMapping/>
+  </p:clrMapOvr>
+</p:sld>
+</file>
+
+<file path=ppt/slides/slide9.xml><?xml version="1.0" encoding="utf-8"?>
+<p:sld xmlns:a="http://schemas.openxmlformats.org/drawingml/2006/main" xmlns:r="http://schemas.openxmlformats.org/officeDocument/2006/relationships" xmlns:p="http://schemas.openxmlformats.org/presentationml/2006/main">
+  <p:cSld>
+    <p:spTree>
+      <p:nvGrpSpPr>
+        <p:cNvPr id="1" name=""/>
+        <p:cNvGrpSpPr/>
+        <p:nvPr/>
+      </p:nvGrpSpPr>
+      <p:grpSpPr>
+        <a:xfrm>
+          <a:off x="0" y="0"/>
+          <a:ext cx="0" cy="0"/>
+          <a:chOff x="0" y="0"/>
+          <a:chExt cx="0" cy="0"/>
+        </a:xfrm>
+      </p:grpSpPr>
+      <p:sp>
+        <p:nvSpPr>
+          <p:cNvPr id="2" name="Title 1"/>
+          <p:cNvSpPr>
+            <a:spLocks noGrp="1"/>
+          </p:cNvSpPr>
+          <p:nvPr>
+            <p:ph type="title"/>
+          </p:nvPr>
+        </p:nvSpPr>
+        <p:spPr/>
+        <p:txBody>
+          <a:bodyPr/>
+          <a:lstStyle/>
+          <a:p>
+            <a:r>
+              <a:rPr lang="en-US" altLang="zh-CN" dirty="0" err="1" smtClean="0"/>
+              <a:t>LeNet</a:t>
+            </a:r>
+            <a:endParaRPr lang="en-US" dirty="0"/>
+          </a:p>
+        </p:txBody>
+      </p:sp>
+      <p:sp>
+        <p:nvSpPr>
+          <p:cNvPr id="3" name="Slide Number Placeholder 2"/>
+          <p:cNvSpPr>
+            <a:spLocks noGrp="1"/>
+          </p:cNvSpPr>
+          <p:nvPr>
+            <p:ph type="sldNum" sz="quarter" idx="12"/>
+          </p:nvPr>
+        </p:nvSpPr>
+        <p:spPr/>
+        <p:txBody>
+          <a:bodyPr/>
+          <a:lstStyle/>
+          <a:p>
+            <a:fld id="{5DD3DB80-B894-403A-B48E-6FDC1A72010E}" type="slidenum">
+              <a:rPr lang="zh-CN" altLang="en-US" smtClean="0"/>
+              <a:t>9</a:t>
             </a:fld>
             <a:endParaRPr lang="zh-CN" altLang="en-US"/>
           </a:p>
@@ -14394,604 +8938,6 @@
 </p:sld>
 </file>
 
-<file path=ppt/slides/slide6.xml><?xml version="1.0" encoding="utf-8"?>
-<p:sld xmlns:a="http://schemas.openxmlformats.org/drawingml/2006/main" xmlns:r="http://schemas.openxmlformats.org/officeDocument/2006/relationships" xmlns:p="http://schemas.openxmlformats.org/presentationml/2006/main">
-  <p:cSld>
-    <p:spTree>
-      <p:nvGrpSpPr>
-        <p:cNvPr id="1" name=""/>
-        <p:cNvGrpSpPr/>
-        <p:nvPr/>
-      </p:nvGrpSpPr>
-      <p:grpSpPr>
-        <a:xfrm>
-          <a:off x="0" y="0"/>
-          <a:ext cx="0" cy="0"/>
-          <a:chOff x="0" y="0"/>
-          <a:chExt cx="0" cy="0"/>
-        </a:xfrm>
-      </p:grpSpPr>
-      <p:sp>
-        <p:nvSpPr>
-          <p:cNvPr id="2" name="Title 1"/>
-          <p:cNvSpPr>
-            <a:spLocks noGrp="1"/>
-          </p:cNvSpPr>
-          <p:nvPr>
-            <p:ph type="title"/>
-          </p:nvPr>
-        </p:nvSpPr>
-        <p:spPr/>
-        <p:txBody>
-          <a:bodyPr/>
-          <a:lstStyle/>
-          <a:p>
-            <a:r>
-              <a:rPr lang="en-US" dirty="0" err="1" smtClean="0"/>
-              <a:t>AlexNet</a:t>
-            </a:r>
-            <a:endParaRPr lang="en-US" dirty="0"/>
-          </a:p>
-        </p:txBody>
-      </p:sp>
-      <p:sp>
-        <p:nvSpPr>
-          <p:cNvPr id="3" name="Slide Number Placeholder 2"/>
-          <p:cNvSpPr>
-            <a:spLocks noGrp="1"/>
-          </p:cNvSpPr>
-          <p:nvPr>
-            <p:ph type="sldNum" sz="quarter" idx="12"/>
-          </p:nvPr>
-        </p:nvSpPr>
-        <p:spPr/>
-        <p:txBody>
-          <a:bodyPr/>
-          <a:lstStyle/>
-          <a:p>
-            <a:fld id="{5DD3DB80-B894-403A-B48E-6FDC1A72010E}" type="slidenum">
-              <a:rPr lang="zh-CN" altLang="en-US" smtClean="0"/>
-              <a:t>6</a:t>
-            </a:fld>
-            <a:endParaRPr lang="zh-CN" altLang="en-US"/>
-          </a:p>
-        </p:txBody>
-      </p:sp>
-      <p:pic>
-        <p:nvPicPr>
-          <p:cNvPr id="4" name="Picture 3"/>
-          <p:cNvPicPr>
-            <a:picLocks noChangeAspect="1"/>
-          </p:cNvPicPr>
-          <p:nvPr/>
-        </p:nvPicPr>
-        <p:blipFill>
-          <a:blip r:embed="rId2"/>
-          <a:stretch>
-            <a:fillRect/>
-          </a:stretch>
-        </p:blipFill>
-        <p:spPr>
-          <a:xfrm>
-            <a:off x="698500" y="1390182"/>
-            <a:ext cx="10795000" cy="3073400"/>
-          </a:xfrm>
-          <a:prstGeom prst="rect">
-            <a:avLst/>
-          </a:prstGeom>
-        </p:spPr>
-      </p:pic>
-      <p:sp>
-        <p:nvSpPr>
-          <p:cNvPr id="5" name="TextBox 4"/>
-          <p:cNvSpPr txBox="1"/>
-          <p:nvPr/>
-        </p:nvSpPr>
-        <p:spPr>
-          <a:xfrm>
-            <a:off x="753116" y="4770139"/>
-            <a:ext cx="9332741" cy="1200329"/>
-          </a:xfrm>
-          <a:prstGeom prst="rect">
-            <a:avLst/>
-          </a:prstGeom>
-          <a:noFill/>
-        </p:spPr>
-        <p:txBody>
-          <a:bodyPr wrap="square" rtlCol="0">
-            <a:spAutoFit/>
-          </a:bodyPr>
-          <a:lstStyle/>
-          <a:p>
-            <a:r>
-              <a:rPr lang="en-US" altLang="zh-CN" dirty="0" smtClean="0"/>
-              <a:t>Alex </a:t>
-            </a:r>
-            <a:r>
-              <a:rPr lang="en-US" altLang="zh-CN" dirty="0" err="1" smtClean="0"/>
-              <a:t>Krizhevsky</a:t>
-            </a:r>
-            <a:r>
-              <a:rPr lang="en-US" altLang="zh-CN" dirty="0" smtClean="0"/>
-              <a:t> et al., 2012</a:t>
-            </a:r>
-            <a:r>
-              <a:rPr lang="zh-CN" altLang="en-US" dirty="0" smtClean="0"/>
-              <a:t>年</a:t>
-            </a:r>
-            <a:endParaRPr lang="en-US" altLang="zh-CN" dirty="0" smtClean="0"/>
-          </a:p>
-          <a:p>
-            <a:r>
-              <a:rPr lang="en-US" altLang="zh-CN" dirty="0" err="1"/>
-              <a:t>ImageNet</a:t>
-            </a:r>
-            <a:r>
-              <a:rPr lang="en-US" altLang="zh-CN" dirty="0"/>
-              <a:t> Classification with Deep </a:t>
-            </a:r>
-            <a:r>
-              <a:rPr lang="en-US" altLang="zh-CN" dirty="0" smtClean="0"/>
-              <a:t>Convolutional</a:t>
-            </a:r>
-            <a:r>
-              <a:rPr lang="zh-CN" altLang="en-US" dirty="0" smtClean="0"/>
-              <a:t> </a:t>
-            </a:r>
-            <a:r>
-              <a:rPr lang="en-US" altLang="zh-CN" dirty="0" smtClean="0"/>
-              <a:t>Neural </a:t>
-            </a:r>
-            <a:r>
-              <a:rPr lang="en-US" altLang="zh-CN" dirty="0"/>
-              <a:t>Networks</a:t>
-            </a:r>
-            <a:endParaRPr lang="en-US" altLang="zh-CN" dirty="0" smtClean="0"/>
-          </a:p>
-          <a:p>
-            <a:r>
-              <a:rPr lang="en-US" dirty="0"/>
-              <a:t>https://</a:t>
-            </a:r>
-            <a:r>
-              <a:rPr lang="en-US" dirty="0" err="1"/>
-              <a:t>www.nvidia.cn</a:t>
-            </a:r>
-            <a:r>
-              <a:rPr lang="en-US" dirty="0"/>
-              <a:t>/content/tesla/</a:t>
-            </a:r>
-            <a:r>
-              <a:rPr lang="en-US" dirty="0" err="1"/>
-              <a:t>pdf</a:t>
-            </a:r>
-            <a:r>
-              <a:rPr lang="en-US" dirty="0"/>
-              <a:t>/machine-learning/</a:t>
-            </a:r>
-            <a:r>
-              <a:rPr lang="en-US" dirty="0" err="1"/>
-              <a:t>imagenet</a:t>
-            </a:r>
-            <a:r>
-              <a:rPr lang="en-US" dirty="0"/>
-              <a:t>-classification-with-deep-convolutional-</a:t>
-            </a:r>
-            <a:r>
-              <a:rPr lang="en-US" dirty="0" err="1"/>
-              <a:t>nn.pdf</a:t>
-            </a:r>
-            <a:endParaRPr lang="en-US" dirty="0"/>
-          </a:p>
-        </p:txBody>
-      </p:sp>
-    </p:spTree>
-    <p:extLst>
-      <p:ext uri="{BB962C8B-B14F-4D97-AF65-F5344CB8AC3E}">
-        <p14:creationId xmlns:p14="http://schemas.microsoft.com/office/powerpoint/2010/main" val="686467359"/>
-      </p:ext>
-    </p:extLst>
-  </p:cSld>
-  <p:clrMapOvr>
-    <a:masterClrMapping/>
-  </p:clrMapOvr>
-</p:sld>
-</file>
-
-<file path=ppt/slides/slide7.xml><?xml version="1.0" encoding="utf-8"?>
-<p:sld xmlns:a="http://schemas.openxmlformats.org/drawingml/2006/main" xmlns:r="http://schemas.openxmlformats.org/officeDocument/2006/relationships" xmlns:p="http://schemas.openxmlformats.org/presentationml/2006/main">
-  <p:cSld>
-    <p:spTree>
-      <p:nvGrpSpPr>
-        <p:cNvPr id="1" name=""/>
-        <p:cNvGrpSpPr/>
-        <p:nvPr/>
-      </p:nvGrpSpPr>
-      <p:grpSpPr>
-        <a:xfrm>
-          <a:off x="0" y="0"/>
-          <a:ext cx="0" cy="0"/>
-          <a:chOff x="0" y="0"/>
-          <a:chExt cx="0" cy="0"/>
-        </a:xfrm>
-      </p:grpSpPr>
-      <p:sp>
-        <p:nvSpPr>
-          <p:cNvPr id="2" name="Title 1"/>
-          <p:cNvSpPr>
-            <a:spLocks noGrp="1"/>
-          </p:cNvSpPr>
-          <p:nvPr>
-            <p:ph type="title"/>
-          </p:nvPr>
-        </p:nvSpPr>
-        <p:spPr/>
-        <p:txBody>
-          <a:bodyPr/>
-          <a:lstStyle/>
-          <a:p>
-            <a:r>
-              <a:rPr lang="en-US" dirty="0" smtClean="0"/>
-              <a:t>VGG-16</a:t>
-            </a:r>
-            <a:endParaRPr lang="en-US" dirty="0"/>
-          </a:p>
-        </p:txBody>
-      </p:sp>
-      <p:sp>
-        <p:nvSpPr>
-          <p:cNvPr id="3" name="Slide Number Placeholder 2"/>
-          <p:cNvSpPr>
-            <a:spLocks noGrp="1"/>
-          </p:cNvSpPr>
-          <p:nvPr>
-            <p:ph type="sldNum" sz="quarter" idx="12"/>
-          </p:nvPr>
-        </p:nvSpPr>
-        <p:spPr/>
-        <p:txBody>
-          <a:bodyPr/>
-          <a:lstStyle/>
-          <a:p>
-            <a:fld id="{5DD3DB80-B894-403A-B48E-6FDC1A72010E}" type="slidenum">
-              <a:rPr lang="zh-CN" altLang="en-US" smtClean="0"/>
-              <a:t>7</a:t>
-            </a:fld>
-            <a:endParaRPr lang="zh-CN" altLang="en-US"/>
-          </a:p>
-        </p:txBody>
-      </p:sp>
-      <p:pic>
-        <p:nvPicPr>
-          <p:cNvPr id="4" name="Picture 3"/>
-          <p:cNvPicPr>
-            <a:picLocks noChangeAspect="1"/>
-          </p:cNvPicPr>
-          <p:nvPr/>
-        </p:nvPicPr>
-        <p:blipFill>
-          <a:blip r:embed="rId2"/>
-          <a:stretch>
-            <a:fillRect/>
-          </a:stretch>
-        </p:blipFill>
-        <p:spPr>
-          <a:xfrm>
-            <a:off x="664515" y="1223015"/>
-            <a:ext cx="8101555" cy="4748890"/>
-          </a:xfrm>
-          <a:prstGeom prst="rect">
-            <a:avLst/>
-          </a:prstGeom>
-        </p:spPr>
-      </p:pic>
-      <p:sp>
-        <p:nvSpPr>
-          <p:cNvPr id="5" name="TextBox 4"/>
-          <p:cNvSpPr txBox="1"/>
-          <p:nvPr/>
-        </p:nvSpPr>
-        <p:spPr>
-          <a:xfrm>
-            <a:off x="9642848" y="1491592"/>
-            <a:ext cx="1831107" cy="3416320"/>
-          </a:xfrm>
-          <a:prstGeom prst="rect">
-            <a:avLst/>
-          </a:prstGeom>
-          <a:noFill/>
-        </p:spPr>
-        <p:txBody>
-          <a:bodyPr wrap="square" rtlCol="0">
-            <a:spAutoFit/>
-          </a:bodyPr>
-          <a:lstStyle/>
-          <a:p>
-            <a:r>
-              <a:rPr lang="en-US" dirty="0" err="1" smtClean="0"/>
-              <a:t>Simonyan</a:t>
-            </a:r>
-            <a:r>
-              <a:rPr lang="en-US" dirty="0" smtClean="0"/>
-              <a:t> and </a:t>
-            </a:r>
-            <a:r>
-              <a:rPr lang="en-US" dirty="0" err="1" smtClean="0"/>
-              <a:t>Zisserman</a:t>
-            </a:r>
-            <a:r>
-              <a:rPr lang="en-US" dirty="0" smtClean="0"/>
-              <a:t>,</a:t>
-            </a:r>
-          </a:p>
-          <a:p>
-            <a:endParaRPr lang="en-US" dirty="0" smtClean="0"/>
-          </a:p>
-          <a:p>
-            <a:r>
-              <a:rPr lang="en-US" dirty="0" smtClean="0"/>
-              <a:t>Very </a:t>
-            </a:r>
-            <a:r>
-              <a:rPr lang="en-US" dirty="0"/>
-              <a:t>Deep Convolutional Networks for Large-Scale Image </a:t>
-            </a:r>
-            <a:r>
-              <a:rPr lang="en-US" dirty="0" smtClean="0"/>
-              <a:t>Recognition</a:t>
-            </a:r>
-          </a:p>
-          <a:p>
-            <a:endParaRPr lang="en-US" dirty="0"/>
-          </a:p>
-          <a:p>
-            <a:r>
-              <a:rPr lang="en-US" dirty="0" smtClean="0"/>
-              <a:t>https</a:t>
-            </a:r>
-            <a:r>
-              <a:rPr lang="en-US" dirty="0"/>
-              <a:t>://</a:t>
-            </a:r>
-            <a:r>
-              <a:rPr lang="en-US" dirty="0" err="1"/>
-              <a:t>arxiv.org</a:t>
-            </a:r>
-            <a:r>
-              <a:rPr lang="en-US" dirty="0"/>
-              <a:t>/abs/1409.1556</a:t>
-            </a:r>
-          </a:p>
-        </p:txBody>
-      </p:sp>
-    </p:spTree>
-    <p:extLst>
-      <p:ext uri="{BB962C8B-B14F-4D97-AF65-F5344CB8AC3E}">
-        <p14:creationId xmlns:p14="http://schemas.microsoft.com/office/powerpoint/2010/main" val="168180456"/>
-      </p:ext>
-    </p:extLst>
-  </p:cSld>
-  <p:clrMapOvr>
-    <a:masterClrMapping/>
-  </p:clrMapOvr>
-</p:sld>
-</file>
-
-<file path=ppt/slides/slide8.xml><?xml version="1.0" encoding="utf-8"?>
-<p:sld xmlns:a="http://schemas.openxmlformats.org/drawingml/2006/main" xmlns:r="http://schemas.openxmlformats.org/officeDocument/2006/relationships" xmlns:p="http://schemas.openxmlformats.org/presentationml/2006/main">
-  <p:cSld>
-    <p:spTree>
-      <p:nvGrpSpPr>
-        <p:cNvPr id="1" name=""/>
-        <p:cNvGrpSpPr/>
-        <p:nvPr/>
-      </p:nvGrpSpPr>
-      <p:grpSpPr>
-        <a:xfrm>
-          <a:off x="0" y="0"/>
-          <a:ext cx="0" cy="0"/>
-          <a:chOff x="0" y="0"/>
-          <a:chExt cx="0" cy="0"/>
-        </a:xfrm>
-      </p:grpSpPr>
-      <p:sp>
-        <p:nvSpPr>
-          <p:cNvPr id="2" name="Title 1"/>
-          <p:cNvSpPr>
-            <a:spLocks noGrp="1"/>
-          </p:cNvSpPr>
-          <p:nvPr>
-            <p:ph type="title"/>
-          </p:nvPr>
-        </p:nvSpPr>
-        <p:spPr/>
-        <p:txBody>
-          <a:bodyPr/>
-          <a:lstStyle/>
-          <a:p>
-            <a:r>
-              <a:rPr lang="en-US" dirty="0" smtClean="0"/>
-              <a:t>Inception (</a:t>
-            </a:r>
-            <a:r>
-              <a:rPr lang="en-US" dirty="0" err="1" smtClean="0"/>
-              <a:t>GoogLeNet</a:t>
-            </a:r>
-            <a:r>
-              <a:rPr lang="en-US" dirty="0" smtClean="0"/>
-              <a:t>)</a:t>
-            </a:r>
-            <a:endParaRPr lang="en-US" dirty="0"/>
-          </a:p>
-        </p:txBody>
-      </p:sp>
-      <p:sp>
-        <p:nvSpPr>
-          <p:cNvPr id="3" name="Slide Number Placeholder 2"/>
-          <p:cNvSpPr>
-            <a:spLocks noGrp="1"/>
-          </p:cNvSpPr>
-          <p:nvPr>
-            <p:ph type="sldNum" sz="quarter" idx="12"/>
-          </p:nvPr>
-        </p:nvSpPr>
-        <p:spPr/>
-        <p:txBody>
-          <a:bodyPr/>
-          <a:lstStyle/>
-          <a:p>
-            <a:fld id="{5DD3DB80-B894-403A-B48E-6FDC1A72010E}" type="slidenum">
-              <a:rPr lang="zh-CN" altLang="en-US" smtClean="0"/>
-              <a:t>8</a:t>
-            </a:fld>
-            <a:endParaRPr lang="zh-CN" altLang="en-US"/>
-          </a:p>
-        </p:txBody>
-      </p:sp>
-      <p:pic>
-        <p:nvPicPr>
-          <p:cNvPr id="4" name="Picture 3"/>
-          <p:cNvPicPr>
-            <a:picLocks noChangeAspect="1"/>
-          </p:cNvPicPr>
-          <p:nvPr/>
-        </p:nvPicPr>
-        <p:blipFill>
-          <a:blip r:embed="rId2"/>
-          <a:stretch>
-            <a:fillRect/>
-          </a:stretch>
-        </p:blipFill>
-        <p:spPr>
-          <a:xfrm>
-            <a:off x="1158123" y="1261436"/>
-            <a:ext cx="5905500" cy="4394200"/>
-          </a:xfrm>
-          <a:prstGeom prst="rect">
-            <a:avLst/>
-          </a:prstGeom>
-        </p:spPr>
-      </p:pic>
-    </p:spTree>
-    <p:extLst>
-      <p:ext uri="{BB962C8B-B14F-4D97-AF65-F5344CB8AC3E}">
-        <p14:creationId xmlns:p14="http://schemas.microsoft.com/office/powerpoint/2010/main" val="2119659935"/>
-      </p:ext>
-    </p:extLst>
-  </p:cSld>
-  <p:clrMapOvr>
-    <a:masterClrMapping/>
-  </p:clrMapOvr>
-</p:sld>
-</file>
-
-<file path=ppt/slides/slide9.xml><?xml version="1.0" encoding="utf-8"?>
-<p:sld xmlns:a="http://schemas.openxmlformats.org/drawingml/2006/main" xmlns:r="http://schemas.openxmlformats.org/officeDocument/2006/relationships" xmlns:p="http://schemas.openxmlformats.org/presentationml/2006/main">
-  <p:cSld>
-    <p:spTree>
-      <p:nvGrpSpPr>
-        <p:cNvPr id="1" name=""/>
-        <p:cNvGrpSpPr/>
-        <p:nvPr/>
-      </p:nvGrpSpPr>
-      <p:grpSpPr>
-        <a:xfrm>
-          <a:off x="0" y="0"/>
-          <a:ext cx="0" cy="0"/>
-          <a:chOff x="0" y="0"/>
-          <a:chExt cx="0" cy="0"/>
-        </a:xfrm>
-      </p:grpSpPr>
-      <p:sp>
-        <p:nvSpPr>
-          <p:cNvPr id="2" name="Title 1"/>
-          <p:cNvSpPr>
-            <a:spLocks noGrp="1"/>
-          </p:cNvSpPr>
-          <p:nvPr>
-            <p:ph type="title"/>
-          </p:nvPr>
-        </p:nvSpPr>
-        <p:spPr/>
-        <p:txBody>
-          <a:bodyPr/>
-          <a:lstStyle/>
-          <a:p>
-            <a:r>
-              <a:rPr lang="en-US" dirty="0"/>
-              <a:t>Inception (</a:t>
-            </a:r>
-            <a:r>
-              <a:rPr lang="en-US" dirty="0" err="1"/>
-              <a:t>GoogLeNet</a:t>
-            </a:r>
-            <a:r>
-              <a:rPr lang="en-US" dirty="0"/>
-              <a:t>)</a:t>
-            </a:r>
-          </a:p>
-        </p:txBody>
-      </p:sp>
-      <p:sp>
-        <p:nvSpPr>
-          <p:cNvPr id="3" name="Slide Number Placeholder 2"/>
-          <p:cNvSpPr>
-            <a:spLocks noGrp="1"/>
-          </p:cNvSpPr>
-          <p:nvPr>
-            <p:ph type="sldNum" sz="quarter" idx="12"/>
-          </p:nvPr>
-        </p:nvSpPr>
-        <p:spPr/>
-        <p:txBody>
-          <a:bodyPr/>
-          <a:lstStyle/>
-          <a:p>
-            <a:fld id="{5DD3DB80-B894-403A-B48E-6FDC1A72010E}" type="slidenum">
-              <a:rPr lang="zh-CN" altLang="en-US" smtClean="0"/>
-              <a:t>9</a:t>
-            </a:fld>
-            <a:endParaRPr lang="zh-CN" altLang="en-US"/>
-          </a:p>
-        </p:txBody>
-      </p:sp>
-      <p:pic>
-        <p:nvPicPr>
-          <p:cNvPr id="4" name="Picture 3"/>
-          <p:cNvPicPr>
-            <a:picLocks noChangeAspect="1"/>
-          </p:cNvPicPr>
-          <p:nvPr/>
-        </p:nvPicPr>
-        <p:blipFill>
-          <a:blip r:embed="rId2"/>
-          <a:stretch>
-            <a:fillRect/>
-          </a:stretch>
-        </p:blipFill>
-        <p:spPr>
-          <a:xfrm>
-            <a:off x="310106" y="1230037"/>
-            <a:ext cx="11232145" cy="4758062"/>
-          </a:xfrm>
-          <a:prstGeom prst="rect">
-            <a:avLst/>
-          </a:prstGeom>
-        </p:spPr>
-      </p:pic>
-    </p:spTree>
-    <p:extLst>
-      <p:ext uri="{BB962C8B-B14F-4D97-AF65-F5344CB8AC3E}">
-        <p14:creationId xmlns:p14="http://schemas.microsoft.com/office/powerpoint/2010/main" val="2404873191"/>
-      </p:ext>
-    </p:extLst>
-  </p:cSld>
-  <p:clrMapOvr>
-    <a:masterClrMapping/>
-  </p:clrMapOvr>
-</p:sld>
-</file>
-
 <file path=ppt/tags/tag1.xml><?xml version="1.0" encoding="utf-8"?>
 <p:tagLst xmlns:a="http://schemas.openxmlformats.org/drawingml/2006/main" xmlns:r="http://schemas.openxmlformats.org/officeDocument/2006/relationships" xmlns:p="http://schemas.openxmlformats.org/presentationml/2006/main">
   <p:tag name="KSO_WM_TEMPLATE_TOPIC_ID" val="2869567"/>
@@ -15005,12 +8951,6 @@
 <file path=ppt/tags/tag2.xml><?xml version="1.0" encoding="utf-8"?>
 <p:tagLst xmlns:a="http://schemas.openxmlformats.org/drawingml/2006/main" xmlns:r="http://schemas.openxmlformats.org/officeDocument/2006/relationships" xmlns:p="http://schemas.openxmlformats.org/presentationml/2006/main">
   <p:tag name="ISLIDE.DIAGRAM" val="3259"/>
-</p:tagLst>
-</file>
-
-<file path=ppt/tags/tag3.xml><?xml version="1.0" encoding="utf-8"?>
-<p:tagLst xmlns:a="http://schemas.openxmlformats.org/drawingml/2006/main" xmlns:r="http://schemas.openxmlformats.org/officeDocument/2006/relationships" xmlns:p="http://schemas.openxmlformats.org/presentationml/2006/main">
-  <p:tag name="ISLIDE.DIAGRAM" val="120906"/>
 </p:tagLst>
 </file>
 
@@ -15864,47 +9804,4 @@
     </a:folHlink>
   </a:clrScheme>
 </a:themeOverride>
-</file>
-
-<file path=ppt/theme/themeOverride4.xml><?xml version="1.0" encoding="utf-8"?>
-<a:themeOverride xmlns:a="http://schemas.openxmlformats.org/drawingml/2006/main">
-  <a:clrScheme name="自定义 31">
-    <a:dk1>
-      <a:srgbClr val="000000"/>
-    </a:dk1>
-    <a:lt1>
-      <a:srgbClr val="FFFFFF"/>
-    </a:lt1>
-    <a:dk2>
-      <a:srgbClr val="768394"/>
-    </a:dk2>
-    <a:lt2>
-      <a:srgbClr val="F0F0F0"/>
-    </a:lt2>
-    <a:accent1>
-      <a:srgbClr val="1CA39F"/>
-    </a:accent1>
-    <a:accent2>
-      <a:srgbClr val="FCB33A"/>
-    </a:accent2>
-    <a:accent3>
-      <a:srgbClr val="EDBD84"/>
-    </a:accent3>
-    <a:accent4>
-      <a:srgbClr val="968573"/>
-    </a:accent4>
-    <a:accent5>
-      <a:srgbClr val="8B8C7E"/>
-    </a:accent5>
-    <a:accent6>
-      <a:srgbClr val="58555E"/>
-    </a:accent6>
-    <a:hlink>
-      <a:srgbClr val="4276AA"/>
-    </a:hlink>
-    <a:folHlink>
-      <a:srgbClr val="BFBFBF"/>
-    </a:folHlink>
-  </a:clrScheme>
-</a:themeOverride>
 </file>